--- a/Treinamento_eletronica.pptx
+++ b/Treinamento_eletronica.pptx
@@ -20,6 +20,11 @@
     <p:sldId id="267" r:id="rId15"/>
     <p:sldId id="268" r:id="rId16"/>
     <p:sldId id="269" r:id="rId17"/>
+    <p:sldId id="270" r:id="rId18"/>
+    <p:sldId id="271" r:id="rId19"/>
+    <p:sldId id="272" r:id="rId20"/>
+    <p:sldId id="273" r:id="rId21"/>
+    <p:sldId id="274" r:id="rId22"/>
   </p:sldIdLst>
   <p:sldSz cx="12192000" cy="6858000"/>
   <p:notesSz cx="7559675" cy="10691812"/>
@@ -67,7 +72,7 @@
       </p:grpSpPr>
       <p:sp>
         <p:nvSpPr>
-          <p:cNvPr id="32" name="PlaceHolder 1"/>
+          <p:cNvPr id="29" name="PlaceHolder 1"/>
           <p:cNvSpPr>
             <a:spLocks noGrp="1"/>
           </p:cNvSpPr>
@@ -77,8 +82,8 @@
         </p:nvSpPr>
         <p:spPr>
           <a:xfrm>
-            <a:off x="1097280" y="286560"/>
-            <a:ext cx="10058040" cy="1450440"/>
+            <a:off x="609480" y="273600"/>
+            <a:ext cx="10972440" cy="1144800"/>
           </a:xfrm>
           <a:prstGeom prst="rect">
             <a:avLst/>
@@ -87,18 +92,16 @@
         <p:txBody>
           <a:bodyPr lIns="0" rIns="0" tIns="0" bIns="0" anchor="ctr"/>
           <a:p>
-            <a:endParaRPr b="0" lang="pt-BR" sz="1800" spc="-1" strike="noStrike">
-              <a:solidFill>
-                <a:srgbClr val="000000"/>
-              </a:solidFill>
-              <a:latin typeface="Calibri"/>
-            </a:endParaRPr>
-          </a:p>
-        </p:txBody>
-      </p:sp>
-      <p:sp>
-        <p:nvSpPr>
-          <p:cNvPr id="33" name="PlaceHolder 2"/>
+            <a:pPr algn="ctr"/>
+            <a:endParaRPr b="0" lang="pt-BR" sz="4400" spc="-1" strike="noStrike">
+              <a:latin typeface="Arial"/>
+            </a:endParaRPr>
+          </a:p>
+        </p:txBody>
+      </p:sp>
+      <p:sp>
+        <p:nvSpPr>
+          <p:cNvPr id="30" name="PlaceHolder 2"/>
           <p:cNvSpPr>
             <a:spLocks noGrp="1"/>
           </p:cNvSpPr>
@@ -108,8 +111,8 @@
         </p:nvSpPr>
         <p:spPr>
           <a:xfrm>
-            <a:off x="1097280" y="1845720"/>
-            <a:ext cx="10058040" cy="1918800"/>
+            <a:off x="609480" y="1604520"/>
+            <a:ext cx="10972440" cy="1896840"/>
           </a:xfrm>
           <a:prstGeom prst="rect">
             <a:avLst/>
@@ -120,18 +123,15 @@
             <a:normAutofit/>
           </a:bodyPr>
           <a:p>
-            <a:endParaRPr b="0" lang="pt-BR" sz="2000" spc="-1" strike="noStrike">
-              <a:solidFill>
-                <a:srgbClr val="404040"/>
-              </a:solidFill>
-              <a:latin typeface="Calibri"/>
-            </a:endParaRPr>
-          </a:p>
-        </p:txBody>
-      </p:sp>
-      <p:sp>
-        <p:nvSpPr>
-          <p:cNvPr id="34" name="PlaceHolder 3"/>
+            <a:endParaRPr b="0" lang="pt-BR" sz="3200" spc="-1" strike="noStrike">
+              <a:latin typeface="Arial"/>
+            </a:endParaRPr>
+          </a:p>
+        </p:txBody>
+      </p:sp>
+      <p:sp>
+        <p:nvSpPr>
+          <p:cNvPr id="31" name="PlaceHolder 3"/>
           <p:cNvSpPr>
             <a:spLocks noGrp="1"/>
           </p:cNvSpPr>
@@ -141,8 +141,8 @@
         </p:nvSpPr>
         <p:spPr>
           <a:xfrm>
-            <a:off x="1097280" y="3947040"/>
-            <a:ext cx="10058040" cy="1918800"/>
+            <a:off x="609480" y="3682080"/>
+            <a:ext cx="10972440" cy="1896840"/>
           </a:xfrm>
           <a:prstGeom prst="rect">
             <a:avLst/>
@@ -153,11 +153,8 @@
             <a:normAutofit/>
           </a:bodyPr>
           <a:p>
-            <a:endParaRPr b="0" lang="pt-BR" sz="2000" spc="-1" strike="noStrike">
-              <a:solidFill>
-                <a:srgbClr val="404040"/>
-              </a:solidFill>
-              <a:latin typeface="Calibri"/>
+            <a:endParaRPr b="0" lang="pt-BR" sz="3200" spc="-1" strike="noStrike">
+              <a:latin typeface="Arial"/>
             </a:endParaRPr>
           </a:p>
         </p:txBody>
@@ -186,7 +183,7 @@
       </p:grpSpPr>
       <p:sp>
         <p:nvSpPr>
-          <p:cNvPr id="35" name="PlaceHolder 1"/>
+          <p:cNvPr id="32" name="PlaceHolder 1"/>
           <p:cNvSpPr>
             <a:spLocks noGrp="1"/>
           </p:cNvSpPr>
@@ -196,8 +193,8 @@
         </p:nvSpPr>
         <p:spPr>
           <a:xfrm>
-            <a:off x="1097280" y="286560"/>
-            <a:ext cx="10058040" cy="1450440"/>
+            <a:off x="609480" y="273600"/>
+            <a:ext cx="10972440" cy="1144800"/>
           </a:xfrm>
           <a:prstGeom prst="rect">
             <a:avLst/>
@@ -206,18 +203,16 @@
         <p:txBody>
           <a:bodyPr lIns="0" rIns="0" tIns="0" bIns="0" anchor="ctr"/>
           <a:p>
-            <a:endParaRPr b="0" lang="pt-BR" sz="1800" spc="-1" strike="noStrike">
-              <a:solidFill>
-                <a:srgbClr val="000000"/>
-              </a:solidFill>
-              <a:latin typeface="Calibri"/>
-            </a:endParaRPr>
-          </a:p>
-        </p:txBody>
-      </p:sp>
-      <p:sp>
-        <p:nvSpPr>
-          <p:cNvPr id="36" name="PlaceHolder 2"/>
+            <a:pPr algn="ctr"/>
+            <a:endParaRPr b="0" lang="pt-BR" sz="4400" spc="-1" strike="noStrike">
+              <a:latin typeface="Arial"/>
+            </a:endParaRPr>
+          </a:p>
+        </p:txBody>
+      </p:sp>
+      <p:sp>
+        <p:nvSpPr>
+          <p:cNvPr id="33" name="PlaceHolder 2"/>
           <p:cNvSpPr>
             <a:spLocks noGrp="1"/>
           </p:cNvSpPr>
@@ -227,8 +222,8 @@
         </p:nvSpPr>
         <p:spPr>
           <a:xfrm>
-            <a:off x="1097280" y="1845720"/>
-            <a:ext cx="4908240" cy="1918800"/>
+            <a:off x="609480" y="1604520"/>
+            <a:ext cx="5354280" cy="1896840"/>
           </a:xfrm>
           <a:prstGeom prst="rect">
             <a:avLst/>
@@ -239,18 +234,15 @@
             <a:normAutofit/>
           </a:bodyPr>
           <a:p>
-            <a:endParaRPr b="0" lang="pt-BR" sz="2000" spc="-1" strike="noStrike">
-              <a:solidFill>
-                <a:srgbClr val="404040"/>
-              </a:solidFill>
-              <a:latin typeface="Calibri"/>
-            </a:endParaRPr>
-          </a:p>
-        </p:txBody>
-      </p:sp>
-      <p:sp>
-        <p:nvSpPr>
-          <p:cNvPr id="37" name="PlaceHolder 3"/>
+            <a:endParaRPr b="0" lang="pt-BR" sz="3200" spc="-1" strike="noStrike">
+              <a:latin typeface="Arial"/>
+            </a:endParaRPr>
+          </a:p>
+        </p:txBody>
+      </p:sp>
+      <p:sp>
+        <p:nvSpPr>
+          <p:cNvPr id="34" name="PlaceHolder 3"/>
           <p:cNvSpPr>
             <a:spLocks noGrp="1"/>
           </p:cNvSpPr>
@@ -260,8 +252,8 @@
         </p:nvSpPr>
         <p:spPr>
           <a:xfrm>
-            <a:off x="6251400" y="1845720"/>
-            <a:ext cx="4908240" cy="1918800"/>
+            <a:off x="6231960" y="1604520"/>
+            <a:ext cx="5354280" cy="1896840"/>
           </a:xfrm>
           <a:prstGeom prst="rect">
             <a:avLst/>
@@ -272,18 +264,15 @@
             <a:normAutofit/>
           </a:bodyPr>
           <a:p>
-            <a:endParaRPr b="0" lang="pt-BR" sz="2000" spc="-1" strike="noStrike">
-              <a:solidFill>
-                <a:srgbClr val="404040"/>
-              </a:solidFill>
-              <a:latin typeface="Calibri"/>
-            </a:endParaRPr>
-          </a:p>
-        </p:txBody>
-      </p:sp>
-      <p:sp>
-        <p:nvSpPr>
-          <p:cNvPr id="38" name="PlaceHolder 4"/>
+            <a:endParaRPr b="0" lang="pt-BR" sz="3200" spc="-1" strike="noStrike">
+              <a:latin typeface="Arial"/>
+            </a:endParaRPr>
+          </a:p>
+        </p:txBody>
+      </p:sp>
+      <p:sp>
+        <p:nvSpPr>
+          <p:cNvPr id="35" name="PlaceHolder 4"/>
           <p:cNvSpPr>
             <a:spLocks noGrp="1"/>
           </p:cNvSpPr>
@@ -293,8 +282,8 @@
         </p:nvSpPr>
         <p:spPr>
           <a:xfrm>
-            <a:off x="1097280" y="3947040"/>
-            <a:ext cx="4908240" cy="1918800"/>
+            <a:off x="609480" y="3682080"/>
+            <a:ext cx="5354280" cy="1896840"/>
           </a:xfrm>
           <a:prstGeom prst="rect">
             <a:avLst/>
@@ -305,18 +294,15 @@
             <a:normAutofit/>
           </a:bodyPr>
           <a:p>
-            <a:endParaRPr b="0" lang="pt-BR" sz="2000" spc="-1" strike="noStrike">
-              <a:solidFill>
-                <a:srgbClr val="404040"/>
-              </a:solidFill>
-              <a:latin typeface="Calibri"/>
-            </a:endParaRPr>
-          </a:p>
-        </p:txBody>
-      </p:sp>
-      <p:sp>
-        <p:nvSpPr>
-          <p:cNvPr id="39" name="PlaceHolder 5"/>
+            <a:endParaRPr b="0" lang="pt-BR" sz="3200" spc="-1" strike="noStrike">
+              <a:latin typeface="Arial"/>
+            </a:endParaRPr>
+          </a:p>
+        </p:txBody>
+      </p:sp>
+      <p:sp>
+        <p:nvSpPr>
+          <p:cNvPr id="36" name="PlaceHolder 5"/>
           <p:cNvSpPr>
             <a:spLocks noGrp="1"/>
           </p:cNvSpPr>
@@ -326,8 +312,8 @@
         </p:nvSpPr>
         <p:spPr>
           <a:xfrm>
-            <a:off x="6251400" y="3947040"/>
-            <a:ext cx="4908240" cy="1918800"/>
+            <a:off x="6231960" y="3682080"/>
+            <a:ext cx="5354280" cy="1896840"/>
           </a:xfrm>
           <a:prstGeom prst="rect">
             <a:avLst/>
@@ -338,11 +324,8 @@
             <a:normAutofit/>
           </a:bodyPr>
           <a:p>
-            <a:endParaRPr b="0" lang="pt-BR" sz="2000" spc="-1" strike="noStrike">
-              <a:solidFill>
-                <a:srgbClr val="404040"/>
-              </a:solidFill>
-              <a:latin typeface="Calibri"/>
+            <a:endParaRPr b="0" lang="pt-BR" sz="3200" spc="-1" strike="noStrike">
+              <a:latin typeface="Arial"/>
             </a:endParaRPr>
           </a:p>
         </p:txBody>
@@ -371,7 +354,7 @@
       </p:grpSpPr>
       <p:sp>
         <p:nvSpPr>
-          <p:cNvPr id="40" name="PlaceHolder 1"/>
+          <p:cNvPr id="37" name="PlaceHolder 1"/>
           <p:cNvSpPr>
             <a:spLocks noGrp="1"/>
           </p:cNvSpPr>
@@ -381,8 +364,8 @@
         </p:nvSpPr>
         <p:spPr>
           <a:xfrm>
-            <a:off x="1097280" y="286560"/>
-            <a:ext cx="10058040" cy="1450440"/>
+            <a:off x="609480" y="273600"/>
+            <a:ext cx="10972440" cy="1144800"/>
           </a:xfrm>
           <a:prstGeom prst="rect">
             <a:avLst/>
@@ -391,18 +374,16 @@
         <p:txBody>
           <a:bodyPr lIns="0" rIns="0" tIns="0" bIns="0" anchor="ctr"/>
           <a:p>
-            <a:endParaRPr b="0" lang="pt-BR" sz="1800" spc="-1" strike="noStrike">
-              <a:solidFill>
-                <a:srgbClr val="000000"/>
-              </a:solidFill>
-              <a:latin typeface="Calibri"/>
-            </a:endParaRPr>
-          </a:p>
-        </p:txBody>
-      </p:sp>
-      <p:sp>
-        <p:nvSpPr>
-          <p:cNvPr id="41" name="PlaceHolder 2"/>
+            <a:pPr algn="ctr"/>
+            <a:endParaRPr b="0" lang="pt-BR" sz="4400" spc="-1" strike="noStrike">
+              <a:latin typeface="Arial"/>
+            </a:endParaRPr>
+          </a:p>
+        </p:txBody>
+      </p:sp>
+      <p:sp>
+        <p:nvSpPr>
+          <p:cNvPr id="38" name="PlaceHolder 2"/>
           <p:cNvSpPr>
             <a:spLocks noGrp="1"/>
           </p:cNvSpPr>
@@ -412,8 +393,8 @@
         </p:nvSpPr>
         <p:spPr>
           <a:xfrm>
-            <a:off x="1097280" y="1845720"/>
-            <a:ext cx="3238560" cy="1918800"/>
+            <a:off x="609480" y="1604520"/>
+            <a:ext cx="3533040" cy="1896840"/>
           </a:xfrm>
           <a:prstGeom prst="rect">
             <a:avLst/>
@@ -424,18 +405,15 @@
             <a:normAutofit/>
           </a:bodyPr>
           <a:p>
-            <a:endParaRPr b="0" lang="pt-BR" sz="2000" spc="-1" strike="noStrike">
-              <a:solidFill>
-                <a:srgbClr val="404040"/>
-              </a:solidFill>
-              <a:latin typeface="Calibri"/>
-            </a:endParaRPr>
-          </a:p>
-        </p:txBody>
-      </p:sp>
-      <p:sp>
-        <p:nvSpPr>
-          <p:cNvPr id="42" name="PlaceHolder 3"/>
+            <a:endParaRPr b="0" lang="pt-BR" sz="3200" spc="-1" strike="noStrike">
+              <a:latin typeface="Arial"/>
+            </a:endParaRPr>
+          </a:p>
+        </p:txBody>
+      </p:sp>
+      <p:sp>
+        <p:nvSpPr>
+          <p:cNvPr id="39" name="PlaceHolder 3"/>
           <p:cNvSpPr>
             <a:spLocks noGrp="1"/>
           </p:cNvSpPr>
@@ -445,8 +423,8 @@
         </p:nvSpPr>
         <p:spPr>
           <a:xfrm>
-            <a:off x="4498200" y="1845720"/>
-            <a:ext cx="3238560" cy="1918800"/>
+            <a:off x="4319640" y="1604520"/>
+            <a:ext cx="3533040" cy="1896840"/>
           </a:xfrm>
           <a:prstGeom prst="rect">
             <a:avLst/>
@@ -457,18 +435,15 @@
             <a:normAutofit/>
           </a:bodyPr>
           <a:p>
-            <a:endParaRPr b="0" lang="pt-BR" sz="2000" spc="-1" strike="noStrike">
-              <a:solidFill>
-                <a:srgbClr val="404040"/>
-              </a:solidFill>
-              <a:latin typeface="Calibri"/>
-            </a:endParaRPr>
-          </a:p>
-        </p:txBody>
-      </p:sp>
-      <p:sp>
-        <p:nvSpPr>
-          <p:cNvPr id="43" name="PlaceHolder 4"/>
+            <a:endParaRPr b="0" lang="pt-BR" sz="3200" spc="-1" strike="noStrike">
+              <a:latin typeface="Arial"/>
+            </a:endParaRPr>
+          </a:p>
+        </p:txBody>
+      </p:sp>
+      <p:sp>
+        <p:nvSpPr>
+          <p:cNvPr id="40" name="PlaceHolder 4"/>
           <p:cNvSpPr>
             <a:spLocks noGrp="1"/>
           </p:cNvSpPr>
@@ -478,8 +453,8 @@
         </p:nvSpPr>
         <p:spPr>
           <a:xfrm>
-            <a:off x="7899120" y="1845720"/>
-            <a:ext cx="3238560" cy="1918800"/>
+            <a:off x="8029800" y="1604520"/>
+            <a:ext cx="3533040" cy="1896840"/>
           </a:xfrm>
           <a:prstGeom prst="rect">
             <a:avLst/>
@@ -490,18 +465,15 @@
             <a:normAutofit/>
           </a:bodyPr>
           <a:p>
-            <a:endParaRPr b="0" lang="pt-BR" sz="2000" spc="-1" strike="noStrike">
-              <a:solidFill>
-                <a:srgbClr val="404040"/>
-              </a:solidFill>
-              <a:latin typeface="Calibri"/>
-            </a:endParaRPr>
-          </a:p>
-        </p:txBody>
-      </p:sp>
-      <p:sp>
-        <p:nvSpPr>
-          <p:cNvPr id="44" name="PlaceHolder 5"/>
+            <a:endParaRPr b="0" lang="pt-BR" sz="3200" spc="-1" strike="noStrike">
+              <a:latin typeface="Arial"/>
+            </a:endParaRPr>
+          </a:p>
+        </p:txBody>
+      </p:sp>
+      <p:sp>
+        <p:nvSpPr>
+          <p:cNvPr id="41" name="PlaceHolder 5"/>
           <p:cNvSpPr>
             <a:spLocks noGrp="1"/>
           </p:cNvSpPr>
@@ -511,8 +483,8 @@
         </p:nvSpPr>
         <p:spPr>
           <a:xfrm>
-            <a:off x="1097280" y="3947040"/>
-            <a:ext cx="3238560" cy="1918800"/>
+            <a:off x="609480" y="3682080"/>
+            <a:ext cx="3533040" cy="1896840"/>
           </a:xfrm>
           <a:prstGeom prst="rect">
             <a:avLst/>
@@ -523,18 +495,15 @@
             <a:normAutofit/>
           </a:bodyPr>
           <a:p>
-            <a:endParaRPr b="0" lang="pt-BR" sz="2000" spc="-1" strike="noStrike">
-              <a:solidFill>
-                <a:srgbClr val="404040"/>
-              </a:solidFill>
-              <a:latin typeface="Calibri"/>
-            </a:endParaRPr>
-          </a:p>
-        </p:txBody>
-      </p:sp>
-      <p:sp>
-        <p:nvSpPr>
-          <p:cNvPr id="45" name="PlaceHolder 6"/>
+            <a:endParaRPr b="0" lang="pt-BR" sz="3200" spc="-1" strike="noStrike">
+              <a:latin typeface="Arial"/>
+            </a:endParaRPr>
+          </a:p>
+        </p:txBody>
+      </p:sp>
+      <p:sp>
+        <p:nvSpPr>
+          <p:cNvPr id="42" name="PlaceHolder 6"/>
           <p:cNvSpPr>
             <a:spLocks noGrp="1"/>
           </p:cNvSpPr>
@@ -544,8 +513,8 @@
         </p:nvSpPr>
         <p:spPr>
           <a:xfrm>
-            <a:off x="4498200" y="3947040"/>
-            <a:ext cx="3238560" cy="1918800"/>
+            <a:off x="4319640" y="3682080"/>
+            <a:ext cx="3533040" cy="1896840"/>
           </a:xfrm>
           <a:prstGeom prst="rect">
             <a:avLst/>
@@ -556,18 +525,15 @@
             <a:normAutofit/>
           </a:bodyPr>
           <a:p>
-            <a:endParaRPr b="0" lang="pt-BR" sz="2000" spc="-1" strike="noStrike">
-              <a:solidFill>
-                <a:srgbClr val="404040"/>
-              </a:solidFill>
-              <a:latin typeface="Calibri"/>
-            </a:endParaRPr>
-          </a:p>
-        </p:txBody>
-      </p:sp>
-      <p:sp>
-        <p:nvSpPr>
-          <p:cNvPr id="46" name="PlaceHolder 7"/>
+            <a:endParaRPr b="0" lang="pt-BR" sz="3200" spc="-1" strike="noStrike">
+              <a:latin typeface="Arial"/>
+            </a:endParaRPr>
+          </a:p>
+        </p:txBody>
+      </p:sp>
+      <p:sp>
+        <p:nvSpPr>
+          <p:cNvPr id="43" name="PlaceHolder 7"/>
           <p:cNvSpPr>
             <a:spLocks noGrp="1"/>
           </p:cNvSpPr>
@@ -577,8 +543,8 @@
         </p:nvSpPr>
         <p:spPr>
           <a:xfrm>
-            <a:off x="7899120" y="3947040"/>
-            <a:ext cx="3238560" cy="1918800"/>
+            <a:off x="8029800" y="3682080"/>
+            <a:ext cx="3533040" cy="1896840"/>
           </a:xfrm>
           <a:prstGeom prst="rect">
             <a:avLst/>
@@ -589,11 +555,8 @@
             <a:normAutofit/>
           </a:bodyPr>
           <a:p>
-            <a:endParaRPr b="0" lang="pt-BR" sz="2000" spc="-1" strike="noStrike">
-              <a:solidFill>
-                <a:srgbClr val="404040"/>
-              </a:solidFill>
-              <a:latin typeface="Calibri"/>
+            <a:endParaRPr b="0" lang="pt-BR" sz="3200" spc="-1" strike="noStrike">
+              <a:latin typeface="Arial"/>
             </a:endParaRPr>
           </a:p>
         </p:txBody>
@@ -644,7 +607,7 @@
       </p:grpSpPr>
       <p:sp>
         <p:nvSpPr>
-          <p:cNvPr id="55" name="PlaceHolder 1"/>
+          <p:cNvPr id="49" name="PlaceHolder 1"/>
           <p:cNvSpPr>
             <a:spLocks noGrp="1"/>
           </p:cNvSpPr>
@@ -654,8 +617,8 @@
         </p:nvSpPr>
         <p:spPr>
           <a:xfrm>
-            <a:off x="1097280" y="286560"/>
-            <a:ext cx="10058040" cy="1450440"/>
+            <a:off x="609480" y="273600"/>
+            <a:ext cx="10972440" cy="1144800"/>
           </a:xfrm>
           <a:prstGeom prst="rect">
             <a:avLst/>
@@ -664,18 +627,16 @@
         <p:txBody>
           <a:bodyPr lIns="0" rIns="0" tIns="0" bIns="0" anchor="ctr"/>
           <a:p>
-            <a:endParaRPr b="0" lang="pt-BR" sz="1800" spc="-1" strike="noStrike">
-              <a:solidFill>
-                <a:srgbClr val="000000"/>
-              </a:solidFill>
-              <a:latin typeface="Calibri"/>
-            </a:endParaRPr>
-          </a:p>
-        </p:txBody>
-      </p:sp>
-      <p:sp>
-        <p:nvSpPr>
-          <p:cNvPr id="56" name="PlaceHolder 2"/>
+            <a:pPr algn="ctr"/>
+            <a:endParaRPr b="0" lang="pt-BR" sz="4400" spc="-1" strike="noStrike">
+              <a:latin typeface="Arial"/>
+            </a:endParaRPr>
+          </a:p>
+        </p:txBody>
+      </p:sp>
+      <p:sp>
+        <p:nvSpPr>
+          <p:cNvPr id="50" name="PlaceHolder 2"/>
           <p:cNvSpPr>
             <a:spLocks noGrp="1"/>
           </p:cNvSpPr>
@@ -685,8 +646,8 @@
         </p:nvSpPr>
         <p:spPr>
           <a:xfrm>
-            <a:off x="1097280" y="1845720"/>
-            <a:ext cx="10058040" cy="4023000"/>
+            <a:off x="609480" y="1604520"/>
+            <a:ext cx="10972440" cy="3977280"/>
           </a:xfrm>
           <a:prstGeom prst="rect">
             <a:avLst/>
@@ -726,7 +687,7 @@
       </p:grpSpPr>
       <p:sp>
         <p:nvSpPr>
-          <p:cNvPr id="57" name="PlaceHolder 1"/>
+          <p:cNvPr id="51" name="PlaceHolder 1"/>
           <p:cNvSpPr>
             <a:spLocks noGrp="1"/>
           </p:cNvSpPr>
@@ -736,8 +697,8 @@
         </p:nvSpPr>
         <p:spPr>
           <a:xfrm>
-            <a:off x="1097280" y="286560"/>
-            <a:ext cx="10058040" cy="1450440"/>
+            <a:off x="609480" y="273600"/>
+            <a:ext cx="10972440" cy="1144800"/>
           </a:xfrm>
           <a:prstGeom prst="rect">
             <a:avLst/>
@@ -746,18 +707,16 @@
         <p:txBody>
           <a:bodyPr lIns="0" rIns="0" tIns="0" bIns="0" anchor="ctr"/>
           <a:p>
-            <a:endParaRPr b="0" lang="pt-BR" sz="1800" spc="-1" strike="noStrike">
-              <a:solidFill>
-                <a:srgbClr val="000000"/>
-              </a:solidFill>
-              <a:latin typeface="Calibri"/>
-            </a:endParaRPr>
-          </a:p>
-        </p:txBody>
-      </p:sp>
-      <p:sp>
-        <p:nvSpPr>
-          <p:cNvPr id="58" name="PlaceHolder 2"/>
+            <a:pPr algn="ctr"/>
+            <a:endParaRPr b="0" lang="pt-BR" sz="4400" spc="-1" strike="noStrike">
+              <a:latin typeface="Arial"/>
+            </a:endParaRPr>
+          </a:p>
+        </p:txBody>
+      </p:sp>
+      <p:sp>
+        <p:nvSpPr>
+          <p:cNvPr id="52" name="PlaceHolder 2"/>
           <p:cNvSpPr>
             <a:spLocks noGrp="1"/>
           </p:cNvSpPr>
@@ -767,8 +726,8 @@
         </p:nvSpPr>
         <p:spPr>
           <a:xfrm>
-            <a:off x="1097280" y="1845720"/>
-            <a:ext cx="10058040" cy="4023000"/>
+            <a:off x="609480" y="1604520"/>
+            <a:ext cx="10972440" cy="3977280"/>
           </a:xfrm>
           <a:prstGeom prst="rect">
             <a:avLst/>
@@ -779,11 +738,8 @@
             <a:normAutofit/>
           </a:bodyPr>
           <a:p>
-            <a:endParaRPr b="0" lang="pt-BR" sz="2000" spc="-1" strike="noStrike">
-              <a:solidFill>
-                <a:srgbClr val="404040"/>
-              </a:solidFill>
-              <a:latin typeface="Calibri"/>
+            <a:endParaRPr b="0" lang="pt-BR" sz="3200" spc="-1" strike="noStrike">
+              <a:latin typeface="Arial"/>
             </a:endParaRPr>
           </a:p>
         </p:txBody>
@@ -812,7 +768,7 @@
       </p:grpSpPr>
       <p:sp>
         <p:nvSpPr>
-          <p:cNvPr id="59" name="PlaceHolder 1"/>
+          <p:cNvPr id="53" name="PlaceHolder 1"/>
           <p:cNvSpPr>
             <a:spLocks noGrp="1"/>
           </p:cNvSpPr>
@@ -822,8 +778,8 @@
         </p:nvSpPr>
         <p:spPr>
           <a:xfrm>
-            <a:off x="1097280" y="286560"/>
-            <a:ext cx="10058040" cy="1450440"/>
+            <a:off x="609480" y="273600"/>
+            <a:ext cx="10972440" cy="1144800"/>
           </a:xfrm>
           <a:prstGeom prst="rect">
             <a:avLst/>
@@ -832,18 +788,16 @@
         <p:txBody>
           <a:bodyPr lIns="0" rIns="0" tIns="0" bIns="0" anchor="ctr"/>
           <a:p>
-            <a:endParaRPr b="0" lang="pt-BR" sz="1800" spc="-1" strike="noStrike">
-              <a:solidFill>
-                <a:srgbClr val="000000"/>
-              </a:solidFill>
-              <a:latin typeface="Calibri"/>
-            </a:endParaRPr>
-          </a:p>
-        </p:txBody>
-      </p:sp>
-      <p:sp>
-        <p:nvSpPr>
-          <p:cNvPr id="60" name="PlaceHolder 2"/>
+            <a:pPr algn="ctr"/>
+            <a:endParaRPr b="0" lang="pt-BR" sz="4400" spc="-1" strike="noStrike">
+              <a:latin typeface="Arial"/>
+            </a:endParaRPr>
+          </a:p>
+        </p:txBody>
+      </p:sp>
+      <p:sp>
+        <p:nvSpPr>
+          <p:cNvPr id="54" name="PlaceHolder 2"/>
           <p:cNvSpPr>
             <a:spLocks noGrp="1"/>
           </p:cNvSpPr>
@@ -853,8 +807,8 @@
         </p:nvSpPr>
         <p:spPr>
           <a:xfrm>
-            <a:off x="1097280" y="1845720"/>
-            <a:ext cx="4908240" cy="4023000"/>
+            <a:off x="609480" y="1604520"/>
+            <a:ext cx="5354280" cy="3977280"/>
           </a:xfrm>
           <a:prstGeom prst="rect">
             <a:avLst/>
@@ -865,18 +819,15 @@
             <a:normAutofit/>
           </a:bodyPr>
           <a:p>
-            <a:endParaRPr b="0" lang="pt-BR" sz="2000" spc="-1" strike="noStrike">
-              <a:solidFill>
-                <a:srgbClr val="404040"/>
-              </a:solidFill>
-              <a:latin typeface="Calibri"/>
-            </a:endParaRPr>
-          </a:p>
-        </p:txBody>
-      </p:sp>
-      <p:sp>
-        <p:nvSpPr>
-          <p:cNvPr id="61" name="PlaceHolder 3"/>
+            <a:endParaRPr b="0" lang="pt-BR" sz="3200" spc="-1" strike="noStrike">
+              <a:latin typeface="Arial"/>
+            </a:endParaRPr>
+          </a:p>
+        </p:txBody>
+      </p:sp>
+      <p:sp>
+        <p:nvSpPr>
+          <p:cNvPr id="55" name="PlaceHolder 3"/>
           <p:cNvSpPr>
             <a:spLocks noGrp="1"/>
           </p:cNvSpPr>
@@ -886,8 +837,8 @@
         </p:nvSpPr>
         <p:spPr>
           <a:xfrm>
-            <a:off x="6251400" y="1845720"/>
-            <a:ext cx="4908240" cy="4023000"/>
+            <a:off x="6231960" y="1604520"/>
+            <a:ext cx="5354280" cy="3977280"/>
           </a:xfrm>
           <a:prstGeom prst="rect">
             <a:avLst/>
@@ -898,11 +849,8 @@
             <a:normAutofit/>
           </a:bodyPr>
           <a:p>
-            <a:endParaRPr b="0" lang="pt-BR" sz="2000" spc="-1" strike="noStrike">
-              <a:solidFill>
-                <a:srgbClr val="404040"/>
-              </a:solidFill>
-              <a:latin typeface="Calibri"/>
+            <a:endParaRPr b="0" lang="pt-BR" sz="3200" spc="-1" strike="noStrike">
+              <a:latin typeface="Arial"/>
             </a:endParaRPr>
           </a:p>
         </p:txBody>
@@ -931,7 +879,7 @@
       </p:grpSpPr>
       <p:sp>
         <p:nvSpPr>
-          <p:cNvPr id="62" name="PlaceHolder 1"/>
+          <p:cNvPr id="56" name="PlaceHolder 1"/>
           <p:cNvSpPr>
             <a:spLocks noGrp="1"/>
           </p:cNvSpPr>
@@ -941,8 +889,8 @@
         </p:nvSpPr>
         <p:spPr>
           <a:xfrm>
-            <a:off x="1097280" y="286560"/>
-            <a:ext cx="10058040" cy="1450440"/>
+            <a:off x="609480" y="273600"/>
+            <a:ext cx="10972440" cy="1144800"/>
           </a:xfrm>
           <a:prstGeom prst="rect">
             <a:avLst/>
@@ -951,11 +899,9 @@
         <p:txBody>
           <a:bodyPr lIns="0" rIns="0" tIns="0" bIns="0" anchor="ctr"/>
           <a:p>
-            <a:endParaRPr b="0" lang="pt-BR" sz="1800" spc="-1" strike="noStrike">
-              <a:solidFill>
-                <a:srgbClr val="000000"/>
-              </a:solidFill>
-              <a:latin typeface="Calibri"/>
+            <a:pPr algn="ctr"/>
+            <a:endParaRPr b="0" lang="pt-BR" sz="4400" spc="-1" strike="noStrike">
+              <a:latin typeface="Arial"/>
             </a:endParaRPr>
           </a:p>
         </p:txBody>
@@ -984,7 +930,7 @@
       </p:grpSpPr>
       <p:sp>
         <p:nvSpPr>
-          <p:cNvPr id="63" name="PlaceHolder 1"/>
+          <p:cNvPr id="57" name="PlaceHolder 1"/>
           <p:cNvSpPr>
             <a:spLocks noGrp="1"/>
           </p:cNvSpPr>
@@ -994,8 +940,8 @@
         </p:nvSpPr>
         <p:spPr>
           <a:xfrm>
-            <a:off x="1097280" y="286560"/>
-            <a:ext cx="10058040" cy="6724800"/>
+            <a:off x="609480" y="273600"/>
+            <a:ext cx="10972440" cy="5307840"/>
           </a:xfrm>
           <a:prstGeom prst="rect">
             <a:avLst/>
@@ -1035,7 +981,7 @@
       </p:grpSpPr>
       <p:sp>
         <p:nvSpPr>
-          <p:cNvPr id="64" name="PlaceHolder 1"/>
+          <p:cNvPr id="58" name="PlaceHolder 1"/>
           <p:cNvSpPr>
             <a:spLocks noGrp="1"/>
           </p:cNvSpPr>
@@ -1045,8 +991,8 @@
         </p:nvSpPr>
         <p:spPr>
           <a:xfrm>
-            <a:off x="1097280" y="286560"/>
-            <a:ext cx="10058040" cy="1450440"/>
+            <a:off x="609480" y="273600"/>
+            <a:ext cx="10972440" cy="1144800"/>
           </a:xfrm>
           <a:prstGeom prst="rect">
             <a:avLst/>
@@ -1055,18 +1001,16 @@
         <p:txBody>
           <a:bodyPr lIns="0" rIns="0" tIns="0" bIns="0" anchor="ctr"/>
           <a:p>
-            <a:endParaRPr b="0" lang="pt-BR" sz="1800" spc="-1" strike="noStrike">
-              <a:solidFill>
-                <a:srgbClr val="000000"/>
-              </a:solidFill>
-              <a:latin typeface="Calibri"/>
-            </a:endParaRPr>
-          </a:p>
-        </p:txBody>
-      </p:sp>
-      <p:sp>
-        <p:nvSpPr>
-          <p:cNvPr id="65" name="PlaceHolder 2"/>
+            <a:pPr algn="ctr"/>
+            <a:endParaRPr b="0" lang="pt-BR" sz="4400" spc="-1" strike="noStrike">
+              <a:latin typeface="Arial"/>
+            </a:endParaRPr>
+          </a:p>
+        </p:txBody>
+      </p:sp>
+      <p:sp>
+        <p:nvSpPr>
+          <p:cNvPr id="59" name="PlaceHolder 2"/>
           <p:cNvSpPr>
             <a:spLocks noGrp="1"/>
           </p:cNvSpPr>
@@ -1076,8 +1020,8 @@
         </p:nvSpPr>
         <p:spPr>
           <a:xfrm>
-            <a:off x="1097280" y="1845720"/>
-            <a:ext cx="4908240" cy="1918800"/>
+            <a:off x="609480" y="1604520"/>
+            <a:ext cx="5354280" cy="1896840"/>
           </a:xfrm>
           <a:prstGeom prst="rect">
             <a:avLst/>
@@ -1088,18 +1032,15 @@
             <a:normAutofit/>
           </a:bodyPr>
           <a:p>
-            <a:endParaRPr b="0" lang="pt-BR" sz="2000" spc="-1" strike="noStrike">
-              <a:solidFill>
-                <a:srgbClr val="404040"/>
-              </a:solidFill>
-              <a:latin typeface="Calibri"/>
-            </a:endParaRPr>
-          </a:p>
-        </p:txBody>
-      </p:sp>
-      <p:sp>
-        <p:nvSpPr>
-          <p:cNvPr id="66" name="PlaceHolder 3"/>
+            <a:endParaRPr b="0" lang="pt-BR" sz="3200" spc="-1" strike="noStrike">
+              <a:latin typeface="Arial"/>
+            </a:endParaRPr>
+          </a:p>
+        </p:txBody>
+      </p:sp>
+      <p:sp>
+        <p:nvSpPr>
+          <p:cNvPr id="60" name="PlaceHolder 3"/>
           <p:cNvSpPr>
             <a:spLocks noGrp="1"/>
           </p:cNvSpPr>
@@ -1109,8 +1050,8 @@
         </p:nvSpPr>
         <p:spPr>
           <a:xfrm>
-            <a:off x="6251400" y="1845720"/>
-            <a:ext cx="4908240" cy="4023000"/>
+            <a:off x="6231960" y="1604520"/>
+            <a:ext cx="5354280" cy="3977280"/>
           </a:xfrm>
           <a:prstGeom prst="rect">
             <a:avLst/>
@@ -1121,18 +1062,15 @@
             <a:normAutofit/>
           </a:bodyPr>
           <a:p>
-            <a:endParaRPr b="0" lang="pt-BR" sz="2000" spc="-1" strike="noStrike">
-              <a:solidFill>
-                <a:srgbClr val="404040"/>
-              </a:solidFill>
-              <a:latin typeface="Calibri"/>
-            </a:endParaRPr>
-          </a:p>
-        </p:txBody>
-      </p:sp>
-      <p:sp>
-        <p:nvSpPr>
-          <p:cNvPr id="67" name="PlaceHolder 4"/>
+            <a:endParaRPr b="0" lang="pt-BR" sz="3200" spc="-1" strike="noStrike">
+              <a:latin typeface="Arial"/>
+            </a:endParaRPr>
+          </a:p>
+        </p:txBody>
+      </p:sp>
+      <p:sp>
+        <p:nvSpPr>
+          <p:cNvPr id="61" name="PlaceHolder 4"/>
           <p:cNvSpPr>
             <a:spLocks noGrp="1"/>
           </p:cNvSpPr>
@@ -1142,8 +1080,8 @@
         </p:nvSpPr>
         <p:spPr>
           <a:xfrm>
-            <a:off x="1097280" y="3947040"/>
-            <a:ext cx="4908240" cy="1918800"/>
+            <a:off x="609480" y="3682080"/>
+            <a:ext cx="5354280" cy="1896840"/>
           </a:xfrm>
           <a:prstGeom prst="rect">
             <a:avLst/>
@@ -1154,11 +1092,8 @@
             <a:normAutofit/>
           </a:bodyPr>
           <a:p>
-            <a:endParaRPr b="0" lang="pt-BR" sz="2000" spc="-1" strike="noStrike">
-              <a:solidFill>
-                <a:srgbClr val="404040"/>
-              </a:solidFill>
-              <a:latin typeface="Calibri"/>
+            <a:endParaRPr b="0" lang="pt-BR" sz="3200" spc="-1" strike="noStrike">
+              <a:latin typeface="Arial"/>
             </a:endParaRPr>
           </a:p>
         </p:txBody>
@@ -1187,7 +1122,7 @@
       </p:grpSpPr>
       <p:sp>
         <p:nvSpPr>
-          <p:cNvPr id="11" name="PlaceHolder 1"/>
+          <p:cNvPr id="8" name="PlaceHolder 1"/>
           <p:cNvSpPr>
             <a:spLocks noGrp="1"/>
           </p:cNvSpPr>
@@ -1197,8 +1132,8 @@
         </p:nvSpPr>
         <p:spPr>
           <a:xfrm>
-            <a:off x="1097280" y="286560"/>
-            <a:ext cx="10058040" cy="1450440"/>
+            <a:off x="609480" y="273600"/>
+            <a:ext cx="10972440" cy="1144800"/>
           </a:xfrm>
           <a:prstGeom prst="rect">
             <a:avLst/>
@@ -1207,18 +1142,16 @@
         <p:txBody>
           <a:bodyPr lIns="0" rIns="0" tIns="0" bIns="0" anchor="ctr"/>
           <a:p>
-            <a:endParaRPr b="0" lang="pt-BR" sz="1800" spc="-1" strike="noStrike">
-              <a:solidFill>
-                <a:srgbClr val="000000"/>
-              </a:solidFill>
-              <a:latin typeface="Calibri"/>
-            </a:endParaRPr>
-          </a:p>
-        </p:txBody>
-      </p:sp>
-      <p:sp>
-        <p:nvSpPr>
-          <p:cNvPr id="12" name="PlaceHolder 2"/>
+            <a:pPr algn="ctr"/>
+            <a:endParaRPr b="0" lang="pt-BR" sz="4400" spc="-1" strike="noStrike">
+              <a:latin typeface="Arial"/>
+            </a:endParaRPr>
+          </a:p>
+        </p:txBody>
+      </p:sp>
+      <p:sp>
+        <p:nvSpPr>
+          <p:cNvPr id="9" name="PlaceHolder 2"/>
           <p:cNvSpPr>
             <a:spLocks noGrp="1"/>
           </p:cNvSpPr>
@@ -1228,8 +1161,8 @@
         </p:nvSpPr>
         <p:spPr>
           <a:xfrm>
-            <a:off x="1097280" y="1845720"/>
-            <a:ext cx="10058040" cy="4023000"/>
+            <a:off x="609480" y="1604520"/>
+            <a:ext cx="10972440" cy="3977280"/>
           </a:xfrm>
           <a:prstGeom prst="rect">
             <a:avLst/>
@@ -1269,7 +1202,7 @@
       </p:grpSpPr>
       <p:sp>
         <p:nvSpPr>
-          <p:cNvPr id="68" name="PlaceHolder 1"/>
+          <p:cNvPr id="62" name="PlaceHolder 1"/>
           <p:cNvSpPr>
             <a:spLocks noGrp="1"/>
           </p:cNvSpPr>
@@ -1279,8 +1212,8 @@
         </p:nvSpPr>
         <p:spPr>
           <a:xfrm>
-            <a:off x="1097280" y="286560"/>
-            <a:ext cx="10058040" cy="1450440"/>
+            <a:off x="609480" y="273600"/>
+            <a:ext cx="10972440" cy="1144800"/>
           </a:xfrm>
           <a:prstGeom prst="rect">
             <a:avLst/>
@@ -1289,18 +1222,16 @@
         <p:txBody>
           <a:bodyPr lIns="0" rIns="0" tIns="0" bIns="0" anchor="ctr"/>
           <a:p>
-            <a:endParaRPr b="0" lang="pt-BR" sz="1800" spc="-1" strike="noStrike">
-              <a:solidFill>
-                <a:srgbClr val="000000"/>
-              </a:solidFill>
-              <a:latin typeface="Calibri"/>
-            </a:endParaRPr>
-          </a:p>
-        </p:txBody>
-      </p:sp>
-      <p:sp>
-        <p:nvSpPr>
-          <p:cNvPr id="69" name="PlaceHolder 2"/>
+            <a:pPr algn="ctr"/>
+            <a:endParaRPr b="0" lang="pt-BR" sz="4400" spc="-1" strike="noStrike">
+              <a:latin typeface="Arial"/>
+            </a:endParaRPr>
+          </a:p>
+        </p:txBody>
+      </p:sp>
+      <p:sp>
+        <p:nvSpPr>
+          <p:cNvPr id="63" name="PlaceHolder 2"/>
           <p:cNvSpPr>
             <a:spLocks noGrp="1"/>
           </p:cNvSpPr>
@@ -1310,8 +1241,8 @@
         </p:nvSpPr>
         <p:spPr>
           <a:xfrm>
-            <a:off x="1097280" y="1845720"/>
-            <a:ext cx="4908240" cy="4023000"/>
+            <a:off x="609480" y="1604520"/>
+            <a:ext cx="5354280" cy="3977280"/>
           </a:xfrm>
           <a:prstGeom prst="rect">
             <a:avLst/>
@@ -1322,18 +1253,15 @@
             <a:normAutofit/>
           </a:bodyPr>
           <a:p>
-            <a:endParaRPr b="0" lang="pt-BR" sz="2000" spc="-1" strike="noStrike">
-              <a:solidFill>
-                <a:srgbClr val="404040"/>
-              </a:solidFill>
-              <a:latin typeface="Calibri"/>
-            </a:endParaRPr>
-          </a:p>
-        </p:txBody>
-      </p:sp>
-      <p:sp>
-        <p:nvSpPr>
-          <p:cNvPr id="70" name="PlaceHolder 3"/>
+            <a:endParaRPr b="0" lang="pt-BR" sz="3200" spc="-1" strike="noStrike">
+              <a:latin typeface="Arial"/>
+            </a:endParaRPr>
+          </a:p>
+        </p:txBody>
+      </p:sp>
+      <p:sp>
+        <p:nvSpPr>
+          <p:cNvPr id="64" name="PlaceHolder 3"/>
           <p:cNvSpPr>
             <a:spLocks noGrp="1"/>
           </p:cNvSpPr>
@@ -1343,8 +1271,8 @@
         </p:nvSpPr>
         <p:spPr>
           <a:xfrm>
-            <a:off x="6251400" y="1845720"/>
-            <a:ext cx="4908240" cy="1918800"/>
+            <a:off x="6231960" y="1604520"/>
+            <a:ext cx="5354280" cy="1896840"/>
           </a:xfrm>
           <a:prstGeom prst="rect">
             <a:avLst/>
@@ -1355,18 +1283,15 @@
             <a:normAutofit/>
           </a:bodyPr>
           <a:p>
-            <a:endParaRPr b="0" lang="pt-BR" sz="2000" spc="-1" strike="noStrike">
-              <a:solidFill>
-                <a:srgbClr val="404040"/>
-              </a:solidFill>
-              <a:latin typeface="Calibri"/>
-            </a:endParaRPr>
-          </a:p>
-        </p:txBody>
-      </p:sp>
-      <p:sp>
-        <p:nvSpPr>
-          <p:cNvPr id="71" name="PlaceHolder 4"/>
+            <a:endParaRPr b="0" lang="pt-BR" sz="3200" spc="-1" strike="noStrike">
+              <a:latin typeface="Arial"/>
+            </a:endParaRPr>
+          </a:p>
+        </p:txBody>
+      </p:sp>
+      <p:sp>
+        <p:nvSpPr>
+          <p:cNvPr id="65" name="PlaceHolder 4"/>
           <p:cNvSpPr>
             <a:spLocks noGrp="1"/>
           </p:cNvSpPr>
@@ -1376,8 +1301,8 @@
         </p:nvSpPr>
         <p:spPr>
           <a:xfrm>
-            <a:off x="6251400" y="3947040"/>
-            <a:ext cx="4908240" cy="1918800"/>
+            <a:off x="6231960" y="3682080"/>
+            <a:ext cx="5354280" cy="1896840"/>
           </a:xfrm>
           <a:prstGeom prst="rect">
             <a:avLst/>
@@ -1388,11 +1313,8 @@
             <a:normAutofit/>
           </a:bodyPr>
           <a:p>
-            <a:endParaRPr b="0" lang="pt-BR" sz="2000" spc="-1" strike="noStrike">
-              <a:solidFill>
-                <a:srgbClr val="404040"/>
-              </a:solidFill>
-              <a:latin typeface="Calibri"/>
+            <a:endParaRPr b="0" lang="pt-BR" sz="3200" spc="-1" strike="noStrike">
+              <a:latin typeface="Arial"/>
             </a:endParaRPr>
           </a:p>
         </p:txBody>
@@ -1421,7 +1343,7 @@
       </p:grpSpPr>
       <p:sp>
         <p:nvSpPr>
-          <p:cNvPr id="72" name="PlaceHolder 1"/>
+          <p:cNvPr id="66" name="PlaceHolder 1"/>
           <p:cNvSpPr>
             <a:spLocks noGrp="1"/>
           </p:cNvSpPr>
@@ -1431,8 +1353,8 @@
         </p:nvSpPr>
         <p:spPr>
           <a:xfrm>
-            <a:off x="1097280" y="286560"/>
-            <a:ext cx="10058040" cy="1450440"/>
+            <a:off x="609480" y="273600"/>
+            <a:ext cx="10972440" cy="1144800"/>
           </a:xfrm>
           <a:prstGeom prst="rect">
             <a:avLst/>
@@ -1441,18 +1363,16 @@
         <p:txBody>
           <a:bodyPr lIns="0" rIns="0" tIns="0" bIns="0" anchor="ctr"/>
           <a:p>
-            <a:endParaRPr b="0" lang="pt-BR" sz="1800" spc="-1" strike="noStrike">
-              <a:solidFill>
-                <a:srgbClr val="000000"/>
-              </a:solidFill>
-              <a:latin typeface="Calibri"/>
-            </a:endParaRPr>
-          </a:p>
-        </p:txBody>
-      </p:sp>
-      <p:sp>
-        <p:nvSpPr>
-          <p:cNvPr id="73" name="PlaceHolder 2"/>
+            <a:pPr algn="ctr"/>
+            <a:endParaRPr b="0" lang="pt-BR" sz="4400" spc="-1" strike="noStrike">
+              <a:latin typeface="Arial"/>
+            </a:endParaRPr>
+          </a:p>
+        </p:txBody>
+      </p:sp>
+      <p:sp>
+        <p:nvSpPr>
+          <p:cNvPr id="67" name="PlaceHolder 2"/>
           <p:cNvSpPr>
             <a:spLocks noGrp="1"/>
           </p:cNvSpPr>
@@ -1462,8 +1382,8 @@
         </p:nvSpPr>
         <p:spPr>
           <a:xfrm>
-            <a:off x="1097280" y="1845720"/>
-            <a:ext cx="4908240" cy="1918800"/>
+            <a:off x="609480" y="1604520"/>
+            <a:ext cx="5354280" cy="1896840"/>
           </a:xfrm>
           <a:prstGeom prst="rect">
             <a:avLst/>
@@ -1474,18 +1394,15 @@
             <a:normAutofit/>
           </a:bodyPr>
           <a:p>
-            <a:endParaRPr b="0" lang="pt-BR" sz="2000" spc="-1" strike="noStrike">
-              <a:solidFill>
-                <a:srgbClr val="404040"/>
-              </a:solidFill>
-              <a:latin typeface="Calibri"/>
-            </a:endParaRPr>
-          </a:p>
-        </p:txBody>
-      </p:sp>
-      <p:sp>
-        <p:nvSpPr>
-          <p:cNvPr id="74" name="PlaceHolder 3"/>
+            <a:endParaRPr b="0" lang="pt-BR" sz="3200" spc="-1" strike="noStrike">
+              <a:latin typeface="Arial"/>
+            </a:endParaRPr>
+          </a:p>
+        </p:txBody>
+      </p:sp>
+      <p:sp>
+        <p:nvSpPr>
+          <p:cNvPr id="68" name="PlaceHolder 3"/>
           <p:cNvSpPr>
             <a:spLocks noGrp="1"/>
           </p:cNvSpPr>
@@ -1495,8 +1412,8 @@
         </p:nvSpPr>
         <p:spPr>
           <a:xfrm>
-            <a:off x="6251400" y="1845720"/>
-            <a:ext cx="4908240" cy="1918800"/>
+            <a:off x="6231960" y="1604520"/>
+            <a:ext cx="5354280" cy="1896840"/>
           </a:xfrm>
           <a:prstGeom prst="rect">
             <a:avLst/>
@@ -1507,18 +1424,15 @@
             <a:normAutofit/>
           </a:bodyPr>
           <a:p>
-            <a:endParaRPr b="0" lang="pt-BR" sz="2000" spc="-1" strike="noStrike">
-              <a:solidFill>
-                <a:srgbClr val="404040"/>
-              </a:solidFill>
-              <a:latin typeface="Calibri"/>
-            </a:endParaRPr>
-          </a:p>
-        </p:txBody>
-      </p:sp>
-      <p:sp>
-        <p:nvSpPr>
-          <p:cNvPr id="75" name="PlaceHolder 4"/>
+            <a:endParaRPr b="0" lang="pt-BR" sz="3200" spc="-1" strike="noStrike">
+              <a:latin typeface="Arial"/>
+            </a:endParaRPr>
+          </a:p>
+        </p:txBody>
+      </p:sp>
+      <p:sp>
+        <p:nvSpPr>
+          <p:cNvPr id="69" name="PlaceHolder 4"/>
           <p:cNvSpPr>
             <a:spLocks noGrp="1"/>
           </p:cNvSpPr>
@@ -1528,8 +1442,8 @@
         </p:nvSpPr>
         <p:spPr>
           <a:xfrm>
-            <a:off x="1097280" y="3947040"/>
-            <a:ext cx="10058040" cy="1918800"/>
+            <a:off x="609480" y="3682080"/>
+            <a:ext cx="10972440" cy="1896840"/>
           </a:xfrm>
           <a:prstGeom prst="rect">
             <a:avLst/>
@@ -1540,11 +1454,8 @@
             <a:normAutofit/>
           </a:bodyPr>
           <a:p>
-            <a:endParaRPr b="0" lang="pt-BR" sz="2000" spc="-1" strike="noStrike">
-              <a:solidFill>
-                <a:srgbClr val="404040"/>
-              </a:solidFill>
-              <a:latin typeface="Calibri"/>
+            <a:endParaRPr b="0" lang="pt-BR" sz="3200" spc="-1" strike="noStrike">
+              <a:latin typeface="Arial"/>
             </a:endParaRPr>
           </a:p>
         </p:txBody>
@@ -1573,7 +1484,7 @@
       </p:grpSpPr>
       <p:sp>
         <p:nvSpPr>
-          <p:cNvPr id="76" name="PlaceHolder 1"/>
+          <p:cNvPr id="70" name="PlaceHolder 1"/>
           <p:cNvSpPr>
             <a:spLocks noGrp="1"/>
           </p:cNvSpPr>
@@ -1583,8 +1494,8 @@
         </p:nvSpPr>
         <p:spPr>
           <a:xfrm>
-            <a:off x="1097280" y="286560"/>
-            <a:ext cx="10058040" cy="1450440"/>
+            <a:off x="609480" y="273600"/>
+            <a:ext cx="10972440" cy="1144800"/>
           </a:xfrm>
           <a:prstGeom prst="rect">
             <a:avLst/>
@@ -1593,18 +1504,16 @@
         <p:txBody>
           <a:bodyPr lIns="0" rIns="0" tIns="0" bIns="0" anchor="ctr"/>
           <a:p>
-            <a:endParaRPr b="0" lang="pt-BR" sz="1800" spc="-1" strike="noStrike">
-              <a:solidFill>
-                <a:srgbClr val="000000"/>
-              </a:solidFill>
-              <a:latin typeface="Calibri"/>
-            </a:endParaRPr>
-          </a:p>
-        </p:txBody>
-      </p:sp>
-      <p:sp>
-        <p:nvSpPr>
-          <p:cNvPr id="77" name="PlaceHolder 2"/>
+            <a:pPr algn="ctr"/>
+            <a:endParaRPr b="0" lang="pt-BR" sz="4400" spc="-1" strike="noStrike">
+              <a:latin typeface="Arial"/>
+            </a:endParaRPr>
+          </a:p>
+        </p:txBody>
+      </p:sp>
+      <p:sp>
+        <p:nvSpPr>
+          <p:cNvPr id="71" name="PlaceHolder 2"/>
           <p:cNvSpPr>
             <a:spLocks noGrp="1"/>
           </p:cNvSpPr>
@@ -1614,8 +1523,8 @@
         </p:nvSpPr>
         <p:spPr>
           <a:xfrm>
-            <a:off x="1097280" y="1845720"/>
-            <a:ext cx="10058040" cy="1918800"/>
+            <a:off x="609480" y="1604520"/>
+            <a:ext cx="10972440" cy="1896840"/>
           </a:xfrm>
           <a:prstGeom prst="rect">
             <a:avLst/>
@@ -1626,18 +1535,15 @@
             <a:normAutofit/>
           </a:bodyPr>
           <a:p>
-            <a:endParaRPr b="0" lang="pt-BR" sz="2000" spc="-1" strike="noStrike">
-              <a:solidFill>
-                <a:srgbClr val="404040"/>
-              </a:solidFill>
-              <a:latin typeface="Calibri"/>
-            </a:endParaRPr>
-          </a:p>
-        </p:txBody>
-      </p:sp>
-      <p:sp>
-        <p:nvSpPr>
-          <p:cNvPr id="78" name="PlaceHolder 3"/>
+            <a:endParaRPr b="0" lang="pt-BR" sz="3200" spc="-1" strike="noStrike">
+              <a:latin typeface="Arial"/>
+            </a:endParaRPr>
+          </a:p>
+        </p:txBody>
+      </p:sp>
+      <p:sp>
+        <p:nvSpPr>
+          <p:cNvPr id="72" name="PlaceHolder 3"/>
           <p:cNvSpPr>
             <a:spLocks noGrp="1"/>
           </p:cNvSpPr>
@@ -1647,8 +1553,8 @@
         </p:nvSpPr>
         <p:spPr>
           <a:xfrm>
-            <a:off x="1097280" y="3947040"/>
-            <a:ext cx="10058040" cy="1918800"/>
+            <a:off x="609480" y="3682080"/>
+            <a:ext cx="10972440" cy="1896840"/>
           </a:xfrm>
           <a:prstGeom prst="rect">
             <a:avLst/>
@@ -1659,11 +1565,8 @@
             <a:normAutofit/>
           </a:bodyPr>
           <a:p>
-            <a:endParaRPr b="0" lang="pt-BR" sz="2000" spc="-1" strike="noStrike">
-              <a:solidFill>
-                <a:srgbClr val="404040"/>
-              </a:solidFill>
-              <a:latin typeface="Calibri"/>
+            <a:endParaRPr b="0" lang="pt-BR" sz="3200" spc="-1" strike="noStrike">
+              <a:latin typeface="Arial"/>
             </a:endParaRPr>
           </a:p>
         </p:txBody>
@@ -1692,7 +1595,7 @@
       </p:grpSpPr>
       <p:sp>
         <p:nvSpPr>
-          <p:cNvPr id="79" name="PlaceHolder 1"/>
+          <p:cNvPr id="73" name="PlaceHolder 1"/>
           <p:cNvSpPr>
             <a:spLocks noGrp="1"/>
           </p:cNvSpPr>
@@ -1702,8 +1605,8 @@
         </p:nvSpPr>
         <p:spPr>
           <a:xfrm>
-            <a:off x="1097280" y="286560"/>
-            <a:ext cx="10058040" cy="1450440"/>
+            <a:off x="609480" y="273600"/>
+            <a:ext cx="10972440" cy="1144800"/>
           </a:xfrm>
           <a:prstGeom prst="rect">
             <a:avLst/>
@@ -1712,18 +1615,16 @@
         <p:txBody>
           <a:bodyPr lIns="0" rIns="0" tIns="0" bIns="0" anchor="ctr"/>
           <a:p>
-            <a:endParaRPr b="0" lang="pt-BR" sz="1800" spc="-1" strike="noStrike">
-              <a:solidFill>
-                <a:srgbClr val="000000"/>
-              </a:solidFill>
-              <a:latin typeface="Calibri"/>
-            </a:endParaRPr>
-          </a:p>
-        </p:txBody>
-      </p:sp>
-      <p:sp>
-        <p:nvSpPr>
-          <p:cNvPr id="80" name="PlaceHolder 2"/>
+            <a:pPr algn="ctr"/>
+            <a:endParaRPr b="0" lang="pt-BR" sz="4400" spc="-1" strike="noStrike">
+              <a:latin typeface="Arial"/>
+            </a:endParaRPr>
+          </a:p>
+        </p:txBody>
+      </p:sp>
+      <p:sp>
+        <p:nvSpPr>
+          <p:cNvPr id="74" name="PlaceHolder 2"/>
           <p:cNvSpPr>
             <a:spLocks noGrp="1"/>
           </p:cNvSpPr>
@@ -1733,8 +1634,8 @@
         </p:nvSpPr>
         <p:spPr>
           <a:xfrm>
-            <a:off x="1097280" y="1845720"/>
-            <a:ext cx="4908240" cy="1918800"/>
+            <a:off x="609480" y="1604520"/>
+            <a:ext cx="5354280" cy="1896840"/>
           </a:xfrm>
           <a:prstGeom prst="rect">
             <a:avLst/>
@@ -1745,18 +1646,15 @@
             <a:normAutofit/>
           </a:bodyPr>
           <a:p>
-            <a:endParaRPr b="0" lang="pt-BR" sz="2000" spc="-1" strike="noStrike">
-              <a:solidFill>
-                <a:srgbClr val="404040"/>
-              </a:solidFill>
-              <a:latin typeface="Calibri"/>
-            </a:endParaRPr>
-          </a:p>
-        </p:txBody>
-      </p:sp>
-      <p:sp>
-        <p:nvSpPr>
-          <p:cNvPr id="81" name="PlaceHolder 3"/>
+            <a:endParaRPr b="0" lang="pt-BR" sz="3200" spc="-1" strike="noStrike">
+              <a:latin typeface="Arial"/>
+            </a:endParaRPr>
+          </a:p>
+        </p:txBody>
+      </p:sp>
+      <p:sp>
+        <p:nvSpPr>
+          <p:cNvPr id="75" name="PlaceHolder 3"/>
           <p:cNvSpPr>
             <a:spLocks noGrp="1"/>
           </p:cNvSpPr>
@@ -1766,8 +1664,8 @@
         </p:nvSpPr>
         <p:spPr>
           <a:xfrm>
-            <a:off x="6251400" y="1845720"/>
-            <a:ext cx="4908240" cy="1918800"/>
+            <a:off x="6231960" y="1604520"/>
+            <a:ext cx="5354280" cy="1896840"/>
           </a:xfrm>
           <a:prstGeom prst="rect">
             <a:avLst/>
@@ -1778,18 +1676,15 @@
             <a:normAutofit/>
           </a:bodyPr>
           <a:p>
-            <a:endParaRPr b="0" lang="pt-BR" sz="2000" spc="-1" strike="noStrike">
-              <a:solidFill>
-                <a:srgbClr val="404040"/>
-              </a:solidFill>
-              <a:latin typeface="Calibri"/>
-            </a:endParaRPr>
-          </a:p>
-        </p:txBody>
-      </p:sp>
-      <p:sp>
-        <p:nvSpPr>
-          <p:cNvPr id="82" name="PlaceHolder 4"/>
+            <a:endParaRPr b="0" lang="pt-BR" sz="3200" spc="-1" strike="noStrike">
+              <a:latin typeface="Arial"/>
+            </a:endParaRPr>
+          </a:p>
+        </p:txBody>
+      </p:sp>
+      <p:sp>
+        <p:nvSpPr>
+          <p:cNvPr id="76" name="PlaceHolder 4"/>
           <p:cNvSpPr>
             <a:spLocks noGrp="1"/>
           </p:cNvSpPr>
@@ -1799,8 +1694,8 @@
         </p:nvSpPr>
         <p:spPr>
           <a:xfrm>
-            <a:off x="1097280" y="3947040"/>
-            <a:ext cx="4908240" cy="1918800"/>
+            <a:off x="609480" y="3682080"/>
+            <a:ext cx="5354280" cy="1896840"/>
           </a:xfrm>
           <a:prstGeom prst="rect">
             <a:avLst/>
@@ -1811,18 +1706,15 @@
             <a:normAutofit/>
           </a:bodyPr>
           <a:p>
-            <a:endParaRPr b="0" lang="pt-BR" sz="2000" spc="-1" strike="noStrike">
-              <a:solidFill>
-                <a:srgbClr val="404040"/>
-              </a:solidFill>
-              <a:latin typeface="Calibri"/>
-            </a:endParaRPr>
-          </a:p>
-        </p:txBody>
-      </p:sp>
-      <p:sp>
-        <p:nvSpPr>
-          <p:cNvPr id="83" name="PlaceHolder 5"/>
+            <a:endParaRPr b="0" lang="pt-BR" sz="3200" spc="-1" strike="noStrike">
+              <a:latin typeface="Arial"/>
+            </a:endParaRPr>
+          </a:p>
+        </p:txBody>
+      </p:sp>
+      <p:sp>
+        <p:nvSpPr>
+          <p:cNvPr id="77" name="PlaceHolder 5"/>
           <p:cNvSpPr>
             <a:spLocks noGrp="1"/>
           </p:cNvSpPr>
@@ -1832,8 +1724,8 @@
         </p:nvSpPr>
         <p:spPr>
           <a:xfrm>
-            <a:off x="6251400" y="3947040"/>
-            <a:ext cx="4908240" cy="1918800"/>
+            <a:off x="6231960" y="3682080"/>
+            <a:ext cx="5354280" cy="1896840"/>
           </a:xfrm>
           <a:prstGeom prst="rect">
             <a:avLst/>
@@ -1844,11 +1736,8 @@
             <a:normAutofit/>
           </a:bodyPr>
           <a:p>
-            <a:endParaRPr b="0" lang="pt-BR" sz="2000" spc="-1" strike="noStrike">
-              <a:solidFill>
-                <a:srgbClr val="404040"/>
-              </a:solidFill>
-              <a:latin typeface="Calibri"/>
+            <a:endParaRPr b="0" lang="pt-BR" sz="3200" spc="-1" strike="noStrike">
+              <a:latin typeface="Arial"/>
             </a:endParaRPr>
           </a:p>
         </p:txBody>
@@ -1877,7 +1766,7 @@
       </p:grpSpPr>
       <p:sp>
         <p:nvSpPr>
-          <p:cNvPr id="84" name="PlaceHolder 1"/>
+          <p:cNvPr id="78" name="PlaceHolder 1"/>
           <p:cNvSpPr>
             <a:spLocks noGrp="1"/>
           </p:cNvSpPr>
@@ -1887,8 +1776,8 @@
         </p:nvSpPr>
         <p:spPr>
           <a:xfrm>
-            <a:off x="1097280" y="286560"/>
-            <a:ext cx="10058040" cy="1450440"/>
+            <a:off x="609480" y="273600"/>
+            <a:ext cx="10972440" cy="1144800"/>
           </a:xfrm>
           <a:prstGeom prst="rect">
             <a:avLst/>
@@ -1897,18 +1786,16 @@
         <p:txBody>
           <a:bodyPr lIns="0" rIns="0" tIns="0" bIns="0" anchor="ctr"/>
           <a:p>
-            <a:endParaRPr b="0" lang="pt-BR" sz="1800" spc="-1" strike="noStrike">
-              <a:solidFill>
-                <a:srgbClr val="000000"/>
-              </a:solidFill>
-              <a:latin typeface="Calibri"/>
-            </a:endParaRPr>
-          </a:p>
-        </p:txBody>
-      </p:sp>
-      <p:sp>
-        <p:nvSpPr>
-          <p:cNvPr id="85" name="PlaceHolder 2"/>
+            <a:pPr algn="ctr"/>
+            <a:endParaRPr b="0" lang="pt-BR" sz="4400" spc="-1" strike="noStrike">
+              <a:latin typeface="Arial"/>
+            </a:endParaRPr>
+          </a:p>
+        </p:txBody>
+      </p:sp>
+      <p:sp>
+        <p:nvSpPr>
+          <p:cNvPr id="79" name="PlaceHolder 2"/>
           <p:cNvSpPr>
             <a:spLocks noGrp="1"/>
           </p:cNvSpPr>
@@ -1918,8 +1805,8 @@
         </p:nvSpPr>
         <p:spPr>
           <a:xfrm>
-            <a:off x="1097280" y="1845720"/>
-            <a:ext cx="3238560" cy="1918800"/>
+            <a:off x="609480" y="1604520"/>
+            <a:ext cx="3533040" cy="1896840"/>
           </a:xfrm>
           <a:prstGeom prst="rect">
             <a:avLst/>
@@ -1930,18 +1817,15 @@
             <a:normAutofit/>
           </a:bodyPr>
           <a:p>
-            <a:endParaRPr b="0" lang="pt-BR" sz="2000" spc="-1" strike="noStrike">
-              <a:solidFill>
-                <a:srgbClr val="404040"/>
-              </a:solidFill>
-              <a:latin typeface="Calibri"/>
-            </a:endParaRPr>
-          </a:p>
-        </p:txBody>
-      </p:sp>
-      <p:sp>
-        <p:nvSpPr>
-          <p:cNvPr id="86" name="PlaceHolder 3"/>
+            <a:endParaRPr b="0" lang="pt-BR" sz="3200" spc="-1" strike="noStrike">
+              <a:latin typeface="Arial"/>
+            </a:endParaRPr>
+          </a:p>
+        </p:txBody>
+      </p:sp>
+      <p:sp>
+        <p:nvSpPr>
+          <p:cNvPr id="80" name="PlaceHolder 3"/>
           <p:cNvSpPr>
             <a:spLocks noGrp="1"/>
           </p:cNvSpPr>
@@ -1951,8 +1835,8 @@
         </p:nvSpPr>
         <p:spPr>
           <a:xfrm>
-            <a:off x="4498200" y="1845720"/>
-            <a:ext cx="3238560" cy="1918800"/>
+            <a:off x="4319640" y="1604520"/>
+            <a:ext cx="3533040" cy="1896840"/>
           </a:xfrm>
           <a:prstGeom prst="rect">
             <a:avLst/>
@@ -1963,18 +1847,15 @@
             <a:normAutofit/>
           </a:bodyPr>
           <a:p>
-            <a:endParaRPr b="0" lang="pt-BR" sz="2000" spc="-1" strike="noStrike">
-              <a:solidFill>
-                <a:srgbClr val="404040"/>
-              </a:solidFill>
-              <a:latin typeface="Calibri"/>
-            </a:endParaRPr>
-          </a:p>
-        </p:txBody>
-      </p:sp>
-      <p:sp>
-        <p:nvSpPr>
-          <p:cNvPr id="87" name="PlaceHolder 4"/>
+            <a:endParaRPr b="0" lang="pt-BR" sz="3200" spc="-1" strike="noStrike">
+              <a:latin typeface="Arial"/>
+            </a:endParaRPr>
+          </a:p>
+        </p:txBody>
+      </p:sp>
+      <p:sp>
+        <p:nvSpPr>
+          <p:cNvPr id="81" name="PlaceHolder 4"/>
           <p:cNvSpPr>
             <a:spLocks noGrp="1"/>
           </p:cNvSpPr>
@@ -1984,8 +1865,8 @@
         </p:nvSpPr>
         <p:spPr>
           <a:xfrm>
-            <a:off x="7899120" y="1845720"/>
-            <a:ext cx="3238560" cy="1918800"/>
+            <a:off x="8029800" y="1604520"/>
+            <a:ext cx="3533040" cy="1896840"/>
           </a:xfrm>
           <a:prstGeom prst="rect">
             <a:avLst/>
@@ -1996,18 +1877,15 @@
             <a:normAutofit/>
           </a:bodyPr>
           <a:p>
-            <a:endParaRPr b="0" lang="pt-BR" sz="2000" spc="-1" strike="noStrike">
-              <a:solidFill>
-                <a:srgbClr val="404040"/>
-              </a:solidFill>
-              <a:latin typeface="Calibri"/>
-            </a:endParaRPr>
-          </a:p>
-        </p:txBody>
-      </p:sp>
-      <p:sp>
-        <p:nvSpPr>
-          <p:cNvPr id="88" name="PlaceHolder 5"/>
+            <a:endParaRPr b="0" lang="pt-BR" sz="3200" spc="-1" strike="noStrike">
+              <a:latin typeface="Arial"/>
+            </a:endParaRPr>
+          </a:p>
+        </p:txBody>
+      </p:sp>
+      <p:sp>
+        <p:nvSpPr>
+          <p:cNvPr id="82" name="PlaceHolder 5"/>
           <p:cNvSpPr>
             <a:spLocks noGrp="1"/>
           </p:cNvSpPr>
@@ -2017,8 +1895,8 @@
         </p:nvSpPr>
         <p:spPr>
           <a:xfrm>
-            <a:off x="1097280" y="3947040"/>
-            <a:ext cx="3238560" cy="1918800"/>
+            <a:off x="609480" y="3682080"/>
+            <a:ext cx="3533040" cy="1896840"/>
           </a:xfrm>
           <a:prstGeom prst="rect">
             <a:avLst/>
@@ -2029,18 +1907,15 @@
             <a:normAutofit/>
           </a:bodyPr>
           <a:p>
-            <a:endParaRPr b="0" lang="pt-BR" sz="2000" spc="-1" strike="noStrike">
-              <a:solidFill>
-                <a:srgbClr val="404040"/>
-              </a:solidFill>
-              <a:latin typeface="Calibri"/>
-            </a:endParaRPr>
-          </a:p>
-        </p:txBody>
-      </p:sp>
-      <p:sp>
-        <p:nvSpPr>
-          <p:cNvPr id="89" name="PlaceHolder 6"/>
+            <a:endParaRPr b="0" lang="pt-BR" sz="3200" spc="-1" strike="noStrike">
+              <a:latin typeface="Arial"/>
+            </a:endParaRPr>
+          </a:p>
+        </p:txBody>
+      </p:sp>
+      <p:sp>
+        <p:nvSpPr>
+          <p:cNvPr id="83" name="PlaceHolder 6"/>
           <p:cNvSpPr>
             <a:spLocks noGrp="1"/>
           </p:cNvSpPr>
@@ -2050,8 +1925,8 @@
         </p:nvSpPr>
         <p:spPr>
           <a:xfrm>
-            <a:off x="4498200" y="3947040"/>
-            <a:ext cx="3238560" cy="1918800"/>
+            <a:off x="4319640" y="3682080"/>
+            <a:ext cx="3533040" cy="1896840"/>
           </a:xfrm>
           <a:prstGeom prst="rect">
             <a:avLst/>
@@ -2062,18 +1937,15 @@
             <a:normAutofit/>
           </a:bodyPr>
           <a:p>
-            <a:endParaRPr b="0" lang="pt-BR" sz="2000" spc="-1" strike="noStrike">
-              <a:solidFill>
-                <a:srgbClr val="404040"/>
-              </a:solidFill>
-              <a:latin typeface="Calibri"/>
-            </a:endParaRPr>
-          </a:p>
-        </p:txBody>
-      </p:sp>
-      <p:sp>
-        <p:nvSpPr>
-          <p:cNvPr id="90" name="PlaceHolder 7"/>
+            <a:endParaRPr b="0" lang="pt-BR" sz="3200" spc="-1" strike="noStrike">
+              <a:latin typeface="Arial"/>
+            </a:endParaRPr>
+          </a:p>
+        </p:txBody>
+      </p:sp>
+      <p:sp>
+        <p:nvSpPr>
+          <p:cNvPr id="84" name="PlaceHolder 7"/>
           <p:cNvSpPr>
             <a:spLocks noGrp="1"/>
           </p:cNvSpPr>
@@ -2083,8 +1955,8 @@
         </p:nvSpPr>
         <p:spPr>
           <a:xfrm>
-            <a:off x="7899120" y="3947040"/>
-            <a:ext cx="3238560" cy="1918800"/>
+            <a:off x="8029800" y="3682080"/>
+            <a:ext cx="3533040" cy="1896840"/>
           </a:xfrm>
           <a:prstGeom prst="rect">
             <a:avLst/>
@@ -2095,11 +1967,8 @@
             <a:normAutofit/>
           </a:bodyPr>
           <a:p>
-            <a:endParaRPr b="0" lang="pt-BR" sz="2000" spc="-1" strike="noStrike">
-              <a:solidFill>
-                <a:srgbClr val="404040"/>
-              </a:solidFill>
-              <a:latin typeface="Calibri"/>
+            <a:endParaRPr b="0" lang="pt-BR" sz="3200" spc="-1" strike="noStrike">
+              <a:latin typeface="Arial"/>
             </a:endParaRPr>
           </a:p>
         </p:txBody>
@@ -2128,7 +1997,7 @@
       </p:grpSpPr>
       <p:sp>
         <p:nvSpPr>
-          <p:cNvPr id="13" name="PlaceHolder 1"/>
+          <p:cNvPr id="10" name="PlaceHolder 1"/>
           <p:cNvSpPr>
             <a:spLocks noGrp="1"/>
           </p:cNvSpPr>
@@ -2138,8 +2007,8 @@
         </p:nvSpPr>
         <p:spPr>
           <a:xfrm>
-            <a:off x="1097280" y="286560"/>
-            <a:ext cx="10058040" cy="1450440"/>
+            <a:off x="609480" y="273600"/>
+            <a:ext cx="10972440" cy="1144800"/>
           </a:xfrm>
           <a:prstGeom prst="rect">
             <a:avLst/>
@@ -2148,18 +2017,16 @@
         <p:txBody>
           <a:bodyPr lIns="0" rIns="0" tIns="0" bIns="0" anchor="ctr"/>
           <a:p>
-            <a:endParaRPr b="0" lang="pt-BR" sz="1800" spc="-1" strike="noStrike">
-              <a:solidFill>
-                <a:srgbClr val="000000"/>
-              </a:solidFill>
-              <a:latin typeface="Calibri"/>
-            </a:endParaRPr>
-          </a:p>
-        </p:txBody>
-      </p:sp>
-      <p:sp>
-        <p:nvSpPr>
-          <p:cNvPr id="14" name="PlaceHolder 2"/>
+            <a:pPr algn="ctr"/>
+            <a:endParaRPr b="0" lang="pt-BR" sz="4400" spc="-1" strike="noStrike">
+              <a:latin typeface="Arial"/>
+            </a:endParaRPr>
+          </a:p>
+        </p:txBody>
+      </p:sp>
+      <p:sp>
+        <p:nvSpPr>
+          <p:cNvPr id="11" name="PlaceHolder 2"/>
           <p:cNvSpPr>
             <a:spLocks noGrp="1"/>
           </p:cNvSpPr>
@@ -2169,8 +2036,8 @@
         </p:nvSpPr>
         <p:spPr>
           <a:xfrm>
-            <a:off x="1097280" y="1845720"/>
-            <a:ext cx="10058040" cy="4023000"/>
+            <a:off x="609480" y="1604520"/>
+            <a:ext cx="10972440" cy="3977280"/>
           </a:xfrm>
           <a:prstGeom prst="rect">
             <a:avLst/>
@@ -2181,11 +2048,8 @@
             <a:normAutofit/>
           </a:bodyPr>
           <a:p>
-            <a:endParaRPr b="0" lang="pt-BR" sz="2000" spc="-1" strike="noStrike">
-              <a:solidFill>
-                <a:srgbClr val="404040"/>
-              </a:solidFill>
-              <a:latin typeface="Calibri"/>
+            <a:endParaRPr b="0" lang="pt-BR" sz="3200" spc="-1" strike="noStrike">
+              <a:latin typeface="Arial"/>
             </a:endParaRPr>
           </a:p>
         </p:txBody>
@@ -2214,7 +2078,7 @@
       </p:grpSpPr>
       <p:sp>
         <p:nvSpPr>
-          <p:cNvPr id="15" name="PlaceHolder 1"/>
+          <p:cNvPr id="12" name="PlaceHolder 1"/>
           <p:cNvSpPr>
             <a:spLocks noGrp="1"/>
           </p:cNvSpPr>
@@ -2224,8 +2088,8 @@
         </p:nvSpPr>
         <p:spPr>
           <a:xfrm>
-            <a:off x="1097280" y="286560"/>
-            <a:ext cx="10058040" cy="1450440"/>
+            <a:off x="609480" y="273600"/>
+            <a:ext cx="10972440" cy="1144800"/>
           </a:xfrm>
           <a:prstGeom prst="rect">
             <a:avLst/>
@@ -2234,18 +2098,16 @@
         <p:txBody>
           <a:bodyPr lIns="0" rIns="0" tIns="0" bIns="0" anchor="ctr"/>
           <a:p>
-            <a:endParaRPr b="0" lang="pt-BR" sz="1800" spc="-1" strike="noStrike">
-              <a:solidFill>
-                <a:srgbClr val="000000"/>
-              </a:solidFill>
-              <a:latin typeface="Calibri"/>
-            </a:endParaRPr>
-          </a:p>
-        </p:txBody>
-      </p:sp>
-      <p:sp>
-        <p:nvSpPr>
-          <p:cNvPr id="16" name="PlaceHolder 2"/>
+            <a:pPr algn="ctr"/>
+            <a:endParaRPr b="0" lang="pt-BR" sz="4400" spc="-1" strike="noStrike">
+              <a:latin typeface="Arial"/>
+            </a:endParaRPr>
+          </a:p>
+        </p:txBody>
+      </p:sp>
+      <p:sp>
+        <p:nvSpPr>
+          <p:cNvPr id="13" name="PlaceHolder 2"/>
           <p:cNvSpPr>
             <a:spLocks noGrp="1"/>
           </p:cNvSpPr>
@@ -2255,8 +2117,8 @@
         </p:nvSpPr>
         <p:spPr>
           <a:xfrm>
-            <a:off x="1097280" y="1845720"/>
-            <a:ext cx="4908240" cy="4023000"/>
+            <a:off x="609480" y="1604520"/>
+            <a:ext cx="5354280" cy="3977280"/>
           </a:xfrm>
           <a:prstGeom prst="rect">
             <a:avLst/>
@@ -2267,18 +2129,15 @@
             <a:normAutofit/>
           </a:bodyPr>
           <a:p>
-            <a:endParaRPr b="0" lang="pt-BR" sz="2000" spc="-1" strike="noStrike">
-              <a:solidFill>
-                <a:srgbClr val="404040"/>
-              </a:solidFill>
-              <a:latin typeface="Calibri"/>
-            </a:endParaRPr>
-          </a:p>
-        </p:txBody>
-      </p:sp>
-      <p:sp>
-        <p:nvSpPr>
-          <p:cNvPr id="17" name="PlaceHolder 3"/>
+            <a:endParaRPr b="0" lang="pt-BR" sz="3200" spc="-1" strike="noStrike">
+              <a:latin typeface="Arial"/>
+            </a:endParaRPr>
+          </a:p>
+        </p:txBody>
+      </p:sp>
+      <p:sp>
+        <p:nvSpPr>
+          <p:cNvPr id="14" name="PlaceHolder 3"/>
           <p:cNvSpPr>
             <a:spLocks noGrp="1"/>
           </p:cNvSpPr>
@@ -2288,8 +2147,8 @@
         </p:nvSpPr>
         <p:spPr>
           <a:xfrm>
-            <a:off x="6251400" y="1845720"/>
-            <a:ext cx="4908240" cy="4023000"/>
+            <a:off x="6231960" y="1604520"/>
+            <a:ext cx="5354280" cy="3977280"/>
           </a:xfrm>
           <a:prstGeom prst="rect">
             <a:avLst/>
@@ -2300,11 +2159,8 @@
             <a:normAutofit/>
           </a:bodyPr>
           <a:p>
-            <a:endParaRPr b="0" lang="pt-BR" sz="2000" spc="-1" strike="noStrike">
-              <a:solidFill>
-                <a:srgbClr val="404040"/>
-              </a:solidFill>
-              <a:latin typeface="Calibri"/>
+            <a:endParaRPr b="0" lang="pt-BR" sz="3200" spc="-1" strike="noStrike">
+              <a:latin typeface="Arial"/>
             </a:endParaRPr>
           </a:p>
         </p:txBody>
@@ -2333,7 +2189,7 @@
       </p:grpSpPr>
       <p:sp>
         <p:nvSpPr>
-          <p:cNvPr id="18" name="PlaceHolder 1"/>
+          <p:cNvPr id="15" name="PlaceHolder 1"/>
           <p:cNvSpPr>
             <a:spLocks noGrp="1"/>
           </p:cNvSpPr>
@@ -2343,8 +2199,8 @@
         </p:nvSpPr>
         <p:spPr>
           <a:xfrm>
-            <a:off x="1097280" y="286560"/>
-            <a:ext cx="10058040" cy="1450440"/>
+            <a:off x="609480" y="273600"/>
+            <a:ext cx="10972440" cy="1144800"/>
           </a:xfrm>
           <a:prstGeom prst="rect">
             <a:avLst/>
@@ -2353,11 +2209,9 @@
         <p:txBody>
           <a:bodyPr lIns="0" rIns="0" tIns="0" bIns="0" anchor="ctr"/>
           <a:p>
-            <a:endParaRPr b="0" lang="pt-BR" sz="1800" spc="-1" strike="noStrike">
-              <a:solidFill>
-                <a:srgbClr val="000000"/>
-              </a:solidFill>
-              <a:latin typeface="Calibri"/>
+            <a:pPr algn="ctr"/>
+            <a:endParaRPr b="0" lang="pt-BR" sz="4400" spc="-1" strike="noStrike">
+              <a:latin typeface="Arial"/>
             </a:endParaRPr>
           </a:p>
         </p:txBody>
@@ -2386,7 +2240,7 @@
       </p:grpSpPr>
       <p:sp>
         <p:nvSpPr>
-          <p:cNvPr id="19" name="PlaceHolder 1"/>
+          <p:cNvPr id="16" name="PlaceHolder 1"/>
           <p:cNvSpPr>
             <a:spLocks noGrp="1"/>
           </p:cNvSpPr>
@@ -2396,8 +2250,8 @@
         </p:nvSpPr>
         <p:spPr>
           <a:xfrm>
-            <a:off x="1097280" y="286560"/>
-            <a:ext cx="10058040" cy="6724800"/>
+            <a:off x="609480" y="273600"/>
+            <a:ext cx="10972440" cy="5307840"/>
           </a:xfrm>
           <a:prstGeom prst="rect">
             <a:avLst/>
@@ -2437,7 +2291,7 @@
       </p:grpSpPr>
       <p:sp>
         <p:nvSpPr>
-          <p:cNvPr id="20" name="PlaceHolder 1"/>
+          <p:cNvPr id="17" name="PlaceHolder 1"/>
           <p:cNvSpPr>
             <a:spLocks noGrp="1"/>
           </p:cNvSpPr>
@@ -2447,8 +2301,8 @@
         </p:nvSpPr>
         <p:spPr>
           <a:xfrm>
-            <a:off x="1097280" y="286560"/>
-            <a:ext cx="10058040" cy="1450440"/>
+            <a:off x="609480" y="273600"/>
+            <a:ext cx="10972440" cy="1144800"/>
           </a:xfrm>
           <a:prstGeom prst="rect">
             <a:avLst/>
@@ -2457,18 +2311,16 @@
         <p:txBody>
           <a:bodyPr lIns="0" rIns="0" tIns="0" bIns="0" anchor="ctr"/>
           <a:p>
-            <a:endParaRPr b="0" lang="pt-BR" sz="1800" spc="-1" strike="noStrike">
-              <a:solidFill>
-                <a:srgbClr val="000000"/>
-              </a:solidFill>
-              <a:latin typeface="Calibri"/>
-            </a:endParaRPr>
-          </a:p>
-        </p:txBody>
-      </p:sp>
-      <p:sp>
-        <p:nvSpPr>
-          <p:cNvPr id="21" name="PlaceHolder 2"/>
+            <a:pPr algn="ctr"/>
+            <a:endParaRPr b="0" lang="pt-BR" sz="4400" spc="-1" strike="noStrike">
+              <a:latin typeface="Arial"/>
+            </a:endParaRPr>
+          </a:p>
+        </p:txBody>
+      </p:sp>
+      <p:sp>
+        <p:nvSpPr>
+          <p:cNvPr id="18" name="PlaceHolder 2"/>
           <p:cNvSpPr>
             <a:spLocks noGrp="1"/>
           </p:cNvSpPr>
@@ -2478,8 +2330,8 @@
         </p:nvSpPr>
         <p:spPr>
           <a:xfrm>
-            <a:off x="1097280" y="1845720"/>
-            <a:ext cx="4908240" cy="1918800"/>
+            <a:off x="609480" y="1604520"/>
+            <a:ext cx="5354280" cy="1896840"/>
           </a:xfrm>
           <a:prstGeom prst="rect">
             <a:avLst/>
@@ -2490,18 +2342,15 @@
             <a:normAutofit/>
           </a:bodyPr>
           <a:p>
-            <a:endParaRPr b="0" lang="pt-BR" sz="2000" spc="-1" strike="noStrike">
-              <a:solidFill>
-                <a:srgbClr val="404040"/>
-              </a:solidFill>
-              <a:latin typeface="Calibri"/>
-            </a:endParaRPr>
-          </a:p>
-        </p:txBody>
-      </p:sp>
-      <p:sp>
-        <p:nvSpPr>
-          <p:cNvPr id="22" name="PlaceHolder 3"/>
+            <a:endParaRPr b="0" lang="pt-BR" sz="3200" spc="-1" strike="noStrike">
+              <a:latin typeface="Arial"/>
+            </a:endParaRPr>
+          </a:p>
+        </p:txBody>
+      </p:sp>
+      <p:sp>
+        <p:nvSpPr>
+          <p:cNvPr id="19" name="PlaceHolder 3"/>
           <p:cNvSpPr>
             <a:spLocks noGrp="1"/>
           </p:cNvSpPr>
@@ -2511,8 +2360,8 @@
         </p:nvSpPr>
         <p:spPr>
           <a:xfrm>
-            <a:off x="6251400" y="1845720"/>
-            <a:ext cx="4908240" cy="4023000"/>
+            <a:off x="6231960" y="1604520"/>
+            <a:ext cx="5354280" cy="3977280"/>
           </a:xfrm>
           <a:prstGeom prst="rect">
             <a:avLst/>
@@ -2523,18 +2372,15 @@
             <a:normAutofit/>
           </a:bodyPr>
           <a:p>
-            <a:endParaRPr b="0" lang="pt-BR" sz="2000" spc="-1" strike="noStrike">
-              <a:solidFill>
-                <a:srgbClr val="404040"/>
-              </a:solidFill>
-              <a:latin typeface="Calibri"/>
-            </a:endParaRPr>
-          </a:p>
-        </p:txBody>
-      </p:sp>
-      <p:sp>
-        <p:nvSpPr>
-          <p:cNvPr id="23" name="PlaceHolder 4"/>
+            <a:endParaRPr b="0" lang="pt-BR" sz="3200" spc="-1" strike="noStrike">
+              <a:latin typeface="Arial"/>
+            </a:endParaRPr>
+          </a:p>
+        </p:txBody>
+      </p:sp>
+      <p:sp>
+        <p:nvSpPr>
+          <p:cNvPr id="20" name="PlaceHolder 4"/>
           <p:cNvSpPr>
             <a:spLocks noGrp="1"/>
           </p:cNvSpPr>
@@ -2544,8 +2390,8 @@
         </p:nvSpPr>
         <p:spPr>
           <a:xfrm>
-            <a:off x="1097280" y="3947040"/>
-            <a:ext cx="4908240" cy="1918800"/>
+            <a:off x="609480" y="3682080"/>
+            <a:ext cx="5354280" cy="1896840"/>
           </a:xfrm>
           <a:prstGeom prst="rect">
             <a:avLst/>
@@ -2556,11 +2402,8 @@
             <a:normAutofit/>
           </a:bodyPr>
           <a:p>
-            <a:endParaRPr b="0" lang="pt-BR" sz="2000" spc="-1" strike="noStrike">
-              <a:solidFill>
-                <a:srgbClr val="404040"/>
-              </a:solidFill>
-              <a:latin typeface="Calibri"/>
+            <a:endParaRPr b="0" lang="pt-BR" sz="3200" spc="-1" strike="noStrike">
+              <a:latin typeface="Arial"/>
             </a:endParaRPr>
           </a:p>
         </p:txBody>
@@ -2589,7 +2432,7 @@
       </p:grpSpPr>
       <p:sp>
         <p:nvSpPr>
-          <p:cNvPr id="24" name="PlaceHolder 1"/>
+          <p:cNvPr id="21" name="PlaceHolder 1"/>
           <p:cNvSpPr>
             <a:spLocks noGrp="1"/>
           </p:cNvSpPr>
@@ -2599,8 +2442,8 @@
         </p:nvSpPr>
         <p:spPr>
           <a:xfrm>
-            <a:off x="1097280" y="286560"/>
-            <a:ext cx="10058040" cy="1450440"/>
+            <a:off x="609480" y="273600"/>
+            <a:ext cx="10972440" cy="1144800"/>
           </a:xfrm>
           <a:prstGeom prst="rect">
             <a:avLst/>
@@ -2609,18 +2452,16 @@
         <p:txBody>
           <a:bodyPr lIns="0" rIns="0" tIns="0" bIns="0" anchor="ctr"/>
           <a:p>
-            <a:endParaRPr b="0" lang="pt-BR" sz="1800" spc="-1" strike="noStrike">
-              <a:solidFill>
-                <a:srgbClr val="000000"/>
-              </a:solidFill>
-              <a:latin typeface="Calibri"/>
-            </a:endParaRPr>
-          </a:p>
-        </p:txBody>
-      </p:sp>
-      <p:sp>
-        <p:nvSpPr>
-          <p:cNvPr id="25" name="PlaceHolder 2"/>
+            <a:pPr algn="ctr"/>
+            <a:endParaRPr b="0" lang="pt-BR" sz="4400" spc="-1" strike="noStrike">
+              <a:latin typeface="Arial"/>
+            </a:endParaRPr>
+          </a:p>
+        </p:txBody>
+      </p:sp>
+      <p:sp>
+        <p:nvSpPr>
+          <p:cNvPr id="22" name="PlaceHolder 2"/>
           <p:cNvSpPr>
             <a:spLocks noGrp="1"/>
           </p:cNvSpPr>
@@ -2630,8 +2471,8 @@
         </p:nvSpPr>
         <p:spPr>
           <a:xfrm>
-            <a:off x="1097280" y="1845720"/>
-            <a:ext cx="4908240" cy="4023000"/>
+            <a:off x="609480" y="1604520"/>
+            <a:ext cx="5354280" cy="3977280"/>
           </a:xfrm>
           <a:prstGeom prst="rect">
             <a:avLst/>
@@ -2642,18 +2483,15 @@
             <a:normAutofit/>
           </a:bodyPr>
           <a:p>
-            <a:endParaRPr b="0" lang="pt-BR" sz="2000" spc="-1" strike="noStrike">
-              <a:solidFill>
-                <a:srgbClr val="404040"/>
-              </a:solidFill>
-              <a:latin typeface="Calibri"/>
-            </a:endParaRPr>
-          </a:p>
-        </p:txBody>
-      </p:sp>
-      <p:sp>
-        <p:nvSpPr>
-          <p:cNvPr id="26" name="PlaceHolder 3"/>
+            <a:endParaRPr b="0" lang="pt-BR" sz="3200" spc="-1" strike="noStrike">
+              <a:latin typeface="Arial"/>
+            </a:endParaRPr>
+          </a:p>
+        </p:txBody>
+      </p:sp>
+      <p:sp>
+        <p:nvSpPr>
+          <p:cNvPr id="23" name="PlaceHolder 3"/>
           <p:cNvSpPr>
             <a:spLocks noGrp="1"/>
           </p:cNvSpPr>
@@ -2663,8 +2501,8 @@
         </p:nvSpPr>
         <p:spPr>
           <a:xfrm>
-            <a:off x="6251400" y="1845720"/>
-            <a:ext cx="4908240" cy="1918800"/>
+            <a:off x="6231960" y="1604520"/>
+            <a:ext cx="5354280" cy="1896840"/>
           </a:xfrm>
           <a:prstGeom prst="rect">
             <a:avLst/>
@@ -2675,18 +2513,15 @@
             <a:normAutofit/>
           </a:bodyPr>
           <a:p>
-            <a:endParaRPr b="0" lang="pt-BR" sz="2000" spc="-1" strike="noStrike">
-              <a:solidFill>
-                <a:srgbClr val="404040"/>
-              </a:solidFill>
-              <a:latin typeface="Calibri"/>
-            </a:endParaRPr>
-          </a:p>
-        </p:txBody>
-      </p:sp>
-      <p:sp>
-        <p:nvSpPr>
-          <p:cNvPr id="27" name="PlaceHolder 4"/>
+            <a:endParaRPr b="0" lang="pt-BR" sz="3200" spc="-1" strike="noStrike">
+              <a:latin typeface="Arial"/>
+            </a:endParaRPr>
+          </a:p>
+        </p:txBody>
+      </p:sp>
+      <p:sp>
+        <p:nvSpPr>
+          <p:cNvPr id="24" name="PlaceHolder 4"/>
           <p:cNvSpPr>
             <a:spLocks noGrp="1"/>
           </p:cNvSpPr>
@@ -2696,8 +2531,8 @@
         </p:nvSpPr>
         <p:spPr>
           <a:xfrm>
-            <a:off x="6251400" y="3947040"/>
-            <a:ext cx="4908240" cy="1918800"/>
+            <a:off x="6231960" y="3682080"/>
+            <a:ext cx="5354280" cy="1896840"/>
           </a:xfrm>
           <a:prstGeom prst="rect">
             <a:avLst/>
@@ -2708,11 +2543,8 @@
             <a:normAutofit/>
           </a:bodyPr>
           <a:p>
-            <a:endParaRPr b="0" lang="pt-BR" sz="2000" spc="-1" strike="noStrike">
-              <a:solidFill>
-                <a:srgbClr val="404040"/>
-              </a:solidFill>
-              <a:latin typeface="Calibri"/>
+            <a:endParaRPr b="0" lang="pt-BR" sz="3200" spc="-1" strike="noStrike">
+              <a:latin typeface="Arial"/>
             </a:endParaRPr>
           </a:p>
         </p:txBody>
@@ -2741,7 +2573,7 @@
       </p:grpSpPr>
       <p:sp>
         <p:nvSpPr>
-          <p:cNvPr id="28" name="PlaceHolder 1"/>
+          <p:cNvPr id="25" name="PlaceHolder 1"/>
           <p:cNvSpPr>
             <a:spLocks noGrp="1"/>
           </p:cNvSpPr>
@@ -2751,8 +2583,8 @@
         </p:nvSpPr>
         <p:spPr>
           <a:xfrm>
-            <a:off x="1097280" y="286560"/>
-            <a:ext cx="10058040" cy="1450440"/>
+            <a:off x="609480" y="273600"/>
+            <a:ext cx="10972440" cy="1144800"/>
           </a:xfrm>
           <a:prstGeom prst="rect">
             <a:avLst/>
@@ -2761,18 +2593,16 @@
         <p:txBody>
           <a:bodyPr lIns="0" rIns="0" tIns="0" bIns="0" anchor="ctr"/>
           <a:p>
-            <a:endParaRPr b="0" lang="pt-BR" sz="1800" spc="-1" strike="noStrike">
-              <a:solidFill>
-                <a:srgbClr val="000000"/>
-              </a:solidFill>
-              <a:latin typeface="Calibri"/>
-            </a:endParaRPr>
-          </a:p>
-        </p:txBody>
-      </p:sp>
-      <p:sp>
-        <p:nvSpPr>
-          <p:cNvPr id="29" name="PlaceHolder 2"/>
+            <a:pPr algn="ctr"/>
+            <a:endParaRPr b="0" lang="pt-BR" sz="4400" spc="-1" strike="noStrike">
+              <a:latin typeface="Arial"/>
+            </a:endParaRPr>
+          </a:p>
+        </p:txBody>
+      </p:sp>
+      <p:sp>
+        <p:nvSpPr>
+          <p:cNvPr id="26" name="PlaceHolder 2"/>
           <p:cNvSpPr>
             <a:spLocks noGrp="1"/>
           </p:cNvSpPr>
@@ -2782,8 +2612,8 @@
         </p:nvSpPr>
         <p:spPr>
           <a:xfrm>
-            <a:off x="1097280" y="1845720"/>
-            <a:ext cx="4908240" cy="1918800"/>
+            <a:off x="609480" y="1604520"/>
+            <a:ext cx="5354280" cy="1896840"/>
           </a:xfrm>
           <a:prstGeom prst="rect">
             <a:avLst/>
@@ -2794,18 +2624,15 @@
             <a:normAutofit/>
           </a:bodyPr>
           <a:p>
-            <a:endParaRPr b="0" lang="pt-BR" sz="2000" spc="-1" strike="noStrike">
-              <a:solidFill>
-                <a:srgbClr val="404040"/>
-              </a:solidFill>
-              <a:latin typeface="Calibri"/>
-            </a:endParaRPr>
-          </a:p>
-        </p:txBody>
-      </p:sp>
-      <p:sp>
-        <p:nvSpPr>
-          <p:cNvPr id="30" name="PlaceHolder 3"/>
+            <a:endParaRPr b="0" lang="pt-BR" sz="3200" spc="-1" strike="noStrike">
+              <a:latin typeface="Arial"/>
+            </a:endParaRPr>
+          </a:p>
+        </p:txBody>
+      </p:sp>
+      <p:sp>
+        <p:nvSpPr>
+          <p:cNvPr id="27" name="PlaceHolder 3"/>
           <p:cNvSpPr>
             <a:spLocks noGrp="1"/>
           </p:cNvSpPr>
@@ -2815,8 +2642,8 @@
         </p:nvSpPr>
         <p:spPr>
           <a:xfrm>
-            <a:off x="6251400" y="1845720"/>
-            <a:ext cx="4908240" cy="1918800"/>
+            <a:off x="6231960" y="1604520"/>
+            <a:ext cx="5354280" cy="1896840"/>
           </a:xfrm>
           <a:prstGeom prst="rect">
             <a:avLst/>
@@ -2827,18 +2654,15 @@
             <a:normAutofit/>
           </a:bodyPr>
           <a:p>
-            <a:endParaRPr b="0" lang="pt-BR" sz="2000" spc="-1" strike="noStrike">
-              <a:solidFill>
-                <a:srgbClr val="404040"/>
-              </a:solidFill>
-              <a:latin typeface="Calibri"/>
-            </a:endParaRPr>
-          </a:p>
-        </p:txBody>
-      </p:sp>
-      <p:sp>
-        <p:nvSpPr>
-          <p:cNvPr id="31" name="PlaceHolder 4"/>
+            <a:endParaRPr b="0" lang="pt-BR" sz="3200" spc="-1" strike="noStrike">
+              <a:latin typeface="Arial"/>
+            </a:endParaRPr>
+          </a:p>
+        </p:txBody>
+      </p:sp>
+      <p:sp>
+        <p:nvSpPr>
+          <p:cNvPr id="28" name="PlaceHolder 4"/>
           <p:cNvSpPr>
             <a:spLocks noGrp="1"/>
           </p:cNvSpPr>
@@ -2848,8 +2672,8 @@
         </p:nvSpPr>
         <p:spPr>
           <a:xfrm>
-            <a:off x="1097280" y="3947040"/>
-            <a:ext cx="10058040" cy="1918800"/>
+            <a:off x="609480" y="3682080"/>
+            <a:ext cx="10972440" cy="1896840"/>
           </a:xfrm>
           <a:prstGeom prst="rect">
             <a:avLst/>
@@ -2860,11 +2684,8 @@
             <a:normAutofit/>
           </a:bodyPr>
           <a:p>
-            <a:endParaRPr b="0" lang="pt-BR" sz="2000" spc="-1" strike="noStrike">
-              <a:solidFill>
-                <a:srgbClr val="404040"/>
-              </a:solidFill>
-              <a:latin typeface="Calibri"/>
+            <a:endParaRPr b="0" lang="pt-BR" sz="3200" spc="-1" strike="noStrike">
+              <a:latin typeface="Arial"/>
             </a:endParaRPr>
           </a:p>
         </p:txBody>
@@ -2907,7 +2728,7 @@
         <p:spPr>
           <a:xfrm>
             <a:off x="3240" y="6400800"/>
-            <a:ext cx="12188520" cy="456840"/>
+            <a:ext cx="12188160" cy="456480"/>
           </a:xfrm>
           <a:prstGeom prst="rect">
             <a:avLst/>
@@ -2943,7 +2764,7 @@
         <p:spPr>
           <a:xfrm>
             <a:off x="0" y="6334200"/>
-            <a:ext cx="12188520" cy="63720"/>
+            <a:ext cx="12188160" cy="63360"/>
           </a:xfrm>
           <a:prstGeom prst="rect">
             <a:avLst/>
@@ -3016,7 +2837,7 @@
         <p:spPr>
           <a:xfrm>
             <a:off x="0" y="6400800"/>
-            <a:ext cx="12191760" cy="456840"/>
+            <a:ext cx="12191400" cy="456480"/>
           </a:xfrm>
           <a:prstGeom prst="rect">
             <a:avLst/>
@@ -3052,7 +2873,7 @@
         <p:spPr>
           <a:xfrm>
             <a:off x="0" y="6334200"/>
-            <a:ext cx="12191760" cy="66240"/>
+            <a:ext cx="12191400" cy="65880"/>
           </a:xfrm>
           <a:prstGeom prst="rect">
             <a:avLst/>
@@ -3081,166 +2902,7 @@
       </p:sp>
       <p:sp>
         <p:nvSpPr>
-          <p:cNvPr id="5" name="PlaceHolder 6"/>
-          <p:cNvSpPr>
-            <a:spLocks noGrp="1"/>
-          </p:cNvSpPr>
-          <p:nvPr>
-            <p:ph type="title"/>
-          </p:nvPr>
-        </p:nvSpPr>
-        <p:spPr>
-          <a:xfrm>
-            <a:off x="1097280" y="758880"/>
-            <a:ext cx="10058040" cy="3565800"/>
-          </a:xfrm>
-          <a:prstGeom prst="rect">
-            <a:avLst/>
-          </a:prstGeom>
-        </p:spPr>
-        <p:txBody>
-          <a:bodyPr anchor="b">
-            <a:normAutofit/>
-          </a:bodyPr>
-          <a:p>
-            <a:pPr>
-              <a:lnSpc>
-                <a:spcPct val="85000"/>
-              </a:lnSpc>
-            </a:pPr>
-            <a:r>
-              <a:rPr b="0" lang="pt-BR" sz="8000" spc="-49" strike="noStrike">
-                <a:solidFill>
-                  <a:srgbClr val="262626"/>
-                </a:solidFill>
-                <a:latin typeface="Calibri Light"/>
-              </a:rPr>
-              <a:t>Clique para editar o título mestre</a:t>
-            </a:r>
-            <a:endParaRPr b="0" lang="pt-BR" sz="8000" spc="-1" strike="noStrike">
-              <a:solidFill>
-                <a:srgbClr val="000000"/>
-              </a:solidFill>
-              <a:latin typeface="Calibri"/>
-            </a:endParaRPr>
-          </a:p>
-        </p:txBody>
-      </p:sp>
-      <p:sp>
-        <p:nvSpPr>
-          <p:cNvPr id="6" name="PlaceHolder 7"/>
-          <p:cNvSpPr>
-            <a:spLocks noGrp="1"/>
-          </p:cNvSpPr>
-          <p:nvPr>
-            <p:ph type="dt"/>
-          </p:nvPr>
-        </p:nvSpPr>
-        <p:spPr>
-          <a:xfrm>
-            <a:off x="1097280" y="6459840"/>
-            <a:ext cx="2471760" cy="364680"/>
-          </a:xfrm>
-          <a:prstGeom prst="rect">
-            <a:avLst/>
-          </a:prstGeom>
-        </p:spPr>
-        <p:txBody>
-          <a:bodyPr anchor="ctr"/>
-          <a:p>
-            <a:pPr>
-              <a:lnSpc>
-                <a:spcPct val="100000"/>
-              </a:lnSpc>
-            </a:pPr>
-            <a:fld id="{AB2659EA-A03B-4E36-8756-5C514C68DAC9}" type="datetime">
-              <a:rPr b="0" lang="pt-BR" sz="900" spc="-1" strike="noStrike">
-                <a:solidFill>
-                  <a:srgbClr val="ffffff"/>
-                </a:solidFill>
-                <a:latin typeface="Calibri"/>
-              </a:rPr>
-              <a:t>20/09/18</a:t>
-            </a:fld>
-            <a:endParaRPr b="0" lang="pt-BR" sz="900" spc="-1" strike="noStrike">
-              <a:latin typeface="Times New Roman"/>
-            </a:endParaRPr>
-          </a:p>
-        </p:txBody>
-      </p:sp>
-      <p:sp>
-        <p:nvSpPr>
-          <p:cNvPr id="7" name="PlaceHolder 8"/>
-          <p:cNvSpPr>
-            <a:spLocks noGrp="1"/>
-          </p:cNvSpPr>
-          <p:nvPr>
-            <p:ph type="ftr"/>
-          </p:nvPr>
-        </p:nvSpPr>
-        <p:spPr>
-          <a:xfrm>
-            <a:off x="3686040" y="6459840"/>
-            <a:ext cx="4822560" cy="364680"/>
-          </a:xfrm>
-          <a:prstGeom prst="rect">
-            <a:avLst/>
-          </a:prstGeom>
-        </p:spPr>
-        <p:txBody>
-          <a:bodyPr anchor="ctr"/>
-          <a:p>
-            <a:endParaRPr b="0" lang="pt-BR" sz="2400" spc="-1" strike="noStrike">
-              <a:latin typeface="Times New Roman"/>
-            </a:endParaRPr>
-          </a:p>
-        </p:txBody>
-      </p:sp>
-      <p:sp>
-        <p:nvSpPr>
-          <p:cNvPr id="8" name="PlaceHolder 9"/>
-          <p:cNvSpPr>
-            <a:spLocks noGrp="1"/>
-          </p:cNvSpPr>
-          <p:nvPr>
-            <p:ph type="sldNum"/>
-          </p:nvPr>
-        </p:nvSpPr>
-        <p:spPr>
-          <a:xfrm>
-            <a:off x="9900360" y="6459840"/>
-            <a:ext cx="1311840" cy="364680"/>
-          </a:xfrm>
-          <a:prstGeom prst="rect">
-            <a:avLst/>
-          </a:prstGeom>
-        </p:spPr>
-        <p:txBody>
-          <a:bodyPr anchor="ctr"/>
-          <a:p>
-            <a:pPr algn="r">
-              <a:lnSpc>
-                <a:spcPct val="100000"/>
-              </a:lnSpc>
-            </a:pPr>
-            <a:fld id="{B8440E48-E3D2-4A83-9617-82F259DA9E38}" type="slidenum">
-              <a:rPr b="0" lang="pt-BR" sz="1050" spc="-1" strike="noStrike">
-                <a:solidFill>
-                  <a:srgbClr val="ffffff"/>
-                </a:solidFill>
-                <a:latin typeface="Calibri"/>
-              </a:rPr>
-              <a:t>2</a:t>
-            </a:fld>
-            <a:endParaRPr b="0" lang="pt-BR" sz="1050" spc="-1" strike="noStrike">
-              <a:latin typeface="Times New Roman"/>
-            </a:endParaRPr>
-          </a:p>
-        </p:txBody>
-      </p:sp>
-      <p:sp>
-        <p:nvSpPr>
-          <p:cNvPr id="9" name="Line 10"/>
+          <p:cNvPr id="5" name="Line 6"/>
           <p:cNvSpPr/>
           <p:nvPr/>
         </p:nvSpPr>
@@ -3277,7 +2939,41 @@
       </p:sp>
       <p:sp>
         <p:nvSpPr>
-          <p:cNvPr id="10" name="PlaceHolder 11"/>
+          <p:cNvPr id="6" name="PlaceHolder 7"/>
+          <p:cNvSpPr>
+            <a:spLocks noGrp="1"/>
+          </p:cNvSpPr>
+          <p:nvPr>
+            <p:ph type="title"/>
+          </p:nvPr>
+        </p:nvSpPr>
+        <p:spPr>
+          <a:xfrm>
+            <a:off x="1097280" y="286560"/>
+            <a:ext cx="10057680" cy="1450080"/>
+          </a:xfrm>
+          <a:prstGeom prst="rect">
+            <a:avLst/>
+          </a:prstGeom>
+        </p:spPr>
+        <p:txBody>
+          <a:bodyPr lIns="0" rIns="0" tIns="0" bIns="0" anchor="ctr"/>
+          <a:p>
+            <a:r>
+              <a:rPr b="0" lang="pt-BR" sz="1800" spc="-1" strike="noStrike">
+                <a:latin typeface="Arial"/>
+              </a:rPr>
+              <a:t>Click to edit the title text format</a:t>
+            </a:r>
+            <a:endParaRPr b="0" lang="pt-BR" sz="1800" spc="-1" strike="noStrike">
+              <a:latin typeface="Arial"/>
+            </a:endParaRPr>
+          </a:p>
+        </p:txBody>
+      </p:sp>
+      <p:sp>
+        <p:nvSpPr>
+          <p:cNvPr id="7" name="PlaceHolder 8"/>
           <p:cNvSpPr>
             <a:spLocks noGrp="1"/>
           </p:cNvSpPr>
@@ -3311,19 +3007,13 @@
               <a:buChar char=""/>
             </a:pPr>
             <a:r>
-              <a:rPr b="0" lang="pt-BR" sz="2000" spc="-1" strike="noStrike">
-                <a:solidFill>
-                  <a:srgbClr val="404040"/>
-                </a:solidFill>
-                <a:latin typeface="Calibri"/>
+              <a:rPr b="0" lang="pt-BR" sz="3200" spc="-1" strike="noStrike">
+                <a:latin typeface="Arial"/>
               </a:rPr>
               <a:t>Click to edit the outline text format</a:t>
             </a:r>
-            <a:endParaRPr b="0" lang="pt-BR" sz="2000" spc="-1" strike="noStrike">
-              <a:solidFill>
-                <a:srgbClr val="404040"/>
-              </a:solidFill>
-              <a:latin typeface="Calibri"/>
+            <a:endParaRPr b="0" lang="pt-BR" sz="3200" spc="-1" strike="noStrike">
+              <a:latin typeface="Arial"/>
             </a:endParaRPr>
           </a:p>
           <a:p>
@@ -3339,19 +3029,13 @@
               <a:buChar char=""/>
             </a:pPr>
             <a:r>
-              <a:rPr b="0" lang="pt-BR" sz="1400" spc="-1" strike="noStrike">
-                <a:solidFill>
-                  <a:srgbClr val="404040"/>
-                </a:solidFill>
-                <a:latin typeface="Calibri"/>
+              <a:rPr b="0" lang="pt-BR" sz="2800" spc="-1" strike="noStrike">
+                <a:latin typeface="Arial"/>
               </a:rPr>
               <a:t>Second Outline Level</a:t>
             </a:r>
-            <a:endParaRPr b="0" lang="pt-BR" sz="1400" spc="-1" strike="noStrike">
-              <a:solidFill>
-                <a:srgbClr val="404040"/>
-              </a:solidFill>
-              <a:latin typeface="Calibri"/>
+            <a:endParaRPr b="0" lang="pt-BR" sz="2800" spc="-1" strike="noStrike">
+              <a:latin typeface="Arial"/>
             </a:endParaRPr>
           </a:p>
           <a:p>
@@ -3367,19 +3051,13 @@
               <a:buChar char=""/>
             </a:pPr>
             <a:r>
-              <a:rPr b="0" lang="pt-BR" sz="1400" spc="-1" strike="noStrike">
-                <a:solidFill>
-                  <a:srgbClr val="404040"/>
-                </a:solidFill>
-                <a:latin typeface="Calibri"/>
+              <a:rPr b="0" lang="pt-BR" sz="2400" spc="-1" strike="noStrike">
+                <a:latin typeface="Arial"/>
               </a:rPr>
               <a:t>Third Outline Level</a:t>
             </a:r>
-            <a:endParaRPr b="0" lang="pt-BR" sz="1400" spc="-1" strike="noStrike">
-              <a:solidFill>
-                <a:srgbClr val="404040"/>
-              </a:solidFill>
-              <a:latin typeface="Calibri"/>
+            <a:endParaRPr b="0" lang="pt-BR" sz="2400" spc="-1" strike="noStrike">
+              <a:latin typeface="Arial"/>
             </a:endParaRPr>
           </a:p>
           <a:p>
@@ -3395,19 +3073,13 @@
               <a:buChar char=""/>
             </a:pPr>
             <a:r>
-              <a:rPr b="0" lang="pt-BR" sz="1400" spc="-1" strike="noStrike">
-                <a:solidFill>
-                  <a:srgbClr val="404040"/>
-                </a:solidFill>
-                <a:latin typeface="Calibri"/>
+              <a:rPr b="0" lang="pt-BR" sz="2000" spc="-1" strike="noStrike">
+                <a:latin typeface="Arial"/>
               </a:rPr>
               <a:t>Fourth Outline Level</a:t>
             </a:r>
-            <a:endParaRPr b="0" lang="pt-BR" sz="1400" spc="-1" strike="noStrike">
-              <a:solidFill>
-                <a:srgbClr val="404040"/>
-              </a:solidFill>
-              <a:latin typeface="Calibri"/>
+            <a:endParaRPr b="0" lang="pt-BR" sz="2000" spc="-1" strike="noStrike">
+              <a:latin typeface="Arial"/>
             </a:endParaRPr>
           </a:p>
           <a:p>
@@ -3424,18 +3096,12 @@
             </a:pPr>
             <a:r>
               <a:rPr b="0" lang="pt-BR" sz="2000" spc="-1" strike="noStrike">
-                <a:solidFill>
-                  <a:srgbClr val="404040"/>
-                </a:solidFill>
-                <a:latin typeface="Calibri"/>
+                <a:latin typeface="Arial"/>
               </a:rPr>
               <a:t>Fifth Outline Level</a:t>
             </a:r>
             <a:endParaRPr b="0" lang="pt-BR" sz="2000" spc="-1" strike="noStrike">
-              <a:solidFill>
-                <a:srgbClr val="404040"/>
-              </a:solidFill>
-              <a:latin typeface="Calibri"/>
+              <a:latin typeface="Arial"/>
             </a:endParaRPr>
           </a:p>
           <a:p>
@@ -3452,18 +3118,12 @@
             </a:pPr>
             <a:r>
               <a:rPr b="0" lang="pt-BR" sz="2000" spc="-1" strike="noStrike">
-                <a:solidFill>
-                  <a:srgbClr val="404040"/>
-                </a:solidFill>
-                <a:latin typeface="Calibri"/>
+                <a:latin typeface="Arial"/>
               </a:rPr>
               <a:t>Sixth Outline Level</a:t>
             </a:r>
             <a:endParaRPr b="0" lang="pt-BR" sz="2000" spc="-1" strike="noStrike">
-              <a:solidFill>
-                <a:srgbClr val="404040"/>
-              </a:solidFill>
-              <a:latin typeface="Calibri"/>
+              <a:latin typeface="Arial"/>
             </a:endParaRPr>
           </a:p>
           <a:p>
@@ -3480,18 +3140,12 @@
             </a:pPr>
             <a:r>
               <a:rPr b="0" lang="pt-BR" sz="2000" spc="-1" strike="noStrike">
-                <a:solidFill>
-                  <a:srgbClr val="404040"/>
-                </a:solidFill>
-                <a:latin typeface="Calibri"/>
+                <a:latin typeface="Arial"/>
               </a:rPr>
               <a:t>Seventh Outline Level</a:t>
             </a:r>
             <a:endParaRPr b="0" lang="pt-BR" sz="2000" spc="-1" strike="noStrike">
-              <a:solidFill>
-                <a:srgbClr val="404040"/>
-              </a:solidFill>
-              <a:latin typeface="Calibri"/>
+              <a:latin typeface="Arial"/>
             </a:endParaRPr>
           </a:p>
         </p:txBody>
@@ -3542,14 +3196,14 @@
       </p:grpSpPr>
       <p:sp>
         <p:nvSpPr>
-          <p:cNvPr id="47" name="CustomShape 1"/>
+          <p:cNvPr id="44" name="CustomShape 1"/>
           <p:cNvSpPr/>
           <p:nvPr/>
         </p:nvSpPr>
         <p:spPr>
           <a:xfrm>
             <a:off x="3240" y="6400800"/>
-            <a:ext cx="12188520" cy="456840"/>
+            <a:ext cx="12188160" cy="456480"/>
           </a:xfrm>
           <a:prstGeom prst="rect">
             <a:avLst/>
@@ -3578,14 +3232,14 @@
       </p:sp>
       <p:sp>
         <p:nvSpPr>
-          <p:cNvPr id="48" name="CustomShape 2"/>
+          <p:cNvPr id="45" name="CustomShape 2"/>
           <p:cNvSpPr/>
           <p:nvPr/>
         </p:nvSpPr>
         <p:spPr>
           <a:xfrm>
             <a:off x="0" y="6334200"/>
-            <a:ext cx="12188520" cy="63720"/>
+            <a:ext cx="12188160" cy="63360"/>
           </a:xfrm>
           <a:prstGeom prst="rect">
             <a:avLst/>
@@ -3614,7 +3268,7 @@
       </p:sp>
       <p:sp>
         <p:nvSpPr>
-          <p:cNvPr id="49" name="Line 3"/>
+          <p:cNvPr id="46" name="Line 3"/>
           <p:cNvSpPr/>
           <p:nvPr/>
         </p:nvSpPr>
@@ -3651,7 +3305,7 @@
       </p:sp>
       <p:sp>
         <p:nvSpPr>
-          <p:cNvPr id="50" name="PlaceHolder 4"/>
+          <p:cNvPr id="47" name="PlaceHolder 4"/>
           <p:cNvSpPr>
             <a:spLocks noGrp="1"/>
           </p:cNvSpPr>
@@ -3661,42 +3315,32 @@
         </p:nvSpPr>
         <p:spPr>
           <a:xfrm>
-            <a:off x="1097280" y="286560"/>
-            <a:ext cx="10058040" cy="1450440"/>
-          </a:xfrm>
-          <a:prstGeom prst="rect">
-            <a:avLst/>
-          </a:prstGeom>
-        </p:spPr>
-        <p:txBody>
-          <a:bodyPr anchor="b"/>
-          <a:p>
-            <a:pPr>
-              <a:lnSpc>
-                <a:spcPct val="85000"/>
-              </a:lnSpc>
-            </a:pPr>
-            <a:r>
-              <a:rPr b="0" lang="pt-BR" sz="4800" spc="-49" strike="noStrike">
-                <a:solidFill>
-                  <a:srgbClr val="404040"/>
-                </a:solidFill>
-                <a:latin typeface="Calibri Light"/>
-              </a:rPr>
-              <a:t>Clique para editar o título mestre</a:t>
-            </a:r>
-            <a:endParaRPr b="0" lang="pt-BR" sz="4800" spc="-1" strike="noStrike">
-              <a:solidFill>
-                <a:srgbClr val="000000"/>
-              </a:solidFill>
-              <a:latin typeface="Calibri"/>
-            </a:endParaRPr>
-          </a:p>
-        </p:txBody>
-      </p:sp>
-      <p:sp>
-        <p:nvSpPr>
-          <p:cNvPr id="51" name="PlaceHolder 5"/>
+            <a:off x="609480" y="273600"/>
+            <a:ext cx="10972440" cy="1144800"/>
+          </a:xfrm>
+          <a:prstGeom prst="rect">
+            <a:avLst/>
+          </a:prstGeom>
+        </p:spPr>
+        <p:txBody>
+          <a:bodyPr lIns="0" rIns="0" tIns="0" bIns="0" anchor="ctr"/>
+          <a:p>
+            <a:pPr algn="ctr"/>
+            <a:r>
+              <a:rPr b="0" lang="pt-BR" sz="4400" spc="-1" strike="noStrike">
+                <a:latin typeface="Arial"/>
+              </a:rPr>
+              <a:t>Click to edit the title text format</a:t>
+            </a:r>
+            <a:endParaRPr b="0" lang="pt-BR" sz="4400" spc="-1" strike="noStrike">
+              <a:latin typeface="Arial"/>
+            </a:endParaRPr>
+          </a:p>
+        </p:txBody>
+      </p:sp>
+      <p:sp>
+        <p:nvSpPr>
+          <p:cNvPr id="48" name="PlaceHolder 5"/>
           <p:cNvSpPr>
             <a:spLocks noGrp="1"/>
           </p:cNvSpPr>
@@ -3706,290 +3350,169 @@
         </p:nvSpPr>
         <p:spPr>
           <a:xfrm>
-            <a:off x="1097280" y="1845720"/>
-            <a:ext cx="10058040" cy="4023000"/>
-          </a:xfrm>
-          <a:prstGeom prst="rect">
-            <a:avLst/>
-          </a:prstGeom>
-        </p:spPr>
-        <p:txBody>
-          <a:bodyPr lIns="0" rIns="0"/>
-          <a:p>
-            <a:pPr marL="91440" indent="-91080">
-              <a:lnSpc>
-                <a:spcPct val="90000"/>
-              </a:lnSpc>
-              <a:spcBef>
-                <a:spcPts val="1199"/>
-              </a:spcBef>
-              <a:spcAft>
-                <a:spcPts val="201"/>
-              </a:spcAft>
+            <a:off x="609480" y="1604520"/>
+            <a:ext cx="10972440" cy="3977280"/>
+          </a:xfrm>
+          <a:prstGeom prst="rect">
+            <a:avLst/>
+          </a:prstGeom>
+        </p:spPr>
+        <p:txBody>
+          <a:bodyPr lIns="0" rIns="0" tIns="0" bIns="0">
+            <a:normAutofit/>
+          </a:bodyPr>
+          <a:p>
+            <a:pPr marL="432000" indent="-324000">
+              <a:spcBef>
+                <a:spcPts val="1417"/>
+              </a:spcBef>
               <a:buClr>
-                <a:srgbClr val="124163"/>
+                <a:srgbClr val="000000"/>
               </a:buClr>
-              <a:buFont typeface="Calibri"/>
-              <a:buChar char=" "/>
+              <a:buSzPct val="45000"/>
+              <a:buFont typeface="Wingdings" charset="2"/>
+              <a:buChar char=""/>
+            </a:pPr>
+            <a:r>
+              <a:rPr b="0" lang="pt-BR" sz="3200" spc="-1" strike="noStrike">
+                <a:latin typeface="Arial"/>
+              </a:rPr>
+              <a:t>Click to edit the outline text format</a:t>
+            </a:r>
+            <a:endParaRPr b="0" lang="pt-BR" sz="3200" spc="-1" strike="noStrike">
+              <a:latin typeface="Arial"/>
+            </a:endParaRPr>
+          </a:p>
+          <a:p>
+            <a:pPr lvl="1" marL="864000" indent="-324000">
+              <a:spcBef>
+                <a:spcPts val="1134"/>
+              </a:spcBef>
+              <a:buClr>
+                <a:srgbClr val="000000"/>
+              </a:buClr>
+              <a:buSzPct val="75000"/>
+              <a:buFont typeface="Symbol" charset="2"/>
+              <a:buChar char=""/>
+            </a:pPr>
+            <a:r>
+              <a:rPr b="0" lang="pt-BR" sz="2800" spc="-1" strike="noStrike">
+                <a:latin typeface="Arial"/>
+              </a:rPr>
+              <a:t>Second Outline Level</a:t>
+            </a:r>
+            <a:endParaRPr b="0" lang="pt-BR" sz="2800" spc="-1" strike="noStrike">
+              <a:latin typeface="Arial"/>
+            </a:endParaRPr>
+          </a:p>
+          <a:p>
+            <a:pPr lvl="2" marL="1296000" indent="-288000">
+              <a:spcBef>
+                <a:spcPts val="850"/>
+              </a:spcBef>
+              <a:buClr>
+                <a:srgbClr val="000000"/>
+              </a:buClr>
+              <a:buSzPct val="45000"/>
+              <a:buFont typeface="Wingdings" charset="2"/>
+              <a:buChar char=""/>
+            </a:pPr>
+            <a:r>
+              <a:rPr b="0" lang="pt-BR" sz="2400" spc="-1" strike="noStrike">
+                <a:latin typeface="Arial"/>
+              </a:rPr>
+              <a:t>Third Outline Level</a:t>
+            </a:r>
+            <a:endParaRPr b="0" lang="pt-BR" sz="2400" spc="-1" strike="noStrike">
+              <a:latin typeface="Arial"/>
+            </a:endParaRPr>
+          </a:p>
+          <a:p>
+            <a:pPr lvl="3" marL="1728000" indent="-216000">
+              <a:spcBef>
+                <a:spcPts val="567"/>
+              </a:spcBef>
+              <a:buClr>
+                <a:srgbClr val="000000"/>
+              </a:buClr>
+              <a:buSzPct val="75000"/>
+              <a:buFont typeface="Symbol" charset="2"/>
+              <a:buChar char=""/>
             </a:pPr>
             <a:r>
               <a:rPr b="0" lang="pt-BR" sz="2000" spc="-1" strike="noStrike">
-                <a:solidFill>
-                  <a:srgbClr val="404040"/>
-                </a:solidFill>
-                <a:latin typeface="Calibri"/>
-              </a:rPr>
-              <a:t>Editar estilos de texto Mestre</a:t>
+                <a:latin typeface="Arial"/>
+              </a:rPr>
+              <a:t>Fourth Outline Level</a:t>
             </a:r>
             <a:endParaRPr b="0" lang="pt-BR" sz="2000" spc="-1" strike="noStrike">
-              <a:solidFill>
-                <a:srgbClr val="404040"/>
-              </a:solidFill>
-              <a:latin typeface="Calibri"/>
-            </a:endParaRPr>
-          </a:p>
-          <a:p>
-            <a:pPr lvl="1" marL="384120" indent="-182520">
-              <a:lnSpc>
-                <a:spcPct val="90000"/>
-              </a:lnSpc>
-              <a:spcBef>
-                <a:spcPts val="201"/>
-              </a:spcBef>
-              <a:spcAft>
-                <a:spcPts val="400"/>
-              </a:spcAft>
+              <a:latin typeface="Arial"/>
+            </a:endParaRPr>
+          </a:p>
+          <a:p>
+            <a:pPr lvl="4" marL="2160000" indent="-216000">
+              <a:spcBef>
+                <a:spcPts val="283"/>
+              </a:spcBef>
               <a:buClr>
-                <a:srgbClr val="124163"/>
+                <a:srgbClr val="000000"/>
               </a:buClr>
-              <a:buFont typeface="Calibri"/>
-              <a:buChar char="◦"/>
-            </a:pPr>
-            <a:r>
-              <a:rPr b="0" lang="pt-BR" sz="1800" spc="-1" strike="noStrike">
-                <a:solidFill>
-                  <a:srgbClr val="404040"/>
-                </a:solidFill>
-                <a:latin typeface="Calibri"/>
-              </a:rPr>
-              <a:t>Segundo nível</a:t>
-            </a:r>
-            <a:endParaRPr b="0" lang="pt-BR" sz="1800" spc="-1" strike="noStrike">
-              <a:solidFill>
-                <a:srgbClr val="404040"/>
-              </a:solidFill>
-              <a:latin typeface="Calibri"/>
-            </a:endParaRPr>
-          </a:p>
-          <a:p>
-            <a:pPr lvl="2" marL="567000" indent="-182520">
-              <a:lnSpc>
-                <a:spcPct val="90000"/>
-              </a:lnSpc>
-              <a:spcBef>
-                <a:spcPts val="201"/>
-              </a:spcBef>
-              <a:spcAft>
-                <a:spcPts val="400"/>
-              </a:spcAft>
+              <a:buSzPct val="45000"/>
+              <a:buFont typeface="Wingdings" charset="2"/>
+              <a:buChar char=""/>
+            </a:pPr>
+            <a:r>
+              <a:rPr b="0" lang="pt-BR" sz="2000" spc="-1" strike="noStrike">
+                <a:latin typeface="Arial"/>
+              </a:rPr>
+              <a:t>Fifth Outline Level</a:t>
+            </a:r>
+            <a:endParaRPr b="0" lang="pt-BR" sz="2000" spc="-1" strike="noStrike">
+              <a:latin typeface="Arial"/>
+            </a:endParaRPr>
+          </a:p>
+          <a:p>
+            <a:pPr lvl="5" marL="2592000" indent="-216000">
+              <a:spcBef>
+                <a:spcPts val="283"/>
+              </a:spcBef>
               <a:buClr>
-                <a:srgbClr val="124163"/>
+                <a:srgbClr val="000000"/>
               </a:buClr>
-              <a:buFont typeface="Calibri"/>
-              <a:buChar char="◦"/>
-            </a:pPr>
-            <a:r>
-              <a:rPr b="0" lang="pt-BR" sz="1400" spc="-1" strike="noStrike">
-                <a:solidFill>
-                  <a:srgbClr val="404040"/>
-                </a:solidFill>
-                <a:latin typeface="Calibri"/>
-              </a:rPr>
-              <a:t>Terceiro nível</a:t>
-            </a:r>
-            <a:endParaRPr b="0" lang="pt-BR" sz="1400" spc="-1" strike="noStrike">
-              <a:solidFill>
-                <a:srgbClr val="404040"/>
-              </a:solidFill>
-              <a:latin typeface="Calibri"/>
-            </a:endParaRPr>
-          </a:p>
-          <a:p>
-            <a:pPr lvl="3" marL="749880" indent="-182520">
-              <a:lnSpc>
-                <a:spcPct val="90000"/>
-              </a:lnSpc>
-              <a:spcBef>
-                <a:spcPts val="201"/>
-              </a:spcBef>
-              <a:spcAft>
-                <a:spcPts val="400"/>
-              </a:spcAft>
+              <a:buSzPct val="45000"/>
+              <a:buFont typeface="Wingdings" charset="2"/>
+              <a:buChar char=""/>
+            </a:pPr>
+            <a:r>
+              <a:rPr b="0" lang="pt-BR" sz="2000" spc="-1" strike="noStrike">
+                <a:latin typeface="Arial"/>
+              </a:rPr>
+              <a:t>Sixth Outline Level</a:t>
+            </a:r>
+            <a:endParaRPr b="0" lang="pt-BR" sz="2000" spc="-1" strike="noStrike">
+              <a:latin typeface="Arial"/>
+            </a:endParaRPr>
+          </a:p>
+          <a:p>
+            <a:pPr lvl="6" marL="3024000" indent="-216000">
+              <a:spcBef>
+                <a:spcPts val="283"/>
+              </a:spcBef>
               <a:buClr>
-                <a:srgbClr val="124163"/>
+                <a:srgbClr val="000000"/>
               </a:buClr>
-              <a:buFont typeface="Calibri"/>
-              <a:buChar char="◦"/>
-            </a:pPr>
-            <a:r>
-              <a:rPr b="0" lang="pt-BR" sz="1400" spc="-1" strike="noStrike">
-                <a:solidFill>
-                  <a:srgbClr val="404040"/>
-                </a:solidFill>
-                <a:latin typeface="Calibri"/>
-              </a:rPr>
-              <a:t>Quarto nível</a:t>
-            </a:r>
-            <a:endParaRPr b="0" lang="pt-BR" sz="1400" spc="-1" strike="noStrike">
-              <a:solidFill>
-                <a:srgbClr val="404040"/>
-              </a:solidFill>
-              <a:latin typeface="Calibri"/>
-            </a:endParaRPr>
-          </a:p>
-          <a:p>
-            <a:pPr lvl="4" marL="932760" indent="-182520">
-              <a:lnSpc>
-                <a:spcPct val="90000"/>
-              </a:lnSpc>
-              <a:spcBef>
-                <a:spcPts val="201"/>
-              </a:spcBef>
-              <a:spcAft>
-                <a:spcPts val="400"/>
-              </a:spcAft>
-              <a:buClr>
-                <a:srgbClr val="124163"/>
-              </a:buClr>
-              <a:buFont typeface="Calibri"/>
-              <a:buChar char="◦"/>
-            </a:pPr>
-            <a:r>
-              <a:rPr b="0" lang="pt-BR" sz="1400" spc="-1" strike="noStrike">
-                <a:solidFill>
-                  <a:srgbClr val="404040"/>
-                </a:solidFill>
-                <a:latin typeface="Calibri"/>
-              </a:rPr>
-              <a:t>Quinto nível</a:t>
-            </a:r>
-            <a:endParaRPr b="0" lang="pt-BR" sz="1400" spc="-1" strike="noStrike">
-              <a:solidFill>
-                <a:srgbClr val="404040"/>
-              </a:solidFill>
-              <a:latin typeface="Calibri"/>
-            </a:endParaRPr>
-          </a:p>
-        </p:txBody>
-      </p:sp>
-      <p:sp>
-        <p:nvSpPr>
-          <p:cNvPr id="52" name="PlaceHolder 6"/>
-          <p:cNvSpPr>
-            <a:spLocks noGrp="1"/>
-          </p:cNvSpPr>
-          <p:nvPr>
-            <p:ph type="dt"/>
-          </p:nvPr>
-        </p:nvSpPr>
-        <p:spPr>
-          <a:xfrm>
-            <a:off x="1097280" y="6459840"/>
-            <a:ext cx="2471760" cy="364680"/>
-          </a:xfrm>
-          <a:prstGeom prst="rect">
-            <a:avLst/>
-          </a:prstGeom>
-        </p:spPr>
-        <p:txBody>
-          <a:bodyPr anchor="ctr"/>
-          <a:p>
-            <a:pPr>
-              <a:lnSpc>
-                <a:spcPct val="100000"/>
-              </a:lnSpc>
-            </a:pPr>
-            <a:fld id="{731434DB-5195-486F-84A8-EE4750FD47FF}" type="datetime">
-              <a:rPr b="0" lang="pt-BR" sz="900" spc="-1" strike="noStrike">
-                <a:solidFill>
-                  <a:srgbClr val="ffffff"/>
-                </a:solidFill>
-                <a:latin typeface="Calibri"/>
-              </a:rPr>
-              <a:t>20/09/18</a:t>
-            </a:fld>
-            <a:endParaRPr b="0" lang="pt-BR" sz="900" spc="-1" strike="noStrike">
-              <a:latin typeface="Times New Roman"/>
-            </a:endParaRPr>
-          </a:p>
-        </p:txBody>
-      </p:sp>
-      <p:sp>
-        <p:nvSpPr>
-          <p:cNvPr id="53" name="PlaceHolder 7"/>
-          <p:cNvSpPr>
-            <a:spLocks noGrp="1"/>
-          </p:cNvSpPr>
-          <p:nvPr>
-            <p:ph type="ftr"/>
-          </p:nvPr>
-        </p:nvSpPr>
-        <p:spPr>
-          <a:xfrm>
-            <a:off x="3686040" y="6459840"/>
-            <a:ext cx="4822560" cy="364680"/>
-          </a:xfrm>
-          <a:prstGeom prst="rect">
-            <a:avLst/>
-          </a:prstGeom>
-        </p:spPr>
-        <p:txBody>
-          <a:bodyPr anchor="ctr"/>
-          <a:p>
-            <a:endParaRPr b="0" lang="pt-BR" sz="2400" spc="-1" strike="noStrike">
-              <a:latin typeface="Times New Roman"/>
-            </a:endParaRPr>
-          </a:p>
-        </p:txBody>
-      </p:sp>
-      <p:sp>
-        <p:nvSpPr>
-          <p:cNvPr id="54" name="PlaceHolder 8"/>
-          <p:cNvSpPr>
-            <a:spLocks noGrp="1"/>
-          </p:cNvSpPr>
-          <p:nvPr>
-            <p:ph type="sldNum"/>
-          </p:nvPr>
-        </p:nvSpPr>
-        <p:spPr>
-          <a:xfrm>
-            <a:off x="9900360" y="6459840"/>
-            <a:ext cx="1311840" cy="364680"/>
-          </a:xfrm>
-          <a:prstGeom prst="rect">
-            <a:avLst/>
-          </a:prstGeom>
-        </p:spPr>
-        <p:txBody>
-          <a:bodyPr anchor="ctr"/>
-          <a:p>
-            <a:pPr algn="r">
-              <a:lnSpc>
-                <a:spcPct val="100000"/>
-              </a:lnSpc>
-            </a:pPr>
-            <a:fld id="{23CB5C30-4A76-4684-94BC-B04EDFCCB515}" type="slidenum">
-              <a:rPr b="0" lang="pt-BR" sz="1050" spc="-1" strike="noStrike">
-                <a:solidFill>
-                  <a:srgbClr val="ffffff"/>
-                </a:solidFill>
-                <a:latin typeface="Calibri"/>
-              </a:rPr>
-              <a:t>&lt;number&gt;</a:t>
-            </a:fld>
-            <a:endParaRPr b="0" lang="pt-BR" sz="1050" spc="-1" strike="noStrike">
-              <a:latin typeface="Times New Roman"/>
+              <a:buSzPct val="45000"/>
+              <a:buFont typeface="Wingdings" charset="2"/>
+              <a:buChar char=""/>
+            </a:pPr>
+            <a:r>
+              <a:rPr b="0" lang="pt-BR" sz="2000" spc="-1" strike="noStrike">
+                <a:latin typeface="Arial"/>
+              </a:rPr>
+              <a:t>Seventh Outline Level</a:t>
+            </a:r>
+            <a:endParaRPr b="0" lang="pt-BR" sz="2000" spc="-1" strike="noStrike">
+              <a:latin typeface="Arial"/>
             </a:endParaRPr>
           </a:p>
         </p:txBody>
@@ -4033,7 +3556,7 @@
       </p:grpSpPr>
       <p:pic>
         <p:nvPicPr>
-          <p:cNvPr id="91" name="Imagem 1" descr=""/>
+          <p:cNvPr id="85" name="Imagem 1" descr=""/>
           <p:cNvPicPr/>
           <p:nvPr/>
         </p:nvPicPr>
@@ -4044,7 +3567,7 @@
         <p:spPr>
           <a:xfrm>
             <a:off x="-14040" y="0"/>
-            <a:ext cx="12205800" cy="6865560"/>
+            <a:ext cx="12205440" cy="6865200"/>
           </a:xfrm>
           <a:prstGeom prst="rect">
             <a:avLst/>
@@ -4056,19 +3579,19 @@
       </p:pic>
       <p:pic>
         <p:nvPicPr>
-          <p:cNvPr id="92" name="Imagem 1" descr=""/>
+          <p:cNvPr id="86" name="Imagem 1" descr=""/>
           <p:cNvPicPr/>
           <p:nvPr/>
         </p:nvPicPr>
         <p:blipFill>
           <a:blip r:embed="rId2"/>
-          <a:srcRect l="9921" t="45270" r="48352" b="30828"/>
+          <a:srcRect l="9919" t="45263" r="48346" b="30824"/>
           <a:stretch/>
         </p:blipFill>
         <p:spPr>
           <a:xfrm>
             <a:off x="3552840" y="2610000"/>
-            <a:ext cx="5086080" cy="1638000"/>
+            <a:ext cx="5085720" cy="1637640"/>
           </a:xfrm>
           <a:prstGeom prst="rect">
             <a:avLst/>
@@ -4080,14 +3603,14 @@
       </p:pic>
       <p:sp>
         <p:nvSpPr>
-          <p:cNvPr id="93" name="TextShape 1"/>
-          <p:cNvSpPr txBox="1"/>
+          <p:cNvPr id="87" name="CustomShape 1"/>
+          <p:cNvSpPr/>
           <p:nvPr/>
         </p:nvSpPr>
         <p:spPr>
           <a:xfrm>
             <a:off x="1100160" y="4455720"/>
-            <a:ext cx="10058040" cy="1142640"/>
+            <a:ext cx="10057680" cy="1142280"/>
           </a:xfrm>
           <a:prstGeom prst="rect">
             <a:avLst/>
@@ -4097,15 +3620,12 @@
             <a:noFill/>
           </a:ln>
         </p:spPr>
-        <p:txBody>
-          <a:bodyPr/>
-          <a:p>
-            <a:pPr algn="ctr"/>
-            <a:endParaRPr b="0" lang="pt-BR" sz="3200" spc="-1" strike="noStrike">
-              <a:latin typeface="Arial"/>
-            </a:endParaRPr>
-          </a:p>
-        </p:txBody>
+        <p:style>
+          <a:lnRef idx="0"/>
+          <a:fillRef idx="0"/>
+          <a:effectRef idx="0"/>
+          <a:fontRef idx="minor"/>
+        </p:style>
       </p:sp>
     </p:spTree>
   </p:cSld>
@@ -4158,7 +3678,7 @@
       </p:grpSpPr>
       <p:pic>
         <p:nvPicPr>
-          <p:cNvPr id="118" name="Imagem 1" descr=""/>
+          <p:cNvPr id="112" name="Imagem 1" descr=""/>
           <p:cNvPicPr/>
           <p:nvPr/>
         </p:nvPicPr>
@@ -4169,7 +3689,7 @@
         <p:spPr>
           <a:xfrm>
             <a:off x="0" y="0"/>
-            <a:ext cx="12191760" cy="6857640"/>
+            <a:ext cx="12191400" cy="6857280"/>
           </a:xfrm>
           <a:prstGeom prst="rect">
             <a:avLst/>
@@ -4181,14 +3701,14 @@
       </p:pic>
       <p:sp>
         <p:nvSpPr>
-          <p:cNvPr id="119" name="TextShape 1"/>
-          <p:cNvSpPr txBox="1"/>
+          <p:cNvPr id="113" name="CustomShape 1"/>
+          <p:cNvSpPr/>
           <p:nvPr/>
         </p:nvSpPr>
         <p:spPr>
           <a:xfrm>
             <a:off x="888120" y="1066680"/>
-            <a:ext cx="10515240" cy="848880"/>
+            <a:ext cx="10514880" cy="848520"/>
           </a:xfrm>
           <a:prstGeom prst="rect">
             <a:avLst/>
@@ -4198,8 +3718,14 @@
             <a:noFill/>
           </a:ln>
         </p:spPr>
-        <p:txBody>
-          <a:bodyPr anchor="b">
+        <p:style>
+          <a:lnRef idx="0"/>
+          <a:fillRef idx="0"/>
+          <a:effectRef idx="0"/>
+          <a:fontRef idx="minor"/>
+        </p:style>
+        <p:txBody>
+          <a:bodyPr lIns="90000" rIns="90000" tIns="45000" bIns="45000" anchor="b">
             <a:normAutofit/>
           </a:bodyPr>
           <a:p>
@@ -4209,7 +3735,7 @@
               </a:lnSpc>
             </a:pPr>
             <a:r>
-              <a:rPr b="1" lang="pt-BR" sz="4000" spc="-49" strike="noStrike">
+              <a:rPr b="1" lang="pt-BR" sz="4000" spc="-46" strike="noStrike">
                 <a:solidFill>
                   <a:srgbClr val="45869e"/>
                 </a:solidFill>
@@ -4218,24 +3744,21 @@
               <a:t>Capacitor</a:t>
             </a:r>
             <a:endParaRPr b="0" lang="pt-BR" sz="4000" spc="-1" strike="noStrike">
-              <a:solidFill>
-                <a:srgbClr val="000000"/>
-              </a:solidFill>
-              <a:latin typeface="Calibri"/>
-            </a:endParaRPr>
-          </a:p>
-        </p:txBody>
-      </p:sp>
-      <p:sp>
-        <p:nvSpPr>
-          <p:cNvPr id="120" name="TextShape 2"/>
-          <p:cNvSpPr txBox="1"/>
+              <a:latin typeface="Arial"/>
+            </a:endParaRPr>
+          </a:p>
+        </p:txBody>
+      </p:sp>
+      <p:sp>
+        <p:nvSpPr>
+          <p:cNvPr id="114" name="CustomShape 2"/>
+          <p:cNvSpPr/>
           <p:nvPr/>
         </p:nvSpPr>
         <p:spPr>
           <a:xfrm>
             <a:off x="1546200" y="1966680"/>
-            <a:ext cx="9325800" cy="4657320"/>
+            <a:ext cx="9325440" cy="4656960"/>
           </a:xfrm>
           <a:prstGeom prst="rect">
             <a:avLst/>
@@ -4245,8 +3768,14 @@
             <a:noFill/>
           </a:ln>
         </p:spPr>
-        <p:txBody>
-          <a:bodyPr lIns="0" rIns="0">
+        <p:style>
+          <a:lnRef idx="0"/>
+          <a:fillRef idx="0"/>
+          <a:effectRef idx="0"/>
+          <a:fontRef idx="minor"/>
+        </p:style>
+        <p:txBody>
+          <a:bodyPr lIns="0" rIns="0" tIns="45000" bIns="45000">
             <a:normAutofit/>
           </a:bodyPr>
           <a:p>
@@ -4261,15 +3790,12 @@
                 <a:spcPts val="201"/>
               </a:spcAft>
             </a:pPr>
-            <a:endParaRPr b="0" lang="pt-BR" sz="2000" spc="-1" strike="noStrike">
-              <a:solidFill>
-                <a:srgbClr val="404040"/>
-              </a:solidFill>
-              <a:latin typeface="Calibri"/>
-            </a:endParaRPr>
-          </a:p>
-          <a:p>
-            <a:pPr marL="91440" indent="-91080" algn="just">
+            <a:endParaRPr b="0" lang="pt-BR" sz="1800" spc="-1" strike="noStrike">
+              <a:latin typeface="Arial"/>
+            </a:endParaRPr>
+          </a:p>
+          <a:p>
+            <a:pPr marL="91440" indent="-90720" algn="just">
               <a:lnSpc>
                 <a:spcPct val="100000"/>
               </a:lnSpc>
@@ -4304,14 +3830,11 @@
               <a:t>Impedância elétrica (GB, GV e PLT);</a:t>
             </a:r>
             <a:endParaRPr b="0" lang="pt-BR" sz="1800" spc="-1" strike="noStrike">
-              <a:solidFill>
-                <a:srgbClr val="404040"/>
-              </a:solidFill>
-              <a:latin typeface="Calibri"/>
-            </a:endParaRPr>
-          </a:p>
-          <a:p>
-            <a:pPr marL="91440" indent="-91080" algn="just">
+              <a:latin typeface="Arial"/>
+            </a:endParaRPr>
+          </a:p>
+          <a:p>
+            <a:pPr marL="91440" indent="-90720" algn="just">
               <a:lnSpc>
                 <a:spcPct val="100000"/>
               </a:lnSpc>
@@ -4346,10 +3869,7 @@
               <a:t>Absorbância de luz (HGB);</a:t>
             </a:r>
             <a:endParaRPr b="0" lang="pt-BR" sz="1800" spc="-1" strike="noStrike">
-              <a:solidFill>
-                <a:srgbClr val="404040"/>
-              </a:solidFill>
-              <a:latin typeface="Calibri"/>
+              <a:latin typeface="Arial"/>
             </a:endParaRPr>
           </a:p>
           <a:p>
@@ -4365,10 +3885,7 @@
               </a:spcAft>
             </a:pPr>
             <a:endParaRPr b="0" lang="pt-BR" sz="1800" spc="-1" strike="noStrike">
-              <a:solidFill>
-                <a:srgbClr val="404040"/>
-              </a:solidFill>
-              <a:latin typeface="Calibri"/>
+              <a:latin typeface="Arial"/>
             </a:endParaRPr>
           </a:p>
           <a:p>
@@ -4384,10 +3901,7 @@
               </a:spcAft>
             </a:pPr>
             <a:endParaRPr b="0" lang="pt-BR" sz="1800" spc="-1" strike="noStrike">
-              <a:solidFill>
-                <a:srgbClr val="404040"/>
-              </a:solidFill>
-              <a:latin typeface="Calibri"/>
+              <a:latin typeface="Arial"/>
             </a:endParaRPr>
           </a:p>
         </p:txBody>
@@ -4443,7 +3957,7 @@
       </p:grpSpPr>
       <p:pic>
         <p:nvPicPr>
-          <p:cNvPr id="121" name="Imagem 1" descr=""/>
+          <p:cNvPr id="115" name="Imagem 1" descr=""/>
           <p:cNvPicPr/>
           <p:nvPr/>
         </p:nvPicPr>
@@ -4454,7 +3968,7 @@
         <p:spPr>
           <a:xfrm>
             <a:off x="0" y="0"/>
-            <a:ext cx="12191760" cy="6857640"/>
+            <a:ext cx="12191400" cy="6857280"/>
           </a:xfrm>
           <a:prstGeom prst="rect">
             <a:avLst/>
@@ -4466,14 +3980,14 @@
       </p:pic>
       <p:sp>
         <p:nvSpPr>
-          <p:cNvPr id="122" name="TextShape 1"/>
-          <p:cNvSpPr txBox="1"/>
+          <p:cNvPr id="116" name="CustomShape 1"/>
+          <p:cNvSpPr/>
           <p:nvPr/>
         </p:nvSpPr>
         <p:spPr>
           <a:xfrm>
             <a:off x="888120" y="1066680"/>
-            <a:ext cx="10515240" cy="848880"/>
+            <a:ext cx="10514880" cy="848520"/>
           </a:xfrm>
           <a:prstGeom prst="rect">
             <a:avLst/>
@@ -4483,8 +3997,14 @@
             <a:noFill/>
           </a:ln>
         </p:spPr>
-        <p:txBody>
-          <a:bodyPr anchor="b">
+        <p:style>
+          <a:lnRef idx="0"/>
+          <a:fillRef idx="0"/>
+          <a:effectRef idx="0"/>
+          <a:fontRef idx="minor"/>
+        </p:style>
+        <p:txBody>
+          <a:bodyPr lIns="90000" rIns="90000" tIns="45000" bIns="45000" anchor="b">
             <a:normAutofit/>
           </a:bodyPr>
           <a:p>
@@ -4494,7 +4014,7 @@
               </a:lnSpc>
             </a:pPr>
             <a:r>
-              <a:rPr b="1" lang="pt-BR" sz="4000" spc="-49" strike="noStrike">
+              <a:rPr b="1" lang="pt-BR" sz="4000" spc="-46" strike="noStrike">
                 <a:solidFill>
                   <a:srgbClr val="45869e"/>
                 </a:solidFill>
@@ -4503,24 +4023,21 @@
               <a:t>Indutor</a:t>
             </a:r>
             <a:endParaRPr b="0" lang="pt-BR" sz="4000" spc="-1" strike="noStrike">
-              <a:solidFill>
-                <a:srgbClr val="000000"/>
-              </a:solidFill>
-              <a:latin typeface="Calibri"/>
-            </a:endParaRPr>
-          </a:p>
-        </p:txBody>
-      </p:sp>
-      <p:sp>
-        <p:nvSpPr>
-          <p:cNvPr id="123" name="TextShape 2"/>
-          <p:cNvSpPr txBox="1"/>
+              <a:latin typeface="Arial"/>
+            </a:endParaRPr>
+          </a:p>
+        </p:txBody>
+      </p:sp>
+      <p:sp>
+        <p:nvSpPr>
+          <p:cNvPr id="117" name="CustomShape 2"/>
+          <p:cNvSpPr/>
           <p:nvPr/>
         </p:nvSpPr>
         <p:spPr>
           <a:xfrm>
             <a:off x="1546200" y="1966680"/>
-            <a:ext cx="9325800" cy="4657320"/>
+            <a:ext cx="9325440" cy="4656960"/>
           </a:xfrm>
           <a:prstGeom prst="rect">
             <a:avLst/>
@@ -4530,8 +4047,14 @@
             <a:noFill/>
           </a:ln>
         </p:spPr>
-        <p:txBody>
-          <a:bodyPr lIns="0" rIns="0">
+        <p:style>
+          <a:lnRef idx="0"/>
+          <a:fillRef idx="0"/>
+          <a:effectRef idx="0"/>
+          <a:fontRef idx="minor"/>
+        </p:style>
+        <p:txBody>
+          <a:bodyPr lIns="0" rIns="0" tIns="45000" bIns="45000">
             <a:normAutofit/>
           </a:bodyPr>
           <a:p>
@@ -4546,15 +4069,12 @@
                 <a:spcPts val="201"/>
               </a:spcAft>
             </a:pPr>
-            <a:endParaRPr b="0" lang="pt-BR" sz="2000" spc="-1" strike="noStrike">
-              <a:solidFill>
-                <a:srgbClr val="404040"/>
-              </a:solidFill>
-              <a:latin typeface="Calibri"/>
-            </a:endParaRPr>
-          </a:p>
-          <a:p>
-            <a:pPr marL="91440" indent="-91080" algn="just">
+            <a:endParaRPr b="0" lang="pt-BR" sz="1800" spc="-1" strike="noStrike">
+              <a:latin typeface="Arial"/>
+            </a:endParaRPr>
+          </a:p>
+          <a:p>
+            <a:pPr marL="91440" indent="-90720" algn="just">
               <a:lnSpc>
                 <a:spcPct val="100000"/>
               </a:lnSpc>
@@ -4589,14 +4109,11 @@
               <a:t>Impedância elétrica (GB, GV e PLT);</a:t>
             </a:r>
             <a:endParaRPr b="0" lang="pt-BR" sz="1800" spc="-1" strike="noStrike">
-              <a:solidFill>
-                <a:srgbClr val="404040"/>
-              </a:solidFill>
-              <a:latin typeface="Calibri"/>
-            </a:endParaRPr>
-          </a:p>
-          <a:p>
-            <a:pPr marL="91440" indent="-91080" algn="just">
+              <a:latin typeface="Arial"/>
+            </a:endParaRPr>
+          </a:p>
+          <a:p>
+            <a:pPr marL="91440" indent="-90720" algn="just">
               <a:lnSpc>
                 <a:spcPct val="100000"/>
               </a:lnSpc>
@@ -4631,10 +4148,7 @@
               <a:t>Absorbância de luz (HGB);</a:t>
             </a:r>
             <a:endParaRPr b="0" lang="pt-BR" sz="1800" spc="-1" strike="noStrike">
-              <a:solidFill>
-                <a:srgbClr val="404040"/>
-              </a:solidFill>
-              <a:latin typeface="Calibri"/>
+              <a:latin typeface="Arial"/>
             </a:endParaRPr>
           </a:p>
           <a:p>
@@ -4650,10 +4164,7 @@
               </a:spcAft>
             </a:pPr>
             <a:endParaRPr b="0" lang="pt-BR" sz="1800" spc="-1" strike="noStrike">
-              <a:solidFill>
-                <a:srgbClr val="404040"/>
-              </a:solidFill>
-              <a:latin typeface="Calibri"/>
+              <a:latin typeface="Arial"/>
             </a:endParaRPr>
           </a:p>
           <a:p>
@@ -4669,10 +4180,7 @@
               </a:spcAft>
             </a:pPr>
             <a:endParaRPr b="0" lang="pt-BR" sz="1800" spc="-1" strike="noStrike">
-              <a:solidFill>
-                <a:srgbClr val="404040"/>
-              </a:solidFill>
-              <a:latin typeface="Calibri"/>
+              <a:latin typeface="Arial"/>
             </a:endParaRPr>
           </a:p>
         </p:txBody>
@@ -4728,7 +4236,7 @@
       </p:grpSpPr>
       <p:pic>
         <p:nvPicPr>
-          <p:cNvPr id="124" name="Imagem 1" descr=""/>
+          <p:cNvPr id="118" name="Imagem 1" descr=""/>
           <p:cNvPicPr/>
           <p:nvPr/>
         </p:nvPicPr>
@@ -4739,7 +4247,7 @@
         <p:spPr>
           <a:xfrm>
             <a:off x="0" y="0"/>
-            <a:ext cx="12191760" cy="6857640"/>
+            <a:ext cx="12191400" cy="6857280"/>
           </a:xfrm>
           <a:prstGeom prst="rect">
             <a:avLst/>
@@ -4751,14 +4259,14 @@
       </p:pic>
       <p:sp>
         <p:nvSpPr>
-          <p:cNvPr id="125" name="TextShape 1"/>
-          <p:cNvSpPr txBox="1"/>
+          <p:cNvPr id="119" name="CustomShape 1"/>
+          <p:cNvSpPr/>
           <p:nvPr/>
         </p:nvSpPr>
         <p:spPr>
           <a:xfrm>
             <a:off x="888120" y="1066680"/>
-            <a:ext cx="10515240" cy="848880"/>
+            <a:ext cx="10514880" cy="848520"/>
           </a:xfrm>
           <a:prstGeom prst="rect">
             <a:avLst/>
@@ -4768,8 +4276,14 @@
             <a:noFill/>
           </a:ln>
         </p:spPr>
-        <p:txBody>
-          <a:bodyPr anchor="b">
+        <p:style>
+          <a:lnRef idx="0"/>
+          <a:fillRef idx="0"/>
+          <a:effectRef idx="0"/>
+          <a:fontRef idx="minor"/>
+        </p:style>
+        <p:txBody>
+          <a:bodyPr lIns="90000" rIns="90000" tIns="45000" bIns="45000" anchor="b">
             <a:normAutofit/>
           </a:bodyPr>
           <a:p>
@@ -4779,7 +4293,7 @@
               </a:lnSpc>
             </a:pPr>
             <a:r>
-              <a:rPr b="1" lang="pt-BR" sz="4000" spc="-49" strike="noStrike">
+              <a:rPr b="1" lang="pt-BR" sz="4000" spc="-46" strike="noStrike">
                 <a:solidFill>
                   <a:srgbClr val="45869e"/>
                 </a:solidFill>
@@ -4788,24 +4302,21 @@
               <a:t>Diodo</a:t>
             </a:r>
             <a:endParaRPr b="0" lang="pt-BR" sz="4000" spc="-1" strike="noStrike">
-              <a:solidFill>
-                <a:srgbClr val="000000"/>
-              </a:solidFill>
-              <a:latin typeface="Calibri"/>
-            </a:endParaRPr>
-          </a:p>
-        </p:txBody>
-      </p:sp>
-      <p:sp>
-        <p:nvSpPr>
-          <p:cNvPr id="126" name="TextShape 2"/>
-          <p:cNvSpPr txBox="1"/>
+              <a:latin typeface="Arial"/>
+            </a:endParaRPr>
+          </a:p>
+        </p:txBody>
+      </p:sp>
+      <p:sp>
+        <p:nvSpPr>
+          <p:cNvPr id="120" name="CustomShape 2"/>
+          <p:cNvSpPr/>
           <p:nvPr/>
         </p:nvSpPr>
         <p:spPr>
           <a:xfrm>
             <a:off x="1546200" y="1966680"/>
-            <a:ext cx="9325800" cy="4657320"/>
+            <a:ext cx="9325440" cy="4656960"/>
           </a:xfrm>
           <a:prstGeom prst="rect">
             <a:avLst/>
@@ -4815,8 +4326,14 @@
             <a:noFill/>
           </a:ln>
         </p:spPr>
-        <p:txBody>
-          <a:bodyPr lIns="0" rIns="0">
+        <p:style>
+          <a:lnRef idx="0"/>
+          <a:fillRef idx="0"/>
+          <a:effectRef idx="0"/>
+          <a:fontRef idx="minor"/>
+        </p:style>
+        <p:txBody>
+          <a:bodyPr lIns="0" rIns="0" tIns="45000" bIns="45000">
             <a:normAutofit/>
           </a:bodyPr>
           <a:p>
@@ -4831,15 +4348,12 @@
                 <a:spcPts val="201"/>
               </a:spcAft>
             </a:pPr>
-            <a:endParaRPr b="0" lang="pt-BR" sz="2000" spc="-1" strike="noStrike">
-              <a:solidFill>
-                <a:srgbClr val="404040"/>
-              </a:solidFill>
-              <a:latin typeface="Calibri"/>
-            </a:endParaRPr>
-          </a:p>
-          <a:p>
-            <a:pPr marL="91440" indent="-91080" algn="just">
+            <a:endParaRPr b="0" lang="pt-BR" sz="1800" spc="-1" strike="noStrike">
+              <a:latin typeface="Arial"/>
+            </a:endParaRPr>
+          </a:p>
+          <a:p>
+            <a:pPr marL="91440" indent="-90720" algn="just">
               <a:lnSpc>
                 <a:spcPct val="100000"/>
               </a:lnSpc>
@@ -4874,14 +4388,11 @@
               <a:t>Impedância elétrica (GB, GV e PLT);</a:t>
             </a:r>
             <a:endParaRPr b="0" lang="pt-BR" sz="1800" spc="-1" strike="noStrike">
-              <a:solidFill>
-                <a:srgbClr val="404040"/>
-              </a:solidFill>
-              <a:latin typeface="Calibri"/>
-            </a:endParaRPr>
-          </a:p>
-          <a:p>
-            <a:pPr marL="91440" indent="-91080" algn="just">
+              <a:latin typeface="Arial"/>
+            </a:endParaRPr>
+          </a:p>
+          <a:p>
+            <a:pPr marL="91440" indent="-90720" algn="just">
               <a:lnSpc>
                 <a:spcPct val="100000"/>
               </a:lnSpc>
@@ -4916,10 +4427,7 @@
               <a:t>Absorbância de luz (HGB);</a:t>
             </a:r>
             <a:endParaRPr b="0" lang="pt-BR" sz="1800" spc="-1" strike="noStrike">
-              <a:solidFill>
-                <a:srgbClr val="404040"/>
-              </a:solidFill>
-              <a:latin typeface="Calibri"/>
+              <a:latin typeface="Arial"/>
             </a:endParaRPr>
           </a:p>
           <a:p>
@@ -4935,10 +4443,7 @@
               </a:spcAft>
             </a:pPr>
             <a:endParaRPr b="0" lang="pt-BR" sz="1800" spc="-1" strike="noStrike">
-              <a:solidFill>
-                <a:srgbClr val="404040"/>
-              </a:solidFill>
-              <a:latin typeface="Calibri"/>
+              <a:latin typeface="Arial"/>
             </a:endParaRPr>
           </a:p>
           <a:p>
@@ -4954,10 +4459,7 @@
               </a:spcAft>
             </a:pPr>
             <a:endParaRPr b="0" lang="pt-BR" sz="1800" spc="-1" strike="noStrike">
-              <a:solidFill>
-                <a:srgbClr val="404040"/>
-              </a:solidFill>
-              <a:latin typeface="Calibri"/>
+              <a:latin typeface="Arial"/>
             </a:endParaRPr>
           </a:p>
         </p:txBody>
@@ -5013,7 +4515,7 @@
       </p:grpSpPr>
       <p:pic>
         <p:nvPicPr>
-          <p:cNvPr id="127" name="Imagem 1" descr=""/>
+          <p:cNvPr id="121" name="Imagem 1" descr=""/>
           <p:cNvPicPr/>
           <p:nvPr/>
         </p:nvPicPr>
@@ -5024,7 +4526,7 @@
         <p:spPr>
           <a:xfrm>
             <a:off x="0" y="0"/>
-            <a:ext cx="12191760" cy="6857640"/>
+            <a:ext cx="12191400" cy="6857280"/>
           </a:xfrm>
           <a:prstGeom prst="rect">
             <a:avLst/>
@@ -5036,14 +4538,14 @@
       </p:pic>
       <p:sp>
         <p:nvSpPr>
-          <p:cNvPr id="128" name="TextShape 1"/>
-          <p:cNvSpPr txBox="1"/>
+          <p:cNvPr id="122" name="CustomShape 1"/>
+          <p:cNvSpPr/>
           <p:nvPr/>
         </p:nvSpPr>
         <p:spPr>
           <a:xfrm>
             <a:off x="888120" y="1066680"/>
-            <a:ext cx="10515240" cy="848880"/>
+            <a:ext cx="10514880" cy="848520"/>
           </a:xfrm>
           <a:prstGeom prst="rect">
             <a:avLst/>
@@ -5053,8 +4555,14 @@
             <a:noFill/>
           </a:ln>
         </p:spPr>
-        <p:txBody>
-          <a:bodyPr anchor="b">
+        <p:style>
+          <a:lnRef idx="0"/>
+          <a:fillRef idx="0"/>
+          <a:effectRef idx="0"/>
+          <a:fontRef idx="minor"/>
+        </p:style>
+        <p:txBody>
+          <a:bodyPr lIns="90000" rIns="90000" tIns="45000" bIns="45000" anchor="b">
             <a:normAutofit/>
           </a:bodyPr>
           <a:p>
@@ -5064,33 +4572,30 @@
               </a:lnSpc>
             </a:pPr>
             <a:r>
-              <a:rPr b="1" lang="pt-BR" sz="4000" spc="-49" strike="noStrike">
+              <a:rPr b="1" lang="pt-BR" sz="4000" spc="-46" strike="noStrike">
                 <a:solidFill>
                   <a:srgbClr val="45869e"/>
                 </a:solidFill>
                 <a:latin typeface="Calibri Light"/>
               </a:rPr>
-              <a:t>Transistor (MOSFET?)</a:t>
+              <a:t>LED</a:t>
             </a:r>
             <a:endParaRPr b="0" lang="pt-BR" sz="4000" spc="-1" strike="noStrike">
-              <a:solidFill>
-                <a:srgbClr val="000000"/>
-              </a:solidFill>
-              <a:latin typeface="Calibri"/>
-            </a:endParaRPr>
-          </a:p>
-        </p:txBody>
-      </p:sp>
-      <p:sp>
-        <p:nvSpPr>
-          <p:cNvPr id="129" name="TextShape 2"/>
-          <p:cNvSpPr txBox="1"/>
+              <a:latin typeface="Arial"/>
+            </a:endParaRPr>
+          </a:p>
+        </p:txBody>
+      </p:sp>
+      <p:sp>
+        <p:nvSpPr>
+          <p:cNvPr id="123" name="CustomShape 2"/>
+          <p:cNvSpPr/>
           <p:nvPr/>
         </p:nvSpPr>
         <p:spPr>
           <a:xfrm>
             <a:off x="1546200" y="1966680"/>
-            <a:ext cx="9325800" cy="4657320"/>
+            <a:ext cx="9325440" cy="4656960"/>
           </a:xfrm>
           <a:prstGeom prst="rect">
             <a:avLst/>
@@ -5100,8 +4605,14 @@
             <a:noFill/>
           </a:ln>
         </p:spPr>
-        <p:txBody>
-          <a:bodyPr lIns="0" rIns="0">
+        <p:style>
+          <a:lnRef idx="0"/>
+          <a:fillRef idx="0"/>
+          <a:effectRef idx="0"/>
+          <a:fontRef idx="minor"/>
+        </p:style>
+        <p:txBody>
+          <a:bodyPr lIns="0" rIns="0" tIns="45000" bIns="45000">
             <a:normAutofit/>
           </a:bodyPr>
           <a:p>
@@ -5116,15 +4627,12 @@
                 <a:spcPts val="201"/>
               </a:spcAft>
             </a:pPr>
-            <a:endParaRPr b="0" lang="pt-BR" sz="2000" spc="-1" strike="noStrike">
-              <a:solidFill>
-                <a:srgbClr val="404040"/>
-              </a:solidFill>
-              <a:latin typeface="Calibri"/>
-            </a:endParaRPr>
-          </a:p>
-          <a:p>
-            <a:pPr marL="91440" indent="-91080" algn="just">
+            <a:endParaRPr b="0" lang="pt-BR" sz="1800" spc="-1" strike="noStrike">
+              <a:latin typeface="Arial"/>
+            </a:endParaRPr>
+          </a:p>
+          <a:p>
+            <a:pPr marL="91440" indent="-90720" algn="just">
               <a:lnSpc>
                 <a:spcPct val="100000"/>
               </a:lnSpc>
@@ -5159,14 +4667,11 @@
               <a:t>Impedância elétrica (GB, GV e PLT);</a:t>
             </a:r>
             <a:endParaRPr b="0" lang="pt-BR" sz="1800" spc="-1" strike="noStrike">
-              <a:solidFill>
-                <a:srgbClr val="404040"/>
-              </a:solidFill>
-              <a:latin typeface="Calibri"/>
-            </a:endParaRPr>
-          </a:p>
-          <a:p>
-            <a:pPr marL="91440" indent="-91080" algn="just">
+              <a:latin typeface="Arial"/>
+            </a:endParaRPr>
+          </a:p>
+          <a:p>
+            <a:pPr marL="91440" indent="-90720" algn="just">
               <a:lnSpc>
                 <a:spcPct val="100000"/>
               </a:lnSpc>
@@ -5201,10 +4706,7 @@
               <a:t>Absorbância de luz (HGB);</a:t>
             </a:r>
             <a:endParaRPr b="0" lang="pt-BR" sz="1800" spc="-1" strike="noStrike">
-              <a:solidFill>
-                <a:srgbClr val="404040"/>
-              </a:solidFill>
-              <a:latin typeface="Calibri"/>
+              <a:latin typeface="Arial"/>
             </a:endParaRPr>
           </a:p>
           <a:p>
@@ -5220,10 +4722,7 @@
               </a:spcAft>
             </a:pPr>
             <a:endParaRPr b="0" lang="pt-BR" sz="1800" spc="-1" strike="noStrike">
-              <a:solidFill>
-                <a:srgbClr val="404040"/>
-              </a:solidFill>
-              <a:latin typeface="Calibri"/>
+              <a:latin typeface="Arial"/>
             </a:endParaRPr>
           </a:p>
           <a:p>
@@ -5239,10 +4738,7 @@
               </a:spcAft>
             </a:pPr>
             <a:endParaRPr b="0" lang="pt-BR" sz="1800" spc="-1" strike="noStrike">
-              <a:solidFill>
-                <a:srgbClr val="404040"/>
-              </a:solidFill>
-              <a:latin typeface="Calibri"/>
+              <a:latin typeface="Arial"/>
             </a:endParaRPr>
           </a:p>
         </p:txBody>
@@ -5296,71 +4792,9 @@
           <a:chExt cx="0" cy="0"/>
         </a:xfrm>
       </p:grpSpPr>
-      <p:sp>
-        <p:nvSpPr>
-          <p:cNvPr id="130" name="TextShape 1"/>
-          <p:cNvSpPr txBox="1"/>
-          <p:nvPr/>
-        </p:nvSpPr>
-        <p:spPr>
-          <a:xfrm>
-            <a:off x="1097280" y="286560"/>
-            <a:ext cx="10058040" cy="1450440"/>
-          </a:xfrm>
-          <a:prstGeom prst="rect">
-            <a:avLst/>
-          </a:prstGeom>
-          <a:noFill/>
-          <a:ln>
-            <a:noFill/>
-          </a:ln>
-        </p:spPr>
-        <p:txBody>
-          <a:bodyPr anchor="b"/>
-          <a:p>
-            <a:endParaRPr b="0" lang="pt-BR" sz="1800" spc="-1" strike="noStrike">
-              <a:solidFill>
-                <a:srgbClr val="000000"/>
-              </a:solidFill>
-              <a:latin typeface="Calibri"/>
-            </a:endParaRPr>
-          </a:p>
-        </p:txBody>
-      </p:sp>
-      <p:sp>
-        <p:nvSpPr>
-          <p:cNvPr id="131" name="TextShape 2"/>
-          <p:cNvSpPr txBox="1"/>
-          <p:nvPr/>
-        </p:nvSpPr>
-        <p:spPr>
-          <a:xfrm>
-            <a:off x="1097280" y="1845720"/>
-            <a:ext cx="10058040" cy="4023000"/>
-          </a:xfrm>
-          <a:prstGeom prst="rect">
-            <a:avLst/>
-          </a:prstGeom>
-          <a:noFill/>
-          <a:ln>
-            <a:noFill/>
-          </a:ln>
-        </p:spPr>
-        <p:txBody>
-          <a:bodyPr lIns="0" rIns="0"/>
-          <a:p>
-            <a:endParaRPr b="0" lang="pt-BR" sz="2000" spc="-1" strike="noStrike">
-              <a:solidFill>
-                <a:srgbClr val="404040"/>
-              </a:solidFill>
-              <a:latin typeface="Calibri"/>
-            </a:endParaRPr>
-          </a:p>
-        </p:txBody>
-      </p:sp>
       <p:pic>
         <p:nvPicPr>
-          <p:cNvPr id="132" name="Imagem 1" descr=""/>
+          <p:cNvPr id="124" name="Imagem 1" descr=""/>
           <p:cNvPicPr/>
           <p:nvPr/>
         </p:nvPicPr>
@@ -5371,7 +4805,7 @@
         <p:spPr>
           <a:xfrm>
             <a:off x="0" y="0"/>
-            <a:ext cx="12191760" cy="6857640"/>
+            <a:ext cx="12191400" cy="6857280"/>
           </a:xfrm>
           <a:prstGeom prst="rect">
             <a:avLst/>
@@ -5381,6 +4815,213 @@
           </a:ln>
         </p:spPr>
       </p:pic>
+      <p:sp>
+        <p:nvSpPr>
+          <p:cNvPr id="125" name="CustomShape 1"/>
+          <p:cNvSpPr/>
+          <p:nvPr/>
+        </p:nvSpPr>
+        <p:spPr>
+          <a:xfrm>
+            <a:off x="888120" y="1066680"/>
+            <a:ext cx="10514880" cy="848520"/>
+          </a:xfrm>
+          <a:prstGeom prst="rect">
+            <a:avLst/>
+          </a:prstGeom>
+          <a:noFill/>
+          <a:ln>
+            <a:noFill/>
+          </a:ln>
+        </p:spPr>
+        <p:style>
+          <a:lnRef idx="0"/>
+          <a:fillRef idx="0"/>
+          <a:effectRef idx="0"/>
+          <a:fontRef idx="minor"/>
+        </p:style>
+        <p:txBody>
+          <a:bodyPr lIns="90000" rIns="90000" tIns="45000" bIns="45000" anchor="b">
+            <a:normAutofit/>
+          </a:bodyPr>
+          <a:p>
+            <a:pPr algn="ctr">
+              <a:lnSpc>
+                <a:spcPct val="85000"/>
+              </a:lnSpc>
+            </a:pPr>
+            <a:r>
+              <a:rPr b="1" lang="pt-BR" sz="4000" spc="-46" strike="noStrike">
+                <a:solidFill>
+                  <a:srgbClr val="45869e"/>
+                </a:solidFill>
+                <a:latin typeface="Calibri Light"/>
+              </a:rPr>
+              <a:t>Transistor (MOSFET?)</a:t>
+            </a:r>
+            <a:endParaRPr b="0" lang="pt-BR" sz="4000" spc="-1" strike="noStrike">
+              <a:latin typeface="Arial"/>
+            </a:endParaRPr>
+          </a:p>
+        </p:txBody>
+      </p:sp>
+      <p:sp>
+        <p:nvSpPr>
+          <p:cNvPr id="126" name="CustomShape 2"/>
+          <p:cNvSpPr/>
+          <p:nvPr/>
+        </p:nvSpPr>
+        <p:spPr>
+          <a:xfrm>
+            <a:off x="1546200" y="1966680"/>
+            <a:ext cx="9325440" cy="4656960"/>
+          </a:xfrm>
+          <a:prstGeom prst="rect">
+            <a:avLst/>
+          </a:prstGeom>
+          <a:noFill/>
+          <a:ln>
+            <a:noFill/>
+          </a:ln>
+        </p:spPr>
+        <p:style>
+          <a:lnRef idx="0"/>
+          <a:fillRef idx="0"/>
+          <a:effectRef idx="0"/>
+          <a:fontRef idx="minor"/>
+        </p:style>
+        <p:txBody>
+          <a:bodyPr lIns="0" rIns="0" tIns="45000" bIns="45000">
+            <a:normAutofit/>
+          </a:bodyPr>
+          <a:p>
+            <a:pPr algn="ctr">
+              <a:lnSpc>
+                <a:spcPct val="100000"/>
+              </a:lnSpc>
+              <a:spcBef>
+                <a:spcPts val="1199"/>
+              </a:spcBef>
+              <a:spcAft>
+                <a:spcPts val="201"/>
+              </a:spcAft>
+            </a:pPr>
+            <a:endParaRPr b="0" lang="pt-BR" sz="1800" spc="-1" strike="noStrike">
+              <a:latin typeface="Arial"/>
+            </a:endParaRPr>
+          </a:p>
+          <a:p>
+            <a:pPr marL="91440" indent="-90720" algn="just">
+              <a:lnSpc>
+                <a:spcPct val="100000"/>
+              </a:lnSpc>
+              <a:spcBef>
+                <a:spcPts val="1199"/>
+              </a:spcBef>
+              <a:spcAft>
+                <a:spcPts val="201"/>
+              </a:spcAft>
+              <a:buClr>
+                <a:srgbClr val="124163"/>
+              </a:buClr>
+              <a:buFont typeface="Arial"/>
+              <a:buChar char="•"/>
+            </a:pPr>
+            <a:r>
+              <a:rPr b="0" lang="pt-BR" sz="1800" spc="-1" strike="noStrike">
+                <a:solidFill>
+                  <a:srgbClr val="45869e"/>
+                </a:solidFill>
+                <a:latin typeface="Calibri Light"/>
+              </a:rPr>
+              <a:t> </a:t>
+            </a:r>
+            <a:r>
+              <a:rPr b="0" lang="pt-BR" sz="1800" spc="-1" strike="noStrike">
+                <a:solidFill>
+                  <a:srgbClr val="45869e"/>
+                </a:solidFill>
+                <a:latin typeface="Calibri"/>
+              </a:rPr>
+              <a:t>Impedância elétrica (GB, GV e PLT);</a:t>
+            </a:r>
+            <a:endParaRPr b="0" lang="pt-BR" sz="1800" spc="-1" strike="noStrike">
+              <a:latin typeface="Arial"/>
+            </a:endParaRPr>
+          </a:p>
+          <a:p>
+            <a:pPr marL="91440" indent="-90720" algn="just">
+              <a:lnSpc>
+                <a:spcPct val="100000"/>
+              </a:lnSpc>
+              <a:spcBef>
+                <a:spcPts val="1199"/>
+              </a:spcBef>
+              <a:spcAft>
+                <a:spcPts val="201"/>
+              </a:spcAft>
+              <a:buClr>
+                <a:srgbClr val="124163"/>
+              </a:buClr>
+              <a:buFont typeface="Arial"/>
+              <a:buChar char="•"/>
+            </a:pPr>
+            <a:r>
+              <a:rPr b="0" lang="pt-BR" sz="1800" spc="-1" strike="noStrike">
+                <a:solidFill>
+                  <a:srgbClr val="45869e"/>
+                </a:solidFill>
+                <a:latin typeface="Calibri"/>
+              </a:rPr>
+              <a:t> </a:t>
+            </a:r>
+            <a:r>
+              <a:rPr b="0" lang="pt-BR" sz="1800" spc="-1" strike="noStrike">
+                <a:solidFill>
+                  <a:srgbClr val="45869e"/>
+                </a:solidFill>
+                <a:latin typeface="Calibri"/>
+              </a:rPr>
+              <a:t>Absorbância de luz (HGB);</a:t>
+            </a:r>
+            <a:endParaRPr b="0" lang="pt-BR" sz="1800" spc="-1" strike="noStrike">
+              <a:latin typeface="Arial"/>
+            </a:endParaRPr>
+          </a:p>
+          <a:p>
+            <a:pPr algn="just">
+              <a:lnSpc>
+                <a:spcPct val="150000"/>
+              </a:lnSpc>
+              <a:spcBef>
+                <a:spcPts val="1199"/>
+              </a:spcBef>
+              <a:spcAft>
+                <a:spcPts val="201"/>
+              </a:spcAft>
+            </a:pPr>
+            <a:endParaRPr b="0" lang="pt-BR" sz="1800" spc="-1" strike="noStrike">
+              <a:latin typeface="Arial"/>
+            </a:endParaRPr>
+          </a:p>
+          <a:p>
+            <a:pPr algn="just">
+              <a:lnSpc>
+                <a:spcPct val="150000"/>
+              </a:lnSpc>
+              <a:spcBef>
+                <a:spcPts val="1199"/>
+              </a:spcBef>
+              <a:spcAft>
+                <a:spcPts val="201"/>
+              </a:spcAft>
+            </a:pPr>
+            <a:endParaRPr b="0" lang="pt-BR" sz="1800" spc="-1" strike="noStrike">
+              <a:latin typeface="Arial"/>
+            </a:endParaRPr>
+          </a:p>
+        </p:txBody>
+      </p:sp>
     </p:spTree>
   </p:cSld>
   <p:timing>
@@ -5390,6 +5031,1246 @@
           <p:childTnLst>
             <p:seq>
               <p:cTn id="28" dur="indefinite" nodeType="mainSeq"/>
+              <p:prevCondLst>
+                <p:cond delay="0" evt="onPrev">
+                  <p:tgtEl>
+                    <p:sldTgt/>
+                  </p:tgtEl>
+                </p:cond>
+              </p:prevCondLst>
+              <p:nextCondLst>
+                <p:cond delay="0" evt="onNext">
+                  <p:tgtEl>
+                    <p:sldTgt/>
+                  </p:tgtEl>
+                </p:cond>
+              </p:nextCondLst>
+            </p:seq>
+          </p:childTnLst>
+        </p:cTn>
+      </p:par>
+    </p:tnLst>
+  </p:timing>
+</p:sld>
+</file>
+
+<file path=ppt/slides/slide15.xml><?xml version="1.0" encoding="utf-8"?>
+<p:sld xmlns:a="http://schemas.openxmlformats.org/drawingml/2006/main" xmlns:p="http://schemas.openxmlformats.org/presentationml/2006/main" xmlns:r="http://schemas.openxmlformats.org/officeDocument/2006/relationships" xmlns:p14="http://schemas.microsoft.com/office/powerpoint/2010/main" xmlns:p15="http://schemas.microsoft.com/office/powerpoint/2012/main" xmlns:mc="http://schemas.openxmlformats.org/markup-compatibility/2006">
+  <p:cSld>
+    <p:spTree>
+      <p:nvGrpSpPr>
+        <p:cNvPr id="1" name=""/>
+        <p:cNvGrpSpPr/>
+        <p:nvPr/>
+      </p:nvGrpSpPr>
+      <p:grpSpPr>
+        <a:xfrm>
+          <a:off x="0" y="0"/>
+          <a:ext cx="0" cy="0"/>
+          <a:chOff x="0" y="0"/>
+          <a:chExt cx="0" cy="0"/>
+        </a:xfrm>
+      </p:grpSpPr>
+      <p:pic>
+        <p:nvPicPr>
+          <p:cNvPr id="127" name="Imagem 1" descr=""/>
+          <p:cNvPicPr/>
+          <p:nvPr/>
+        </p:nvPicPr>
+        <p:blipFill>
+          <a:blip r:embed="rId1"/>
+          <a:stretch/>
+        </p:blipFill>
+        <p:spPr>
+          <a:xfrm>
+            <a:off x="0" y="0"/>
+            <a:ext cx="12191400" cy="6857280"/>
+          </a:xfrm>
+          <a:prstGeom prst="rect">
+            <a:avLst/>
+          </a:prstGeom>
+          <a:ln w="9360">
+            <a:noFill/>
+          </a:ln>
+        </p:spPr>
+      </p:pic>
+      <p:sp>
+        <p:nvSpPr>
+          <p:cNvPr id="128" name="CustomShape 1"/>
+          <p:cNvSpPr/>
+          <p:nvPr/>
+        </p:nvSpPr>
+        <p:spPr>
+          <a:xfrm>
+            <a:off x="888120" y="1066680"/>
+            <a:ext cx="10514880" cy="848520"/>
+          </a:xfrm>
+          <a:prstGeom prst="rect">
+            <a:avLst/>
+          </a:prstGeom>
+          <a:noFill/>
+          <a:ln>
+            <a:noFill/>
+          </a:ln>
+        </p:spPr>
+        <p:style>
+          <a:lnRef idx="0"/>
+          <a:fillRef idx="0"/>
+          <a:effectRef idx="0"/>
+          <a:fontRef idx="minor"/>
+        </p:style>
+        <p:txBody>
+          <a:bodyPr lIns="90000" rIns="90000" tIns="45000" bIns="45000" anchor="b">
+            <a:normAutofit/>
+          </a:bodyPr>
+          <a:p>
+            <a:pPr algn="ctr">
+              <a:lnSpc>
+                <a:spcPct val="85000"/>
+              </a:lnSpc>
+            </a:pPr>
+            <a:r>
+              <a:rPr b="1" lang="pt-BR" sz="4000" spc="-46" strike="noStrike">
+                <a:solidFill>
+                  <a:srgbClr val="45869e"/>
+                </a:solidFill>
+                <a:latin typeface="Calibri Light"/>
+              </a:rPr>
+              <a:t>Circuito Integrado</a:t>
+            </a:r>
+            <a:endParaRPr b="0" lang="pt-BR" sz="4000" spc="-1" strike="noStrike">
+              <a:latin typeface="Arial"/>
+            </a:endParaRPr>
+          </a:p>
+        </p:txBody>
+      </p:sp>
+      <p:sp>
+        <p:nvSpPr>
+          <p:cNvPr id="129" name="CustomShape 2"/>
+          <p:cNvSpPr/>
+          <p:nvPr/>
+        </p:nvSpPr>
+        <p:spPr>
+          <a:xfrm>
+            <a:off x="1546200" y="1966680"/>
+            <a:ext cx="9325440" cy="4656960"/>
+          </a:xfrm>
+          <a:prstGeom prst="rect">
+            <a:avLst/>
+          </a:prstGeom>
+          <a:noFill/>
+          <a:ln>
+            <a:noFill/>
+          </a:ln>
+        </p:spPr>
+        <p:style>
+          <a:lnRef idx="0"/>
+          <a:fillRef idx="0"/>
+          <a:effectRef idx="0"/>
+          <a:fontRef idx="minor"/>
+        </p:style>
+        <p:txBody>
+          <a:bodyPr lIns="0" rIns="0" tIns="45000" bIns="45000">
+            <a:normAutofit/>
+          </a:bodyPr>
+          <a:p>
+            <a:pPr algn="ctr">
+              <a:lnSpc>
+                <a:spcPct val="100000"/>
+              </a:lnSpc>
+              <a:spcBef>
+                <a:spcPts val="1199"/>
+              </a:spcBef>
+              <a:spcAft>
+                <a:spcPts val="201"/>
+              </a:spcAft>
+            </a:pPr>
+            <a:endParaRPr b="0" lang="pt-BR" sz="1800" spc="-1" strike="noStrike">
+              <a:latin typeface="Arial"/>
+            </a:endParaRPr>
+          </a:p>
+          <a:p>
+            <a:pPr marL="91440" indent="-90720" algn="just">
+              <a:lnSpc>
+                <a:spcPct val="100000"/>
+              </a:lnSpc>
+              <a:spcBef>
+                <a:spcPts val="1199"/>
+              </a:spcBef>
+              <a:spcAft>
+                <a:spcPts val="201"/>
+              </a:spcAft>
+              <a:buClr>
+                <a:srgbClr val="124163"/>
+              </a:buClr>
+              <a:buFont typeface="Arial"/>
+              <a:buChar char="•"/>
+            </a:pPr>
+            <a:r>
+              <a:rPr b="0" lang="pt-BR" sz="1800" spc="-1" strike="noStrike">
+                <a:solidFill>
+                  <a:srgbClr val="45869e"/>
+                </a:solidFill>
+                <a:latin typeface="Calibri Light"/>
+              </a:rPr>
+              <a:t> </a:t>
+            </a:r>
+            <a:r>
+              <a:rPr b="0" lang="pt-BR" sz="1800" spc="-1" strike="noStrike">
+                <a:solidFill>
+                  <a:srgbClr val="45869e"/>
+                </a:solidFill>
+                <a:latin typeface="Calibri"/>
+              </a:rPr>
+              <a:t>Impedância elétrica (GB, GV e PLT);</a:t>
+            </a:r>
+            <a:endParaRPr b="0" lang="pt-BR" sz="1800" spc="-1" strike="noStrike">
+              <a:latin typeface="Arial"/>
+            </a:endParaRPr>
+          </a:p>
+          <a:p>
+            <a:pPr marL="91440" indent="-90720" algn="just">
+              <a:lnSpc>
+                <a:spcPct val="100000"/>
+              </a:lnSpc>
+              <a:spcBef>
+                <a:spcPts val="1199"/>
+              </a:spcBef>
+              <a:spcAft>
+                <a:spcPts val="201"/>
+              </a:spcAft>
+              <a:buClr>
+                <a:srgbClr val="124163"/>
+              </a:buClr>
+              <a:buFont typeface="Arial"/>
+              <a:buChar char="•"/>
+            </a:pPr>
+            <a:r>
+              <a:rPr b="0" lang="pt-BR" sz="1800" spc="-1" strike="noStrike">
+                <a:solidFill>
+                  <a:srgbClr val="45869e"/>
+                </a:solidFill>
+                <a:latin typeface="Calibri"/>
+              </a:rPr>
+              <a:t> </a:t>
+            </a:r>
+            <a:r>
+              <a:rPr b="0" lang="pt-BR" sz="1800" spc="-1" strike="noStrike">
+                <a:solidFill>
+                  <a:srgbClr val="45869e"/>
+                </a:solidFill>
+                <a:latin typeface="Calibri"/>
+              </a:rPr>
+              <a:t>Absorbância de luz (HGB);</a:t>
+            </a:r>
+            <a:endParaRPr b="0" lang="pt-BR" sz="1800" spc="-1" strike="noStrike">
+              <a:latin typeface="Arial"/>
+            </a:endParaRPr>
+          </a:p>
+          <a:p>
+            <a:pPr algn="just">
+              <a:lnSpc>
+                <a:spcPct val="150000"/>
+              </a:lnSpc>
+              <a:spcBef>
+                <a:spcPts val="1199"/>
+              </a:spcBef>
+              <a:spcAft>
+                <a:spcPts val="201"/>
+              </a:spcAft>
+            </a:pPr>
+            <a:endParaRPr b="0" lang="pt-BR" sz="1800" spc="-1" strike="noStrike">
+              <a:latin typeface="Arial"/>
+            </a:endParaRPr>
+          </a:p>
+          <a:p>
+            <a:pPr algn="just">
+              <a:lnSpc>
+                <a:spcPct val="150000"/>
+              </a:lnSpc>
+              <a:spcBef>
+                <a:spcPts val="1199"/>
+              </a:spcBef>
+              <a:spcAft>
+                <a:spcPts val="201"/>
+              </a:spcAft>
+            </a:pPr>
+            <a:endParaRPr b="0" lang="pt-BR" sz="1800" spc="-1" strike="noStrike">
+              <a:latin typeface="Arial"/>
+            </a:endParaRPr>
+          </a:p>
+        </p:txBody>
+      </p:sp>
+    </p:spTree>
+  </p:cSld>
+  <p:timing>
+    <p:tnLst>
+      <p:par>
+        <p:cTn id="29" dur="indefinite" restart="never" nodeType="tmRoot">
+          <p:childTnLst>
+            <p:seq>
+              <p:cTn id="30" dur="indefinite" nodeType="mainSeq"/>
+              <p:prevCondLst>
+                <p:cond delay="0" evt="onPrev">
+                  <p:tgtEl>
+                    <p:sldTgt/>
+                  </p:tgtEl>
+                </p:cond>
+              </p:prevCondLst>
+              <p:nextCondLst>
+                <p:cond delay="0" evt="onNext">
+                  <p:tgtEl>
+                    <p:sldTgt/>
+                  </p:tgtEl>
+                </p:cond>
+              </p:nextCondLst>
+            </p:seq>
+          </p:childTnLst>
+        </p:cTn>
+      </p:par>
+    </p:tnLst>
+  </p:timing>
+</p:sld>
+</file>
+
+<file path=ppt/slides/slide16.xml><?xml version="1.0" encoding="utf-8"?>
+<p:sld xmlns:a="http://schemas.openxmlformats.org/drawingml/2006/main" xmlns:p="http://schemas.openxmlformats.org/presentationml/2006/main" xmlns:r="http://schemas.openxmlformats.org/officeDocument/2006/relationships" xmlns:p14="http://schemas.microsoft.com/office/powerpoint/2010/main" xmlns:p15="http://schemas.microsoft.com/office/powerpoint/2012/main" xmlns:mc="http://schemas.openxmlformats.org/markup-compatibility/2006">
+  <p:cSld>
+    <p:spTree>
+      <p:nvGrpSpPr>
+        <p:cNvPr id="1" name=""/>
+        <p:cNvGrpSpPr/>
+        <p:nvPr/>
+      </p:nvGrpSpPr>
+      <p:grpSpPr>
+        <a:xfrm>
+          <a:off x="0" y="0"/>
+          <a:ext cx="0" cy="0"/>
+          <a:chOff x="0" y="0"/>
+          <a:chExt cx="0" cy="0"/>
+        </a:xfrm>
+      </p:grpSpPr>
+      <p:pic>
+        <p:nvPicPr>
+          <p:cNvPr id="130" name="Imagem 1" descr=""/>
+          <p:cNvPicPr/>
+          <p:nvPr/>
+        </p:nvPicPr>
+        <p:blipFill>
+          <a:blip r:embed="rId1"/>
+          <a:stretch/>
+        </p:blipFill>
+        <p:spPr>
+          <a:xfrm>
+            <a:off x="0" y="0"/>
+            <a:ext cx="12191400" cy="6857280"/>
+          </a:xfrm>
+          <a:prstGeom prst="rect">
+            <a:avLst/>
+          </a:prstGeom>
+          <a:ln w="9360">
+            <a:noFill/>
+          </a:ln>
+        </p:spPr>
+      </p:pic>
+      <p:sp>
+        <p:nvSpPr>
+          <p:cNvPr id="131" name="CustomShape 1"/>
+          <p:cNvSpPr/>
+          <p:nvPr/>
+        </p:nvSpPr>
+        <p:spPr>
+          <a:xfrm>
+            <a:off x="888120" y="1066680"/>
+            <a:ext cx="10514880" cy="848520"/>
+          </a:xfrm>
+          <a:prstGeom prst="rect">
+            <a:avLst/>
+          </a:prstGeom>
+          <a:noFill/>
+          <a:ln>
+            <a:noFill/>
+          </a:ln>
+        </p:spPr>
+        <p:style>
+          <a:lnRef idx="0"/>
+          <a:fillRef idx="0"/>
+          <a:effectRef idx="0"/>
+          <a:fontRef idx="minor"/>
+        </p:style>
+        <p:txBody>
+          <a:bodyPr lIns="90000" rIns="90000" tIns="45000" bIns="45000" anchor="b">
+            <a:normAutofit/>
+          </a:bodyPr>
+          <a:p>
+            <a:pPr algn="ctr">
+              <a:lnSpc>
+                <a:spcPct val="85000"/>
+              </a:lnSpc>
+            </a:pPr>
+            <a:r>
+              <a:rPr b="1" lang="pt-BR" sz="4000" spc="-46" strike="noStrike">
+                <a:solidFill>
+                  <a:srgbClr val="45869e"/>
+                </a:solidFill>
+                <a:latin typeface="Calibri Light"/>
+              </a:rPr>
+              <a:t>AMP-OP</a:t>
+            </a:r>
+            <a:endParaRPr b="0" lang="pt-BR" sz="4000" spc="-1" strike="noStrike">
+              <a:latin typeface="Arial"/>
+            </a:endParaRPr>
+          </a:p>
+        </p:txBody>
+      </p:sp>
+      <p:sp>
+        <p:nvSpPr>
+          <p:cNvPr id="132" name="CustomShape 2"/>
+          <p:cNvSpPr/>
+          <p:nvPr/>
+        </p:nvSpPr>
+        <p:spPr>
+          <a:xfrm>
+            <a:off x="1546200" y="1966680"/>
+            <a:ext cx="9325440" cy="4656960"/>
+          </a:xfrm>
+          <a:prstGeom prst="rect">
+            <a:avLst/>
+          </a:prstGeom>
+          <a:noFill/>
+          <a:ln>
+            <a:noFill/>
+          </a:ln>
+        </p:spPr>
+        <p:style>
+          <a:lnRef idx="0"/>
+          <a:fillRef idx="0"/>
+          <a:effectRef idx="0"/>
+          <a:fontRef idx="minor"/>
+        </p:style>
+        <p:txBody>
+          <a:bodyPr lIns="0" rIns="0" tIns="45000" bIns="45000">
+            <a:normAutofit/>
+          </a:bodyPr>
+          <a:p>
+            <a:pPr algn="ctr">
+              <a:lnSpc>
+                <a:spcPct val="100000"/>
+              </a:lnSpc>
+              <a:spcBef>
+                <a:spcPts val="1199"/>
+              </a:spcBef>
+              <a:spcAft>
+                <a:spcPts val="201"/>
+              </a:spcAft>
+            </a:pPr>
+            <a:endParaRPr b="0" lang="pt-BR" sz="1800" spc="-1" strike="noStrike">
+              <a:latin typeface="Arial"/>
+            </a:endParaRPr>
+          </a:p>
+          <a:p>
+            <a:pPr marL="91440" indent="-90720" algn="just">
+              <a:lnSpc>
+                <a:spcPct val="100000"/>
+              </a:lnSpc>
+              <a:spcBef>
+                <a:spcPts val="1199"/>
+              </a:spcBef>
+              <a:spcAft>
+                <a:spcPts val="201"/>
+              </a:spcAft>
+              <a:buClr>
+                <a:srgbClr val="124163"/>
+              </a:buClr>
+              <a:buFont typeface="Arial"/>
+              <a:buChar char="•"/>
+            </a:pPr>
+            <a:r>
+              <a:rPr b="0" lang="pt-BR" sz="1800" spc="-1" strike="noStrike">
+                <a:solidFill>
+                  <a:srgbClr val="45869e"/>
+                </a:solidFill>
+                <a:latin typeface="Calibri Light"/>
+              </a:rPr>
+              <a:t> </a:t>
+            </a:r>
+            <a:r>
+              <a:rPr b="0" lang="pt-BR" sz="1800" spc="-1" strike="noStrike">
+                <a:solidFill>
+                  <a:srgbClr val="45869e"/>
+                </a:solidFill>
+                <a:latin typeface="Calibri"/>
+              </a:rPr>
+              <a:t>Impedância elétrica (GB, GV e PLT);</a:t>
+            </a:r>
+            <a:endParaRPr b="0" lang="pt-BR" sz="1800" spc="-1" strike="noStrike">
+              <a:latin typeface="Arial"/>
+            </a:endParaRPr>
+          </a:p>
+          <a:p>
+            <a:pPr marL="91440" indent="-90720" algn="just">
+              <a:lnSpc>
+                <a:spcPct val="100000"/>
+              </a:lnSpc>
+              <a:spcBef>
+                <a:spcPts val="1199"/>
+              </a:spcBef>
+              <a:spcAft>
+                <a:spcPts val="201"/>
+              </a:spcAft>
+              <a:buClr>
+                <a:srgbClr val="124163"/>
+              </a:buClr>
+              <a:buFont typeface="Arial"/>
+              <a:buChar char="•"/>
+            </a:pPr>
+            <a:r>
+              <a:rPr b="0" lang="pt-BR" sz="1800" spc="-1" strike="noStrike">
+                <a:solidFill>
+                  <a:srgbClr val="45869e"/>
+                </a:solidFill>
+                <a:latin typeface="Calibri"/>
+              </a:rPr>
+              <a:t> </a:t>
+            </a:r>
+            <a:r>
+              <a:rPr b="0" lang="pt-BR" sz="1800" spc="-1" strike="noStrike">
+                <a:solidFill>
+                  <a:srgbClr val="45869e"/>
+                </a:solidFill>
+                <a:latin typeface="Calibri"/>
+              </a:rPr>
+              <a:t>Absorbância de luz (HGB);</a:t>
+            </a:r>
+            <a:endParaRPr b="0" lang="pt-BR" sz="1800" spc="-1" strike="noStrike">
+              <a:latin typeface="Arial"/>
+            </a:endParaRPr>
+          </a:p>
+          <a:p>
+            <a:pPr algn="just">
+              <a:lnSpc>
+                <a:spcPct val="150000"/>
+              </a:lnSpc>
+              <a:spcBef>
+                <a:spcPts val="1199"/>
+              </a:spcBef>
+              <a:spcAft>
+                <a:spcPts val="201"/>
+              </a:spcAft>
+            </a:pPr>
+            <a:endParaRPr b="0" lang="pt-BR" sz="1800" spc="-1" strike="noStrike">
+              <a:latin typeface="Arial"/>
+            </a:endParaRPr>
+          </a:p>
+          <a:p>
+            <a:pPr algn="just">
+              <a:lnSpc>
+                <a:spcPct val="150000"/>
+              </a:lnSpc>
+              <a:spcBef>
+                <a:spcPts val="1199"/>
+              </a:spcBef>
+              <a:spcAft>
+                <a:spcPts val="201"/>
+              </a:spcAft>
+            </a:pPr>
+            <a:endParaRPr b="0" lang="pt-BR" sz="1800" spc="-1" strike="noStrike">
+              <a:latin typeface="Arial"/>
+            </a:endParaRPr>
+          </a:p>
+        </p:txBody>
+      </p:sp>
+    </p:spTree>
+  </p:cSld>
+  <p:timing>
+    <p:tnLst>
+      <p:par>
+        <p:cTn id="31" dur="indefinite" restart="never" nodeType="tmRoot">
+          <p:childTnLst>
+            <p:seq>
+              <p:cTn id="32" dur="indefinite" nodeType="mainSeq"/>
+              <p:prevCondLst>
+                <p:cond delay="0" evt="onPrev">
+                  <p:tgtEl>
+                    <p:sldTgt/>
+                  </p:tgtEl>
+                </p:cond>
+              </p:prevCondLst>
+              <p:nextCondLst>
+                <p:cond delay="0" evt="onNext">
+                  <p:tgtEl>
+                    <p:sldTgt/>
+                  </p:tgtEl>
+                </p:cond>
+              </p:nextCondLst>
+            </p:seq>
+          </p:childTnLst>
+        </p:cTn>
+      </p:par>
+    </p:tnLst>
+  </p:timing>
+</p:sld>
+</file>
+
+<file path=ppt/slides/slide17.xml><?xml version="1.0" encoding="utf-8"?>
+<p:sld xmlns:a="http://schemas.openxmlformats.org/drawingml/2006/main" xmlns:p="http://schemas.openxmlformats.org/presentationml/2006/main" xmlns:r="http://schemas.openxmlformats.org/officeDocument/2006/relationships" xmlns:p14="http://schemas.microsoft.com/office/powerpoint/2010/main" xmlns:p15="http://schemas.microsoft.com/office/powerpoint/2012/main" xmlns:mc="http://schemas.openxmlformats.org/markup-compatibility/2006">
+  <p:cSld>
+    <p:spTree>
+      <p:nvGrpSpPr>
+        <p:cNvPr id="1" name=""/>
+        <p:cNvGrpSpPr/>
+        <p:nvPr/>
+      </p:nvGrpSpPr>
+      <p:grpSpPr>
+        <a:xfrm>
+          <a:off x="0" y="0"/>
+          <a:ext cx="0" cy="0"/>
+          <a:chOff x="0" y="0"/>
+          <a:chExt cx="0" cy="0"/>
+        </a:xfrm>
+      </p:grpSpPr>
+      <p:pic>
+        <p:nvPicPr>
+          <p:cNvPr id="133" name="Imagem 1" descr=""/>
+          <p:cNvPicPr/>
+          <p:nvPr/>
+        </p:nvPicPr>
+        <p:blipFill>
+          <a:blip r:embed="rId1"/>
+          <a:stretch/>
+        </p:blipFill>
+        <p:spPr>
+          <a:xfrm>
+            <a:off x="0" y="0"/>
+            <a:ext cx="12191400" cy="6857280"/>
+          </a:xfrm>
+          <a:prstGeom prst="rect">
+            <a:avLst/>
+          </a:prstGeom>
+          <a:ln w="9360">
+            <a:noFill/>
+          </a:ln>
+        </p:spPr>
+      </p:pic>
+      <p:sp>
+        <p:nvSpPr>
+          <p:cNvPr id="134" name="CustomShape 1"/>
+          <p:cNvSpPr/>
+          <p:nvPr/>
+        </p:nvSpPr>
+        <p:spPr>
+          <a:xfrm>
+            <a:off x="888120" y="1066680"/>
+            <a:ext cx="10514880" cy="848520"/>
+          </a:xfrm>
+          <a:prstGeom prst="rect">
+            <a:avLst/>
+          </a:prstGeom>
+          <a:noFill/>
+          <a:ln>
+            <a:noFill/>
+          </a:ln>
+        </p:spPr>
+        <p:style>
+          <a:lnRef idx="0"/>
+          <a:fillRef idx="0"/>
+          <a:effectRef idx="0"/>
+          <a:fontRef idx="minor"/>
+        </p:style>
+        <p:txBody>
+          <a:bodyPr lIns="90000" rIns="90000" tIns="45000" bIns="45000" anchor="b">
+            <a:normAutofit/>
+          </a:bodyPr>
+          <a:p>
+            <a:pPr algn="ctr">
+              <a:lnSpc>
+                <a:spcPct val="85000"/>
+              </a:lnSpc>
+            </a:pPr>
+            <a:r>
+              <a:rPr b="1" lang="pt-BR" sz="4000" spc="-46" strike="noStrike">
+                <a:solidFill>
+                  <a:srgbClr val="45869e"/>
+                </a:solidFill>
+                <a:latin typeface="Calibri Light"/>
+              </a:rPr>
+              <a:t>FPGA</a:t>
+            </a:r>
+            <a:endParaRPr b="0" lang="pt-BR" sz="4000" spc="-1" strike="noStrike">
+              <a:latin typeface="Arial"/>
+            </a:endParaRPr>
+          </a:p>
+        </p:txBody>
+      </p:sp>
+      <p:sp>
+        <p:nvSpPr>
+          <p:cNvPr id="135" name="CustomShape 2"/>
+          <p:cNvSpPr/>
+          <p:nvPr/>
+        </p:nvSpPr>
+        <p:spPr>
+          <a:xfrm>
+            <a:off x="1546200" y="1966680"/>
+            <a:ext cx="9325440" cy="4656960"/>
+          </a:xfrm>
+          <a:prstGeom prst="rect">
+            <a:avLst/>
+          </a:prstGeom>
+          <a:noFill/>
+          <a:ln>
+            <a:noFill/>
+          </a:ln>
+        </p:spPr>
+        <p:style>
+          <a:lnRef idx="0"/>
+          <a:fillRef idx="0"/>
+          <a:effectRef idx="0"/>
+          <a:fontRef idx="minor"/>
+        </p:style>
+        <p:txBody>
+          <a:bodyPr lIns="0" rIns="0" tIns="45000" bIns="45000">
+            <a:normAutofit/>
+          </a:bodyPr>
+          <a:p>
+            <a:pPr algn="ctr">
+              <a:lnSpc>
+                <a:spcPct val="100000"/>
+              </a:lnSpc>
+              <a:spcBef>
+                <a:spcPts val="1199"/>
+              </a:spcBef>
+              <a:spcAft>
+                <a:spcPts val="201"/>
+              </a:spcAft>
+            </a:pPr>
+            <a:endParaRPr b="0" lang="pt-BR" sz="1800" spc="-1" strike="noStrike">
+              <a:latin typeface="Arial"/>
+            </a:endParaRPr>
+          </a:p>
+          <a:p>
+            <a:pPr marL="91440" indent="-90720" algn="just">
+              <a:lnSpc>
+                <a:spcPct val="100000"/>
+              </a:lnSpc>
+              <a:spcBef>
+                <a:spcPts val="1199"/>
+              </a:spcBef>
+              <a:spcAft>
+                <a:spcPts val="201"/>
+              </a:spcAft>
+              <a:buClr>
+                <a:srgbClr val="124163"/>
+              </a:buClr>
+              <a:buFont typeface="Arial"/>
+              <a:buChar char="•"/>
+            </a:pPr>
+            <a:r>
+              <a:rPr b="0" lang="pt-BR" sz="1800" spc="-1" strike="noStrike">
+                <a:solidFill>
+                  <a:srgbClr val="45869e"/>
+                </a:solidFill>
+                <a:latin typeface="Calibri Light"/>
+              </a:rPr>
+              <a:t> </a:t>
+            </a:r>
+            <a:r>
+              <a:rPr b="0" lang="pt-BR" sz="1800" spc="-1" strike="noStrike">
+                <a:solidFill>
+                  <a:srgbClr val="45869e"/>
+                </a:solidFill>
+                <a:latin typeface="Calibri"/>
+              </a:rPr>
+              <a:t>Impedância elétrica (GB, GV e PLT);</a:t>
+            </a:r>
+            <a:endParaRPr b="0" lang="pt-BR" sz="1800" spc="-1" strike="noStrike">
+              <a:latin typeface="Arial"/>
+            </a:endParaRPr>
+          </a:p>
+          <a:p>
+            <a:pPr marL="91440" indent="-90720" algn="just">
+              <a:lnSpc>
+                <a:spcPct val="100000"/>
+              </a:lnSpc>
+              <a:spcBef>
+                <a:spcPts val="1199"/>
+              </a:spcBef>
+              <a:spcAft>
+                <a:spcPts val="201"/>
+              </a:spcAft>
+              <a:buClr>
+                <a:srgbClr val="124163"/>
+              </a:buClr>
+              <a:buFont typeface="Arial"/>
+              <a:buChar char="•"/>
+            </a:pPr>
+            <a:r>
+              <a:rPr b="0" lang="pt-BR" sz="1800" spc="-1" strike="noStrike">
+                <a:solidFill>
+                  <a:srgbClr val="45869e"/>
+                </a:solidFill>
+                <a:latin typeface="Calibri"/>
+              </a:rPr>
+              <a:t> </a:t>
+            </a:r>
+            <a:r>
+              <a:rPr b="0" lang="pt-BR" sz="1800" spc="-1" strike="noStrike">
+                <a:solidFill>
+                  <a:srgbClr val="45869e"/>
+                </a:solidFill>
+                <a:latin typeface="Calibri"/>
+              </a:rPr>
+              <a:t>Absorbância de luz (HGB);</a:t>
+            </a:r>
+            <a:endParaRPr b="0" lang="pt-BR" sz="1800" spc="-1" strike="noStrike">
+              <a:latin typeface="Arial"/>
+            </a:endParaRPr>
+          </a:p>
+          <a:p>
+            <a:pPr algn="just">
+              <a:lnSpc>
+                <a:spcPct val="150000"/>
+              </a:lnSpc>
+              <a:spcBef>
+                <a:spcPts val="1199"/>
+              </a:spcBef>
+              <a:spcAft>
+                <a:spcPts val="201"/>
+              </a:spcAft>
+            </a:pPr>
+            <a:endParaRPr b="0" lang="pt-BR" sz="1800" spc="-1" strike="noStrike">
+              <a:latin typeface="Arial"/>
+            </a:endParaRPr>
+          </a:p>
+          <a:p>
+            <a:pPr algn="just">
+              <a:lnSpc>
+                <a:spcPct val="150000"/>
+              </a:lnSpc>
+              <a:spcBef>
+                <a:spcPts val="1199"/>
+              </a:spcBef>
+              <a:spcAft>
+                <a:spcPts val="201"/>
+              </a:spcAft>
+            </a:pPr>
+            <a:endParaRPr b="0" lang="pt-BR" sz="1800" spc="-1" strike="noStrike">
+              <a:latin typeface="Arial"/>
+            </a:endParaRPr>
+          </a:p>
+        </p:txBody>
+      </p:sp>
+    </p:spTree>
+  </p:cSld>
+  <p:timing>
+    <p:tnLst>
+      <p:par>
+        <p:cTn id="33" dur="indefinite" restart="never" nodeType="tmRoot">
+          <p:childTnLst>
+            <p:seq>
+              <p:cTn id="34" dur="indefinite" nodeType="mainSeq"/>
+              <p:prevCondLst>
+                <p:cond delay="0" evt="onPrev">
+                  <p:tgtEl>
+                    <p:sldTgt/>
+                  </p:tgtEl>
+                </p:cond>
+              </p:prevCondLst>
+              <p:nextCondLst>
+                <p:cond delay="0" evt="onNext">
+                  <p:tgtEl>
+                    <p:sldTgt/>
+                  </p:tgtEl>
+                </p:cond>
+              </p:nextCondLst>
+            </p:seq>
+          </p:childTnLst>
+        </p:cTn>
+      </p:par>
+    </p:tnLst>
+  </p:timing>
+</p:sld>
+</file>
+
+<file path=ppt/slides/slide18.xml><?xml version="1.0" encoding="utf-8"?>
+<p:sld xmlns:a="http://schemas.openxmlformats.org/drawingml/2006/main" xmlns:p="http://schemas.openxmlformats.org/presentationml/2006/main" xmlns:r="http://schemas.openxmlformats.org/officeDocument/2006/relationships" xmlns:p14="http://schemas.microsoft.com/office/powerpoint/2010/main" xmlns:p15="http://schemas.microsoft.com/office/powerpoint/2012/main" xmlns:mc="http://schemas.openxmlformats.org/markup-compatibility/2006">
+  <p:cSld>
+    <p:spTree>
+      <p:nvGrpSpPr>
+        <p:cNvPr id="1" name=""/>
+        <p:cNvGrpSpPr/>
+        <p:nvPr/>
+      </p:nvGrpSpPr>
+      <p:grpSpPr>
+        <a:xfrm>
+          <a:off x="0" y="0"/>
+          <a:ext cx="0" cy="0"/>
+          <a:chOff x="0" y="0"/>
+          <a:chExt cx="0" cy="0"/>
+        </a:xfrm>
+      </p:grpSpPr>
+      <p:pic>
+        <p:nvPicPr>
+          <p:cNvPr id="136" name="Imagem 1" descr=""/>
+          <p:cNvPicPr/>
+          <p:nvPr/>
+        </p:nvPicPr>
+        <p:blipFill>
+          <a:blip r:embed="rId1"/>
+          <a:stretch/>
+        </p:blipFill>
+        <p:spPr>
+          <a:xfrm>
+            <a:off x="0" y="0"/>
+            <a:ext cx="12191400" cy="6857280"/>
+          </a:xfrm>
+          <a:prstGeom prst="rect">
+            <a:avLst/>
+          </a:prstGeom>
+          <a:ln w="9360">
+            <a:noFill/>
+          </a:ln>
+        </p:spPr>
+      </p:pic>
+      <p:sp>
+        <p:nvSpPr>
+          <p:cNvPr id="137" name="CustomShape 1"/>
+          <p:cNvSpPr/>
+          <p:nvPr/>
+        </p:nvSpPr>
+        <p:spPr>
+          <a:xfrm>
+            <a:off x="888120" y="1066680"/>
+            <a:ext cx="10514880" cy="848520"/>
+          </a:xfrm>
+          <a:prstGeom prst="rect">
+            <a:avLst/>
+          </a:prstGeom>
+          <a:noFill/>
+          <a:ln>
+            <a:noFill/>
+          </a:ln>
+        </p:spPr>
+        <p:style>
+          <a:lnRef idx="0"/>
+          <a:fillRef idx="0"/>
+          <a:effectRef idx="0"/>
+          <a:fontRef idx="minor"/>
+        </p:style>
+        <p:txBody>
+          <a:bodyPr lIns="90000" rIns="90000" tIns="45000" bIns="45000" anchor="b">
+            <a:normAutofit/>
+          </a:bodyPr>
+          <a:p>
+            <a:pPr algn="ctr">
+              <a:lnSpc>
+                <a:spcPct val="85000"/>
+              </a:lnSpc>
+            </a:pPr>
+            <a:r>
+              <a:rPr b="1" lang="pt-BR" sz="4000" spc="-46" strike="noStrike">
+                <a:solidFill>
+                  <a:srgbClr val="45869e"/>
+                </a:solidFill>
+                <a:latin typeface="Calibri Light"/>
+              </a:rPr>
+              <a:t>Processador</a:t>
+            </a:r>
+            <a:endParaRPr b="0" lang="pt-BR" sz="4000" spc="-1" strike="noStrike">
+              <a:latin typeface="Arial"/>
+            </a:endParaRPr>
+          </a:p>
+        </p:txBody>
+      </p:sp>
+      <p:sp>
+        <p:nvSpPr>
+          <p:cNvPr id="138" name="CustomShape 2"/>
+          <p:cNvSpPr/>
+          <p:nvPr/>
+        </p:nvSpPr>
+        <p:spPr>
+          <a:xfrm>
+            <a:off x="1546200" y="1966680"/>
+            <a:ext cx="9325440" cy="4656960"/>
+          </a:xfrm>
+          <a:prstGeom prst="rect">
+            <a:avLst/>
+          </a:prstGeom>
+          <a:noFill/>
+          <a:ln>
+            <a:noFill/>
+          </a:ln>
+        </p:spPr>
+        <p:style>
+          <a:lnRef idx="0"/>
+          <a:fillRef idx="0"/>
+          <a:effectRef idx="0"/>
+          <a:fontRef idx="minor"/>
+        </p:style>
+        <p:txBody>
+          <a:bodyPr lIns="0" rIns="0" tIns="45000" bIns="45000">
+            <a:normAutofit/>
+          </a:bodyPr>
+          <a:p>
+            <a:pPr algn="ctr">
+              <a:lnSpc>
+                <a:spcPct val="100000"/>
+              </a:lnSpc>
+              <a:spcBef>
+                <a:spcPts val="1199"/>
+              </a:spcBef>
+              <a:spcAft>
+                <a:spcPts val="201"/>
+              </a:spcAft>
+            </a:pPr>
+            <a:endParaRPr b="0" lang="pt-BR" sz="1800" spc="-1" strike="noStrike">
+              <a:latin typeface="Arial"/>
+            </a:endParaRPr>
+          </a:p>
+          <a:p>
+            <a:pPr marL="91440" indent="-90720" algn="just">
+              <a:lnSpc>
+                <a:spcPct val="100000"/>
+              </a:lnSpc>
+              <a:spcBef>
+                <a:spcPts val="1199"/>
+              </a:spcBef>
+              <a:spcAft>
+                <a:spcPts val="201"/>
+              </a:spcAft>
+              <a:buClr>
+                <a:srgbClr val="124163"/>
+              </a:buClr>
+              <a:buFont typeface="Arial"/>
+              <a:buChar char="•"/>
+            </a:pPr>
+            <a:r>
+              <a:rPr b="0" lang="pt-BR" sz="1800" spc="-1" strike="noStrike">
+                <a:solidFill>
+                  <a:srgbClr val="45869e"/>
+                </a:solidFill>
+                <a:latin typeface="Calibri Light"/>
+              </a:rPr>
+              <a:t> </a:t>
+            </a:r>
+            <a:r>
+              <a:rPr b="0" lang="pt-BR" sz="1800" spc="-1" strike="noStrike">
+                <a:solidFill>
+                  <a:srgbClr val="45869e"/>
+                </a:solidFill>
+                <a:latin typeface="Calibri"/>
+              </a:rPr>
+              <a:t>Impedância elétrica (GB, GV e PLT);</a:t>
+            </a:r>
+            <a:endParaRPr b="0" lang="pt-BR" sz="1800" spc="-1" strike="noStrike">
+              <a:latin typeface="Arial"/>
+            </a:endParaRPr>
+          </a:p>
+          <a:p>
+            <a:pPr marL="91440" indent="-90720" algn="just">
+              <a:lnSpc>
+                <a:spcPct val="100000"/>
+              </a:lnSpc>
+              <a:spcBef>
+                <a:spcPts val="1199"/>
+              </a:spcBef>
+              <a:spcAft>
+                <a:spcPts val="201"/>
+              </a:spcAft>
+              <a:buClr>
+                <a:srgbClr val="124163"/>
+              </a:buClr>
+              <a:buFont typeface="Arial"/>
+              <a:buChar char="•"/>
+            </a:pPr>
+            <a:r>
+              <a:rPr b="0" lang="pt-BR" sz="1800" spc="-1" strike="noStrike">
+                <a:solidFill>
+                  <a:srgbClr val="45869e"/>
+                </a:solidFill>
+                <a:latin typeface="Calibri"/>
+              </a:rPr>
+              <a:t> </a:t>
+            </a:r>
+            <a:r>
+              <a:rPr b="0" lang="pt-BR" sz="1800" spc="-1" strike="noStrike">
+                <a:solidFill>
+                  <a:srgbClr val="45869e"/>
+                </a:solidFill>
+                <a:latin typeface="Calibri"/>
+              </a:rPr>
+              <a:t>Absorbância de luz (HGB);</a:t>
+            </a:r>
+            <a:endParaRPr b="0" lang="pt-BR" sz="1800" spc="-1" strike="noStrike">
+              <a:latin typeface="Arial"/>
+            </a:endParaRPr>
+          </a:p>
+          <a:p>
+            <a:pPr algn="just">
+              <a:lnSpc>
+                <a:spcPct val="150000"/>
+              </a:lnSpc>
+              <a:spcBef>
+                <a:spcPts val="1199"/>
+              </a:spcBef>
+              <a:spcAft>
+                <a:spcPts val="201"/>
+              </a:spcAft>
+            </a:pPr>
+            <a:endParaRPr b="0" lang="pt-BR" sz="1800" spc="-1" strike="noStrike">
+              <a:latin typeface="Arial"/>
+            </a:endParaRPr>
+          </a:p>
+          <a:p>
+            <a:pPr algn="just">
+              <a:lnSpc>
+                <a:spcPct val="150000"/>
+              </a:lnSpc>
+              <a:spcBef>
+                <a:spcPts val="1199"/>
+              </a:spcBef>
+              <a:spcAft>
+                <a:spcPts val="201"/>
+              </a:spcAft>
+            </a:pPr>
+            <a:endParaRPr b="0" lang="pt-BR" sz="1800" spc="-1" strike="noStrike">
+              <a:latin typeface="Arial"/>
+            </a:endParaRPr>
+          </a:p>
+        </p:txBody>
+      </p:sp>
+    </p:spTree>
+  </p:cSld>
+  <p:timing>
+    <p:tnLst>
+      <p:par>
+        <p:cTn id="35" dur="indefinite" restart="never" nodeType="tmRoot">
+          <p:childTnLst>
+            <p:seq>
+              <p:cTn id="36" dur="indefinite" nodeType="mainSeq"/>
+              <p:prevCondLst>
+                <p:cond delay="0" evt="onPrev">
+                  <p:tgtEl>
+                    <p:sldTgt/>
+                  </p:tgtEl>
+                </p:cond>
+              </p:prevCondLst>
+              <p:nextCondLst>
+                <p:cond delay="0" evt="onNext">
+                  <p:tgtEl>
+                    <p:sldTgt/>
+                  </p:tgtEl>
+                </p:cond>
+              </p:nextCondLst>
+            </p:seq>
+          </p:childTnLst>
+        </p:cTn>
+      </p:par>
+    </p:tnLst>
+  </p:timing>
+</p:sld>
+</file>
+
+<file path=ppt/slides/slide19.xml><?xml version="1.0" encoding="utf-8"?>
+<p:sld xmlns:a="http://schemas.openxmlformats.org/drawingml/2006/main" xmlns:p="http://schemas.openxmlformats.org/presentationml/2006/main" xmlns:r="http://schemas.openxmlformats.org/officeDocument/2006/relationships" xmlns:p14="http://schemas.microsoft.com/office/powerpoint/2010/main" xmlns:p15="http://schemas.microsoft.com/office/powerpoint/2012/main" xmlns:mc="http://schemas.openxmlformats.org/markup-compatibility/2006">
+  <p:cSld>
+    <p:spTree>
+      <p:nvGrpSpPr>
+        <p:cNvPr id="1" name=""/>
+        <p:cNvGrpSpPr/>
+        <p:nvPr/>
+      </p:nvGrpSpPr>
+      <p:grpSpPr>
+        <a:xfrm>
+          <a:off x="0" y="0"/>
+          <a:ext cx="0" cy="0"/>
+          <a:chOff x="0" y="0"/>
+          <a:chExt cx="0" cy="0"/>
+        </a:xfrm>
+      </p:grpSpPr>
+      <p:sp>
+        <p:nvSpPr>
+          <p:cNvPr id="139" name="CustomShape 1"/>
+          <p:cNvSpPr/>
+          <p:nvPr/>
+        </p:nvSpPr>
+        <p:spPr>
+          <a:xfrm>
+            <a:off x="1097280" y="286560"/>
+            <a:ext cx="10057680" cy="1450080"/>
+          </a:xfrm>
+          <a:prstGeom prst="rect">
+            <a:avLst/>
+          </a:prstGeom>
+          <a:noFill/>
+          <a:ln>
+            <a:noFill/>
+          </a:ln>
+        </p:spPr>
+        <p:style>
+          <a:lnRef idx="0"/>
+          <a:fillRef idx="0"/>
+          <a:effectRef idx="0"/>
+          <a:fontRef idx="minor"/>
+        </p:style>
+      </p:sp>
+      <p:sp>
+        <p:nvSpPr>
+          <p:cNvPr id="140" name="CustomShape 2"/>
+          <p:cNvSpPr/>
+          <p:nvPr/>
+        </p:nvSpPr>
+        <p:spPr>
+          <a:xfrm>
+            <a:off x="1097280" y="1845720"/>
+            <a:ext cx="10057680" cy="4022640"/>
+          </a:xfrm>
+          <a:prstGeom prst="rect">
+            <a:avLst/>
+          </a:prstGeom>
+          <a:noFill/>
+          <a:ln>
+            <a:noFill/>
+          </a:ln>
+        </p:spPr>
+        <p:style>
+          <a:lnRef idx="0"/>
+          <a:fillRef idx="0"/>
+          <a:effectRef idx="0"/>
+          <a:fontRef idx="minor"/>
+        </p:style>
+      </p:sp>
+      <p:pic>
+        <p:nvPicPr>
+          <p:cNvPr id="141" name="Imagem 1" descr=""/>
+          <p:cNvPicPr/>
+          <p:nvPr/>
+        </p:nvPicPr>
+        <p:blipFill>
+          <a:blip r:embed="rId1"/>
+          <a:stretch/>
+        </p:blipFill>
+        <p:spPr>
+          <a:xfrm>
+            <a:off x="0" y="0"/>
+            <a:ext cx="12191400" cy="6857280"/>
+          </a:xfrm>
+          <a:prstGeom prst="rect">
+            <a:avLst/>
+          </a:prstGeom>
+          <a:ln w="9360">
+            <a:noFill/>
+          </a:ln>
+        </p:spPr>
+      </p:pic>
+    </p:spTree>
+  </p:cSld>
+  <p:timing>
+    <p:tnLst>
+      <p:par>
+        <p:cTn id="37" dur="indefinite" restart="never" nodeType="tmRoot">
+          <p:childTnLst>
+            <p:seq>
+              <p:cTn id="38" dur="indefinite" nodeType="mainSeq"/>
               <p:prevCondLst>
                 <p:cond delay="0" evt="onPrev">
                   <p:tgtEl>
@@ -5432,7 +6313,7 @@
       </p:grpSpPr>
       <p:pic>
         <p:nvPicPr>
-          <p:cNvPr id="94" name="Imagem 1" descr=""/>
+          <p:cNvPr id="88" name="Imagem 1" descr=""/>
           <p:cNvPicPr/>
           <p:nvPr/>
         </p:nvPicPr>
@@ -5443,7 +6324,7 @@
         <p:spPr>
           <a:xfrm>
             <a:off x="-14040" y="0"/>
-            <a:ext cx="12205800" cy="6865560"/>
+            <a:ext cx="12205440" cy="6865200"/>
           </a:xfrm>
           <a:prstGeom prst="rect">
             <a:avLst/>
@@ -5455,14 +6336,14 @@
       </p:pic>
       <p:sp>
         <p:nvSpPr>
-          <p:cNvPr id="95" name="TextShape 1"/>
-          <p:cNvSpPr txBox="1"/>
+          <p:cNvPr id="89" name="CustomShape 1"/>
+          <p:cNvSpPr/>
           <p:nvPr/>
         </p:nvSpPr>
         <p:spPr>
           <a:xfrm>
             <a:off x="1523880" y="3309840"/>
-            <a:ext cx="9143640" cy="2014920"/>
+            <a:ext cx="9143280" cy="2014560"/>
           </a:xfrm>
           <a:prstGeom prst="rect">
             <a:avLst/>
@@ -5472,8 +6353,14 @@
             <a:noFill/>
           </a:ln>
         </p:spPr>
-        <p:txBody>
-          <a:bodyPr>
+        <p:style>
+          <a:lnRef idx="0"/>
+          <a:fillRef idx="0"/>
+          <a:effectRef idx="0"/>
+          <a:fontRef idx="minor"/>
+        </p:style>
+        <p:txBody>
+          <a:bodyPr lIns="90000" rIns="90000" tIns="45000" bIns="45000">
             <a:normAutofit/>
           </a:bodyPr>
           <a:p>
@@ -5704,7 +6591,7 @@
       </p:sp>
       <p:pic>
         <p:nvPicPr>
-          <p:cNvPr id="96" name="Picture 4" descr=""/>
+          <p:cNvPr id="90" name="Picture 4" descr=""/>
           <p:cNvPicPr/>
           <p:nvPr/>
         </p:nvPicPr>
@@ -5715,7 +6602,7 @@
         <p:spPr>
           <a:xfrm>
             <a:off x="5537880" y="1990800"/>
-            <a:ext cx="1116360" cy="1116360"/>
+            <a:ext cx="1116000" cy="1116000"/>
           </a:xfrm>
           <a:prstGeom prst="rect">
             <a:avLst/>
@@ -5776,7 +6663,7 @@
       </p:grpSpPr>
       <p:pic>
         <p:nvPicPr>
-          <p:cNvPr id="97" name="Imagem 1" descr=""/>
+          <p:cNvPr id="91" name="Imagem 1" descr=""/>
           <p:cNvPicPr/>
           <p:nvPr/>
         </p:nvPicPr>
@@ -5787,7 +6674,7 @@
         <p:spPr>
           <a:xfrm>
             <a:off x="0" y="0"/>
-            <a:ext cx="12191760" cy="6857640"/>
+            <a:ext cx="12191400" cy="6857280"/>
           </a:xfrm>
           <a:prstGeom prst="rect">
             <a:avLst/>
@@ -5799,14 +6686,14 @@
       </p:pic>
       <p:sp>
         <p:nvSpPr>
-          <p:cNvPr id="98" name="TextShape 1"/>
-          <p:cNvSpPr txBox="1"/>
+          <p:cNvPr id="92" name="CustomShape 1"/>
+          <p:cNvSpPr/>
           <p:nvPr/>
         </p:nvSpPr>
         <p:spPr>
           <a:xfrm>
             <a:off x="888120" y="1066680"/>
-            <a:ext cx="10515240" cy="848880"/>
+            <a:ext cx="10514880" cy="848520"/>
           </a:xfrm>
           <a:prstGeom prst="rect">
             <a:avLst/>
@@ -5816,8 +6703,14 @@
             <a:noFill/>
           </a:ln>
         </p:spPr>
-        <p:txBody>
-          <a:bodyPr anchor="b">
+        <p:style>
+          <a:lnRef idx="0"/>
+          <a:fillRef idx="0"/>
+          <a:effectRef idx="0"/>
+          <a:fontRef idx="minor"/>
+        </p:style>
+        <p:txBody>
+          <a:bodyPr lIns="90000" rIns="90000" tIns="45000" bIns="45000" anchor="b">
             <a:normAutofit/>
           </a:bodyPr>
           <a:p>
@@ -5827,7 +6720,7 @@
               </a:lnSpc>
             </a:pPr>
             <a:r>
-              <a:rPr b="1" lang="pt-BR" sz="4000" spc="-49" strike="noStrike">
+              <a:rPr b="1" lang="pt-BR" sz="4000" spc="-46" strike="noStrike">
                 <a:solidFill>
                   <a:srgbClr val="45869e"/>
                 </a:solidFill>
@@ -5836,24 +6729,21 @@
               <a:t>Carga</a:t>
             </a:r>
             <a:endParaRPr b="0" lang="pt-BR" sz="4000" spc="-1" strike="noStrike">
-              <a:solidFill>
-                <a:srgbClr val="000000"/>
-              </a:solidFill>
-              <a:latin typeface="Calibri"/>
-            </a:endParaRPr>
-          </a:p>
-        </p:txBody>
-      </p:sp>
-      <p:sp>
-        <p:nvSpPr>
-          <p:cNvPr id="99" name="TextShape 2"/>
-          <p:cNvSpPr txBox="1"/>
+              <a:latin typeface="Arial"/>
+            </a:endParaRPr>
+          </a:p>
+        </p:txBody>
+      </p:sp>
+      <p:sp>
+        <p:nvSpPr>
+          <p:cNvPr id="93" name="CustomShape 2"/>
+          <p:cNvSpPr/>
           <p:nvPr/>
         </p:nvSpPr>
         <p:spPr>
           <a:xfrm>
             <a:off x="1546200" y="1966680"/>
-            <a:ext cx="9325800" cy="4657320"/>
+            <a:ext cx="9325440" cy="4656960"/>
           </a:xfrm>
           <a:prstGeom prst="rect">
             <a:avLst/>
@@ -5863,8 +6753,14 @@
             <a:noFill/>
           </a:ln>
         </p:spPr>
-        <p:txBody>
-          <a:bodyPr lIns="0" rIns="0">
+        <p:style>
+          <a:lnRef idx="0"/>
+          <a:fillRef idx="0"/>
+          <a:effectRef idx="0"/>
+          <a:fontRef idx="minor"/>
+        </p:style>
+        <p:txBody>
+          <a:bodyPr lIns="0" rIns="0" tIns="45000" bIns="45000">
             <a:normAutofit/>
           </a:bodyPr>
           <a:p>
@@ -5879,15 +6775,12 @@
                 <a:spcPts val="201"/>
               </a:spcAft>
             </a:pPr>
-            <a:endParaRPr b="0" lang="pt-BR" sz="2000" spc="-1" strike="noStrike">
-              <a:solidFill>
-                <a:srgbClr val="404040"/>
-              </a:solidFill>
-              <a:latin typeface="Calibri"/>
-            </a:endParaRPr>
-          </a:p>
-          <a:p>
-            <a:pPr marL="91440" indent="-91080" algn="just">
+            <a:endParaRPr b="0" lang="pt-BR" sz="1800" spc="-1" strike="noStrike">
+              <a:latin typeface="Arial"/>
+            </a:endParaRPr>
+          </a:p>
+          <a:p>
+            <a:pPr marL="91440" indent="-90720" algn="just">
               <a:lnSpc>
                 <a:spcPct val="100000"/>
               </a:lnSpc>
@@ -5913,10 +6806,7 @@
               <a:t> </a:t>
             </a:r>
             <a:endParaRPr b="0" lang="pt-BR" sz="1800" spc="-1" strike="noStrike">
-              <a:solidFill>
-                <a:srgbClr val="404040"/>
-              </a:solidFill>
-              <a:latin typeface="Calibri"/>
+              <a:latin typeface="Arial"/>
             </a:endParaRPr>
           </a:p>
           <a:p>
@@ -5932,10 +6822,7 @@
               </a:spcAft>
             </a:pPr>
             <a:endParaRPr b="0" lang="pt-BR" sz="1800" spc="-1" strike="noStrike">
-              <a:solidFill>
-                <a:srgbClr val="404040"/>
-              </a:solidFill>
-              <a:latin typeface="Calibri"/>
+              <a:latin typeface="Arial"/>
             </a:endParaRPr>
           </a:p>
           <a:p>
@@ -5951,10 +6838,7 @@
               </a:spcAft>
             </a:pPr>
             <a:endParaRPr b="0" lang="pt-BR" sz="1800" spc="-1" strike="noStrike">
-              <a:solidFill>
-                <a:srgbClr val="404040"/>
-              </a:solidFill>
-              <a:latin typeface="Calibri"/>
+              <a:latin typeface="Arial"/>
             </a:endParaRPr>
           </a:p>
         </p:txBody>
@@ -6010,7 +6894,7 @@
       </p:grpSpPr>
       <p:pic>
         <p:nvPicPr>
-          <p:cNvPr id="100" name="Imagem 1" descr=""/>
+          <p:cNvPr id="94" name="Imagem 1" descr=""/>
           <p:cNvPicPr/>
           <p:nvPr/>
         </p:nvPicPr>
@@ -6021,7 +6905,7 @@
         <p:spPr>
           <a:xfrm>
             <a:off x="0" y="0"/>
-            <a:ext cx="12191760" cy="6857640"/>
+            <a:ext cx="12191400" cy="6857280"/>
           </a:xfrm>
           <a:prstGeom prst="rect">
             <a:avLst/>
@@ -6033,14 +6917,14 @@
       </p:pic>
       <p:sp>
         <p:nvSpPr>
-          <p:cNvPr id="101" name="TextShape 1"/>
-          <p:cNvSpPr txBox="1"/>
+          <p:cNvPr id="95" name="CustomShape 1"/>
+          <p:cNvSpPr/>
           <p:nvPr/>
         </p:nvSpPr>
         <p:spPr>
           <a:xfrm>
             <a:off x="888120" y="1066680"/>
-            <a:ext cx="10515240" cy="848880"/>
+            <a:ext cx="10514880" cy="848520"/>
           </a:xfrm>
           <a:prstGeom prst="rect">
             <a:avLst/>
@@ -6050,8 +6934,14 @@
             <a:noFill/>
           </a:ln>
         </p:spPr>
-        <p:txBody>
-          <a:bodyPr anchor="b">
+        <p:style>
+          <a:lnRef idx="0"/>
+          <a:fillRef idx="0"/>
+          <a:effectRef idx="0"/>
+          <a:fontRef idx="minor"/>
+        </p:style>
+        <p:txBody>
+          <a:bodyPr lIns="90000" rIns="90000" tIns="45000" bIns="45000" anchor="b">
             <a:normAutofit/>
           </a:bodyPr>
           <a:p>
@@ -6061,33 +6951,30 @@
               </a:lnSpc>
             </a:pPr>
             <a:r>
-              <a:rPr b="1" lang="pt-BR" sz="4000" spc="-49" strike="noStrike">
+              <a:rPr b="1" lang="pt-BR" sz="4000" spc="-46" strike="noStrike">
                 <a:solidFill>
                   <a:srgbClr val="45869e"/>
                 </a:solidFill>
                 <a:latin typeface="Calibri Light"/>
               </a:rPr>
-              <a:t>Potencial Elétrico</a:t>
+              <a:t>Tensão Elétrica</a:t>
             </a:r>
             <a:endParaRPr b="0" lang="pt-BR" sz="4000" spc="-1" strike="noStrike">
-              <a:solidFill>
-                <a:srgbClr val="000000"/>
-              </a:solidFill>
-              <a:latin typeface="Calibri"/>
-            </a:endParaRPr>
-          </a:p>
-        </p:txBody>
-      </p:sp>
-      <p:sp>
-        <p:nvSpPr>
-          <p:cNvPr id="102" name="TextShape 2"/>
-          <p:cNvSpPr txBox="1"/>
+              <a:latin typeface="Arial"/>
+            </a:endParaRPr>
+          </a:p>
+        </p:txBody>
+      </p:sp>
+      <p:sp>
+        <p:nvSpPr>
+          <p:cNvPr id="96" name="CustomShape 2"/>
+          <p:cNvSpPr/>
           <p:nvPr/>
         </p:nvSpPr>
         <p:spPr>
           <a:xfrm>
             <a:off x="1546200" y="1966680"/>
-            <a:ext cx="9325800" cy="4657320"/>
+            <a:ext cx="9325440" cy="4656960"/>
           </a:xfrm>
           <a:prstGeom prst="rect">
             <a:avLst/>
@@ -6097,8 +6984,14 @@
             <a:noFill/>
           </a:ln>
         </p:spPr>
-        <p:txBody>
-          <a:bodyPr lIns="0" rIns="0">
+        <p:style>
+          <a:lnRef idx="0"/>
+          <a:fillRef idx="0"/>
+          <a:effectRef idx="0"/>
+          <a:fontRef idx="minor"/>
+        </p:style>
+        <p:txBody>
+          <a:bodyPr lIns="0" rIns="0" tIns="45000" bIns="45000">
             <a:normAutofit/>
           </a:bodyPr>
           <a:p>
@@ -6113,15 +7006,12 @@
                 <a:spcPts val="201"/>
               </a:spcAft>
             </a:pPr>
-            <a:endParaRPr b="0" lang="pt-BR" sz="2000" spc="-1" strike="noStrike">
-              <a:solidFill>
-                <a:srgbClr val="404040"/>
-              </a:solidFill>
-              <a:latin typeface="Calibri"/>
-            </a:endParaRPr>
-          </a:p>
-          <a:p>
-            <a:pPr marL="91440" indent="-91080" algn="just">
+            <a:endParaRPr b="0" lang="pt-BR" sz="1800" spc="-1" strike="noStrike">
+              <a:latin typeface="Arial"/>
+            </a:endParaRPr>
+          </a:p>
+          <a:p>
+            <a:pPr marL="91440" indent="-90720" algn="just">
               <a:lnSpc>
                 <a:spcPct val="100000"/>
               </a:lnSpc>
@@ -6146,17 +7036,23 @@
               </a:rPr>
               <a:t> </a:t>
             </a:r>
+            <a:r>
+              <a:rPr b="0" lang="pt-BR" sz="1800" spc="-1" strike="noStrike">
+                <a:solidFill>
+                  <a:srgbClr val="45869e"/>
+                </a:solidFill>
+                <a:latin typeface="Calibri"/>
+              </a:rPr>
+              <a:t>Impedância elétrica (GB, GV e PLT);</a:t>
+            </a:r>
             <a:endParaRPr b="0" lang="pt-BR" sz="1800" spc="-1" strike="noStrike">
-              <a:solidFill>
-                <a:srgbClr val="404040"/>
-              </a:solidFill>
-              <a:latin typeface="Calibri"/>
-            </a:endParaRPr>
-          </a:p>
-          <a:p>
-            <a:pPr algn="just">
-              <a:lnSpc>
-                <a:spcPct val="150000"/>
+              <a:latin typeface="Arial"/>
+            </a:endParaRPr>
+          </a:p>
+          <a:p>
+            <a:pPr marL="91440" indent="-90720" algn="just">
+              <a:lnSpc>
+                <a:spcPct val="100000"/>
               </a:lnSpc>
               <a:spcBef>
                 <a:spcPts val="1199"/>
@@ -6164,12 +7060,32 @@
               <a:spcAft>
                 <a:spcPts val="201"/>
               </a:spcAft>
-            </a:pPr>
+              <a:buClr>
+                <a:srgbClr val="124163"/>
+              </a:buClr>
+              <a:buFont typeface="Arial"/>
+              <a:buChar char="•"/>
+            </a:pPr>
+            <a:r>
+              <a:rPr b="0" lang="pt-BR" sz="1800" spc="-1" strike="noStrike">
+                <a:solidFill>
+                  <a:srgbClr val="45869e"/>
+                </a:solidFill>
+                <a:latin typeface="Calibri"/>
+              </a:rPr>
+              <a:t> </a:t>
+            </a:r>
+            <a:r>
+              <a:rPr b="0" lang="pt-BR" sz="1800" spc="-1" strike="noStrike">
+                <a:solidFill>
+                  <a:srgbClr val="45869e"/>
+                </a:solidFill>
+                <a:latin typeface="Calibri"/>
+              </a:rPr>
+              <a:t>Absorbância de luz (HGB);</a:t>
+            </a:r>
             <a:endParaRPr b="0" lang="pt-BR" sz="1800" spc="-1" strike="noStrike">
-              <a:solidFill>
-                <a:srgbClr val="404040"/>
-              </a:solidFill>
-              <a:latin typeface="Calibri"/>
+              <a:latin typeface="Arial"/>
             </a:endParaRPr>
           </a:p>
           <a:p>
@@ -6185,10 +7101,23 @@
               </a:spcAft>
             </a:pPr>
             <a:endParaRPr b="0" lang="pt-BR" sz="1800" spc="-1" strike="noStrike">
-              <a:solidFill>
-                <a:srgbClr val="404040"/>
-              </a:solidFill>
-              <a:latin typeface="Calibri"/>
+              <a:latin typeface="Arial"/>
+            </a:endParaRPr>
+          </a:p>
+          <a:p>
+            <a:pPr algn="just">
+              <a:lnSpc>
+                <a:spcPct val="150000"/>
+              </a:lnSpc>
+              <a:spcBef>
+                <a:spcPts val="1199"/>
+              </a:spcBef>
+              <a:spcAft>
+                <a:spcPts val="201"/>
+              </a:spcAft>
+            </a:pPr>
+            <a:endParaRPr b="0" lang="pt-BR" sz="1800" spc="-1" strike="noStrike">
+              <a:latin typeface="Arial"/>
             </a:endParaRPr>
           </a:p>
         </p:txBody>
@@ -6244,7 +7173,7 @@
       </p:grpSpPr>
       <p:pic>
         <p:nvPicPr>
-          <p:cNvPr id="103" name="Imagem 1" descr=""/>
+          <p:cNvPr id="97" name="Imagem 1" descr=""/>
           <p:cNvPicPr/>
           <p:nvPr/>
         </p:nvPicPr>
@@ -6255,7 +7184,7 @@
         <p:spPr>
           <a:xfrm>
             <a:off x="0" y="0"/>
-            <a:ext cx="12191760" cy="6857640"/>
+            <a:ext cx="12191400" cy="6857280"/>
           </a:xfrm>
           <a:prstGeom prst="rect">
             <a:avLst/>
@@ -6267,14 +7196,14 @@
       </p:pic>
       <p:sp>
         <p:nvSpPr>
-          <p:cNvPr id="104" name="TextShape 1"/>
-          <p:cNvSpPr txBox="1"/>
+          <p:cNvPr id="98" name="CustomShape 1"/>
+          <p:cNvSpPr/>
           <p:nvPr/>
         </p:nvSpPr>
         <p:spPr>
           <a:xfrm>
             <a:off x="888120" y="1066680"/>
-            <a:ext cx="10515240" cy="848880"/>
+            <a:ext cx="10514880" cy="848520"/>
           </a:xfrm>
           <a:prstGeom prst="rect">
             <a:avLst/>
@@ -6284,8 +7213,14 @@
             <a:noFill/>
           </a:ln>
         </p:spPr>
-        <p:txBody>
-          <a:bodyPr anchor="b">
+        <p:style>
+          <a:lnRef idx="0"/>
+          <a:fillRef idx="0"/>
+          <a:effectRef idx="0"/>
+          <a:fontRef idx="minor"/>
+        </p:style>
+        <p:txBody>
+          <a:bodyPr lIns="90000" rIns="90000" tIns="45000" bIns="45000" anchor="b">
             <a:normAutofit/>
           </a:bodyPr>
           <a:p>
@@ -6295,33 +7230,30 @@
               </a:lnSpc>
             </a:pPr>
             <a:r>
-              <a:rPr b="1" lang="pt-BR" sz="4000" spc="-49" strike="noStrike">
+              <a:rPr b="1" lang="pt-BR" sz="4000" spc="-46" strike="noStrike">
                 <a:solidFill>
                   <a:srgbClr val="45869e"/>
                 </a:solidFill>
                 <a:latin typeface="Calibri Light"/>
               </a:rPr>
-              <a:t>Tensão Elétrica</a:t>
+              <a:t>Corrente Elétrica</a:t>
             </a:r>
             <a:endParaRPr b="0" lang="pt-BR" sz="4000" spc="-1" strike="noStrike">
-              <a:solidFill>
-                <a:srgbClr val="000000"/>
-              </a:solidFill>
-              <a:latin typeface="Calibri"/>
-            </a:endParaRPr>
-          </a:p>
-        </p:txBody>
-      </p:sp>
-      <p:sp>
-        <p:nvSpPr>
-          <p:cNvPr id="105" name="TextShape 2"/>
-          <p:cNvSpPr txBox="1"/>
+              <a:latin typeface="Arial"/>
+            </a:endParaRPr>
+          </a:p>
+        </p:txBody>
+      </p:sp>
+      <p:sp>
+        <p:nvSpPr>
+          <p:cNvPr id="99" name="CustomShape 2"/>
+          <p:cNvSpPr/>
           <p:nvPr/>
         </p:nvSpPr>
         <p:spPr>
           <a:xfrm>
             <a:off x="1546200" y="1966680"/>
-            <a:ext cx="9325800" cy="4657320"/>
+            <a:ext cx="9325440" cy="4656960"/>
           </a:xfrm>
           <a:prstGeom prst="rect">
             <a:avLst/>
@@ -6331,8 +7263,14 @@
             <a:noFill/>
           </a:ln>
         </p:spPr>
-        <p:txBody>
-          <a:bodyPr lIns="0" rIns="0">
+        <p:style>
+          <a:lnRef idx="0"/>
+          <a:fillRef idx="0"/>
+          <a:effectRef idx="0"/>
+          <a:fontRef idx="minor"/>
+        </p:style>
+        <p:txBody>
+          <a:bodyPr lIns="0" rIns="0" tIns="45000" bIns="45000">
             <a:normAutofit/>
           </a:bodyPr>
           <a:p>
@@ -6347,15 +7285,12 @@
                 <a:spcPts val="201"/>
               </a:spcAft>
             </a:pPr>
-            <a:endParaRPr b="0" lang="pt-BR" sz="2000" spc="-1" strike="noStrike">
-              <a:solidFill>
-                <a:srgbClr val="404040"/>
-              </a:solidFill>
-              <a:latin typeface="Calibri"/>
-            </a:endParaRPr>
-          </a:p>
-          <a:p>
-            <a:pPr marL="91440" indent="-91080" algn="just">
+            <a:endParaRPr b="0" lang="pt-BR" sz="1800" spc="-1" strike="noStrike">
+              <a:latin typeface="Arial"/>
+            </a:endParaRPr>
+          </a:p>
+          <a:p>
+            <a:pPr marL="91440" indent="-90720" algn="just">
               <a:lnSpc>
                 <a:spcPct val="100000"/>
               </a:lnSpc>
@@ -6390,14 +7325,11 @@
               <a:t>Impedância elétrica (GB, GV e PLT);</a:t>
             </a:r>
             <a:endParaRPr b="0" lang="pt-BR" sz="1800" spc="-1" strike="noStrike">
-              <a:solidFill>
-                <a:srgbClr val="404040"/>
-              </a:solidFill>
-              <a:latin typeface="Calibri"/>
-            </a:endParaRPr>
-          </a:p>
-          <a:p>
-            <a:pPr marL="91440" indent="-91080" algn="just">
+              <a:latin typeface="Arial"/>
+            </a:endParaRPr>
+          </a:p>
+          <a:p>
+            <a:pPr marL="91440" indent="-90720" algn="just">
               <a:lnSpc>
                 <a:spcPct val="100000"/>
               </a:lnSpc>
@@ -6432,10 +7364,7 @@
               <a:t>Absorbância de luz (HGB);</a:t>
             </a:r>
             <a:endParaRPr b="0" lang="pt-BR" sz="1800" spc="-1" strike="noStrike">
-              <a:solidFill>
-                <a:srgbClr val="404040"/>
-              </a:solidFill>
-              <a:latin typeface="Calibri"/>
+              <a:latin typeface="Arial"/>
             </a:endParaRPr>
           </a:p>
           <a:p>
@@ -6451,10 +7380,7 @@
               </a:spcAft>
             </a:pPr>
             <a:endParaRPr b="0" lang="pt-BR" sz="1800" spc="-1" strike="noStrike">
-              <a:solidFill>
-                <a:srgbClr val="404040"/>
-              </a:solidFill>
-              <a:latin typeface="Calibri"/>
+              <a:latin typeface="Arial"/>
             </a:endParaRPr>
           </a:p>
           <a:p>
@@ -6470,10 +7396,7 @@
               </a:spcAft>
             </a:pPr>
             <a:endParaRPr b="0" lang="pt-BR" sz="1800" spc="-1" strike="noStrike">
-              <a:solidFill>
-                <a:srgbClr val="404040"/>
-              </a:solidFill>
-              <a:latin typeface="Calibri"/>
+              <a:latin typeface="Arial"/>
             </a:endParaRPr>
           </a:p>
         </p:txBody>
@@ -6529,7 +7452,7 @@
       </p:grpSpPr>
       <p:pic>
         <p:nvPicPr>
-          <p:cNvPr id="106" name="Imagem 1" descr=""/>
+          <p:cNvPr id="100" name="Imagem 1" descr=""/>
           <p:cNvPicPr/>
           <p:nvPr/>
         </p:nvPicPr>
@@ -6540,7 +7463,7 @@
         <p:spPr>
           <a:xfrm>
             <a:off x="0" y="0"/>
-            <a:ext cx="12191760" cy="6857640"/>
+            <a:ext cx="12191400" cy="6857280"/>
           </a:xfrm>
           <a:prstGeom prst="rect">
             <a:avLst/>
@@ -6552,14 +7475,14 @@
       </p:pic>
       <p:sp>
         <p:nvSpPr>
-          <p:cNvPr id="107" name="TextShape 1"/>
-          <p:cNvSpPr txBox="1"/>
+          <p:cNvPr id="101" name="CustomShape 1"/>
+          <p:cNvSpPr/>
           <p:nvPr/>
         </p:nvSpPr>
         <p:spPr>
           <a:xfrm>
             <a:off x="888120" y="1066680"/>
-            <a:ext cx="10515240" cy="848880"/>
+            <a:ext cx="10514880" cy="848520"/>
           </a:xfrm>
           <a:prstGeom prst="rect">
             <a:avLst/>
@@ -6569,8 +7492,14 @@
             <a:noFill/>
           </a:ln>
         </p:spPr>
-        <p:txBody>
-          <a:bodyPr anchor="b">
+        <p:style>
+          <a:lnRef idx="0"/>
+          <a:fillRef idx="0"/>
+          <a:effectRef idx="0"/>
+          <a:fontRef idx="minor"/>
+        </p:style>
+        <p:txBody>
+          <a:bodyPr lIns="90000" rIns="90000" tIns="45000" bIns="45000" anchor="b">
             <a:normAutofit/>
           </a:bodyPr>
           <a:p>
@@ -6580,33 +7509,30 @@
               </a:lnSpc>
             </a:pPr>
             <a:r>
-              <a:rPr b="1" lang="pt-BR" sz="4000" spc="-49" strike="noStrike">
+              <a:rPr b="1" lang="pt-BR" sz="4000" spc="-46" strike="noStrike">
                 <a:solidFill>
                   <a:srgbClr val="45869e"/>
                 </a:solidFill>
                 <a:latin typeface="Calibri Light"/>
               </a:rPr>
-              <a:t>Corrente Elétrica</a:t>
+              <a:t>Energia</a:t>
             </a:r>
             <a:endParaRPr b="0" lang="pt-BR" sz="4000" spc="-1" strike="noStrike">
-              <a:solidFill>
-                <a:srgbClr val="000000"/>
-              </a:solidFill>
-              <a:latin typeface="Calibri"/>
-            </a:endParaRPr>
-          </a:p>
-        </p:txBody>
-      </p:sp>
-      <p:sp>
-        <p:nvSpPr>
-          <p:cNvPr id="108" name="TextShape 2"/>
-          <p:cNvSpPr txBox="1"/>
+              <a:latin typeface="Arial"/>
+            </a:endParaRPr>
+          </a:p>
+        </p:txBody>
+      </p:sp>
+      <p:sp>
+        <p:nvSpPr>
+          <p:cNvPr id="102" name="CustomShape 2"/>
+          <p:cNvSpPr/>
           <p:nvPr/>
         </p:nvSpPr>
         <p:spPr>
           <a:xfrm>
             <a:off x="1546200" y="1966680"/>
-            <a:ext cx="9325800" cy="4657320"/>
+            <a:ext cx="9325440" cy="4656960"/>
           </a:xfrm>
           <a:prstGeom prst="rect">
             <a:avLst/>
@@ -6616,8 +7542,14 @@
             <a:noFill/>
           </a:ln>
         </p:spPr>
-        <p:txBody>
-          <a:bodyPr lIns="0" rIns="0">
+        <p:style>
+          <a:lnRef idx="0"/>
+          <a:fillRef idx="0"/>
+          <a:effectRef idx="0"/>
+          <a:fontRef idx="minor"/>
+        </p:style>
+        <p:txBody>
+          <a:bodyPr lIns="0" rIns="0" tIns="45000" bIns="45000">
             <a:normAutofit/>
           </a:bodyPr>
           <a:p>
@@ -6632,15 +7564,12 @@
                 <a:spcPts val="201"/>
               </a:spcAft>
             </a:pPr>
-            <a:endParaRPr b="0" lang="pt-BR" sz="2000" spc="-1" strike="noStrike">
-              <a:solidFill>
-                <a:srgbClr val="404040"/>
-              </a:solidFill>
-              <a:latin typeface="Calibri"/>
-            </a:endParaRPr>
-          </a:p>
-          <a:p>
-            <a:pPr marL="91440" indent="-91080" algn="just">
+            <a:endParaRPr b="0" lang="pt-BR" sz="1800" spc="-1" strike="noStrike">
+              <a:latin typeface="Arial"/>
+            </a:endParaRPr>
+          </a:p>
+          <a:p>
+            <a:pPr marL="91440" indent="-90720" algn="just">
               <a:lnSpc>
                 <a:spcPct val="100000"/>
               </a:lnSpc>
@@ -6675,14 +7604,11 @@
               <a:t>Impedância elétrica (GB, GV e PLT);</a:t>
             </a:r>
             <a:endParaRPr b="0" lang="pt-BR" sz="1800" spc="-1" strike="noStrike">
-              <a:solidFill>
-                <a:srgbClr val="404040"/>
-              </a:solidFill>
-              <a:latin typeface="Calibri"/>
-            </a:endParaRPr>
-          </a:p>
-          <a:p>
-            <a:pPr marL="91440" indent="-91080" algn="just">
+              <a:latin typeface="Arial"/>
+            </a:endParaRPr>
+          </a:p>
+          <a:p>
+            <a:pPr marL="91440" indent="-90720" algn="just">
               <a:lnSpc>
                 <a:spcPct val="100000"/>
               </a:lnSpc>
@@ -6717,10 +7643,7 @@
               <a:t>Absorbância de luz (HGB);</a:t>
             </a:r>
             <a:endParaRPr b="0" lang="pt-BR" sz="1800" spc="-1" strike="noStrike">
-              <a:solidFill>
-                <a:srgbClr val="404040"/>
-              </a:solidFill>
-              <a:latin typeface="Calibri"/>
+              <a:latin typeface="Arial"/>
             </a:endParaRPr>
           </a:p>
           <a:p>
@@ -6736,10 +7659,7 @@
               </a:spcAft>
             </a:pPr>
             <a:endParaRPr b="0" lang="pt-BR" sz="1800" spc="-1" strike="noStrike">
-              <a:solidFill>
-                <a:srgbClr val="404040"/>
-              </a:solidFill>
-              <a:latin typeface="Calibri"/>
+              <a:latin typeface="Arial"/>
             </a:endParaRPr>
           </a:p>
           <a:p>
@@ -6755,10 +7675,7 @@
               </a:spcAft>
             </a:pPr>
             <a:endParaRPr b="0" lang="pt-BR" sz="1800" spc="-1" strike="noStrike">
-              <a:solidFill>
-                <a:srgbClr val="404040"/>
-              </a:solidFill>
-              <a:latin typeface="Calibri"/>
+              <a:latin typeface="Arial"/>
             </a:endParaRPr>
           </a:p>
         </p:txBody>
@@ -6814,7 +7731,7 @@
       </p:grpSpPr>
       <p:pic>
         <p:nvPicPr>
-          <p:cNvPr id="109" name="Imagem 1" descr=""/>
+          <p:cNvPr id="103" name="Imagem 1" descr=""/>
           <p:cNvPicPr/>
           <p:nvPr/>
         </p:nvPicPr>
@@ -6825,7 +7742,7 @@
         <p:spPr>
           <a:xfrm>
             <a:off x="0" y="0"/>
-            <a:ext cx="12191760" cy="6857640"/>
+            <a:ext cx="12191400" cy="6857280"/>
           </a:xfrm>
           <a:prstGeom prst="rect">
             <a:avLst/>
@@ -6837,14 +7754,14 @@
       </p:pic>
       <p:sp>
         <p:nvSpPr>
-          <p:cNvPr id="110" name="TextShape 1"/>
-          <p:cNvSpPr txBox="1"/>
+          <p:cNvPr id="104" name="CustomShape 1"/>
+          <p:cNvSpPr/>
           <p:nvPr/>
         </p:nvSpPr>
         <p:spPr>
           <a:xfrm>
             <a:off x="888120" y="1066680"/>
-            <a:ext cx="10515240" cy="848880"/>
+            <a:ext cx="10514880" cy="848520"/>
           </a:xfrm>
           <a:prstGeom prst="rect">
             <a:avLst/>
@@ -6854,8 +7771,14 @@
             <a:noFill/>
           </a:ln>
         </p:spPr>
-        <p:txBody>
-          <a:bodyPr anchor="b">
+        <p:style>
+          <a:lnRef idx="0"/>
+          <a:fillRef idx="0"/>
+          <a:effectRef idx="0"/>
+          <a:fontRef idx="minor"/>
+        </p:style>
+        <p:txBody>
+          <a:bodyPr lIns="90000" rIns="90000" tIns="45000" bIns="45000" anchor="b">
             <a:normAutofit/>
           </a:bodyPr>
           <a:p>
@@ -6865,33 +7788,30 @@
               </a:lnSpc>
             </a:pPr>
             <a:r>
-              <a:rPr b="1" lang="pt-BR" sz="4000" spc="-49" strike="noStrike">
+              <a:rPr b="1" lang="pt-BR" sz="4000" spc="-46" strike="noStrike">
                 <a:solidFill>
                   <a:srgbClr val="45869e"/>
                 </a:solidFill>
                 <a:latin typeface="Calibri Light"/>
               </a:rPr>
-              <a:t>Energia</a:t>
+              <a:t>Potência</a:t>
             </a:r>
             <a:endParaRPr b="0" lang="pt-BR" sz="4000" spc="-1" strike="noStrike">
-              <a:solidFill>
-                <a:srgbClr val="000000"/>
-              </a:solidFill>
-              <a:latin typeface="Calibri"/>
-            </a:endParaRPr>
-          </a:p>
-        </p:txBody>
-      </p:sp>
-      <p:sp>
-        <p:nvSpPr>
-          <p:cNvPr id="111" name="TextShape 2"/>
-          <p:cNvSpPr txBox="1"/>
+              <a:latin typeface="Arial"/>
+            </a:endParaRPr>
+          </a:p>
+        </p:txBody>
+      </p:sp>
+      <p:sp>
+        <p:nvSpPr>
+          <p:cNvPr id="105" name="CustomShape 2"/>
+          <p:cNvSpPr/>
           <p:nvPr/>
         </p:nvSpPr>
         <p:spPr>
           <a:xfrm>
             <a:off x="1546200" y="1966680"/>
-            <a:ext cx="9325800" cy="4657320"/>
+            <a:ext cx="9325440" cy="4656960"/>
           </a:xfrm>
           <a:prstGeom prst="rect">
             <a:avLst/>
@@ -6901,8 +7821,14 @@
             <a:noFill/>
           </a:ln>
         </p:spPr>
-        <p:txBody>
-          <a:bodyPr lIns="0" rIns="0">
+        <p:style>
+          <a:lnRef idx="0"/>
+          <a:fillRef idx="0"/>
+          <a:effectRef idx="0"/>
+          <a:fontRef idx="minor"/>
+        </p:style>
+        <p:txBody>
+          <a:bodyPr lIns="0" rIns="0" tIns="45000" bIns="45000">
             <a:normAutofit/>
           </a:bodyPr>
           <a:p>
@@ -6917,15 +7843,12 @@
                 <a:spcPts val="201"/>
               </a:spcAft>
             </a:pPr>
-            <a:endParaRPr b="0" lang="pt-BR" sz="2000" spc="-1" strike="noStrike">
-              <a:solidFill>
-                <a:srgbClr val="404040"/>
-              </a:solidFill>
-              <a:latin typeface="Calibri"/>
-            </a:endParaRPr>
-          </a:p>
-          <a:p>
-            <a:pPr marL="91440" indent="-91080" algn="just">
+            <a:endParaRPr b="0" lang="pt-BR" sz="1800" spc="-1" strike="noStrike">
+              <a:latin typeface="Arial"/>
+            </a:endParaRPr>
+          </a:p>
+          <a:p>
+            <a:pPr marL="91440" indent="-90720" algn="just">
               <a:lnSpc>
                 <a:spcPct val="100000"/>
               </a:lnSpc>
@@ -6960,14 +7883,11 @@
               <a:t>Impedância elétrica (GB, GV e PLT);</a:t>
             </a:r>
             <a:endParaRPr b="0" lang="pt-BR" sz="1800" spc="-1" strike="noStrike">
-              <a:solidFill>
-                <a:srgbClr val="404040"/>
-              </a:solidFill>
-              <a:latin typeface="Calibri"/>
-            </a:endParaRPr>
-          </a:p>
-          <a:p>
-            <a:pPr marL="91440" indent="-91080" algn="just">
+              <a:latin typeface="Arial"/>
+            </a:endParaRPr>
+          </a:p>
+          <a:p>
+            <a:pPr marL="91440" indent="-90720" algn="just">
               <a:lnSpc>
                 <a:spcPct val="100000"/>
               </a:lnSpc>
@@ -7002,10 +7922,7 @@
               <a:t>Absorbância de luz (HGB);</a:t>
             </a:r>
             <a:endParaRPr b="0" lang="pt-BR" sz="1800" spc="-1" strike="noStrike">
-              <a:solidFill>
-                <a:srgbClr val="404040"/>
-              </a:solidFill>
-              <a:latin typeface="Calibri"/>
+              <a:latin typeface="Arial"/>
             </a:endParaRPr>
           </a:p>
           <a:p>
@@ -7021,10 +7938,7 @@
               </a:spcAft>
             </a:pPr>
             <a:endParaRPr b="0" lang="pt-BR" sz="1800" spc="-1" strike="noStrike">
-              <a:solidFill>
-                <a:srgbClr val="404040"/>
-              </a:solidFill>
-              <a:latin typeface="Calibri"/>
+              <a:latin typeface="Arial"/>
             </a:endParaRPr>
           </a:p>
           <a:p>
@@ -7040,10 +7954,7 @@
               </a:spcAft>
             </a:pPr>
             <a:endParaRPr b="0" lang="pt-BR" sz="1800" spc="-1" strike="noStrike">
-              <a:solidFill>
-                <a:srgbClr val="404040"/>
-              </a:solidFill>
-              <a:latin typeface="Calibri"/>
+              <a:latin typeface="Arial"/>
             </a:endParaRPr>
           </a:p>
         </p:txBody>
@@ -7099,7 +8010,7 @@
       </p:grpSpPr>
       <p:pic>
         <p:nvPicPr>
-          <p:cNvPr id="112" name="Imagem 1" descr=""/>
+          <p:cNvPr id="106" name="Imagem 1" descr=""/>
           <p:cNvPicPr/>
           <p:nvPr/>
         </p:nvPicPr>
@@ -7110,7 +8021,7 @@
         <p:spPr>
           <a:xfrm>
             <a:off x="0" y="0"/>
-            <a:ext cx="12191760" cy="6857640"/>
+            <a:ext cx="12191400" cy="6857280"/>
           </a:xfrm>
           <a:prstGeom prst="rect">
             <a:avLst/>
@@ -7122,14 +8033,14 @@
       </p:pic>
       <p:sp>
         <p:nvSpPr>
-          <p:cNvPr id="113" name="TextShape 1"/>
-          <p:cNvSpPr txBox="1"/>
+          <p:cNvPr id="107" name="CustomShape 1"/>
+          <p:cNvSpPr/>
           <p:nvPr/>
         </p:nvSpPr>
         <p:spPr>
           <a:xfrm>
             <a:off x="888120" y="1066680"/>
-            <a:ext cx="10515240" cy="848880"/>
+            <a:ext cx="10514880" cy="848520"/>
           </a:xfrm>
           <a:prstGeom prst="rect">
             <a:avLst/>
@@ -7139,8 +8050,14 @@
             <a:noFill/>
           </a:ln>
         </p:spPr>
-        <p:txBody>
-          <a:bodyPr anchor="b">
+        <p:style>
+          <a:lnRef idx="0"/>
+          <a:fillRef idx="0"/>
+          <a:effectRef idx="0"/>
+          <a:fontRef idx="minor"/>
+        </p:style>
+        <p:txBody>
+          <a:bodyPr lIns="90000" rIns="90000" tIns="45000" bIns="45000" anchor="b">
             <a:normAutofit/>
           </a:bodyPr>
           <a:p>
@@ -7150,33 +8067,30 @@
               </a:lnSpc>
             </a:pPr>
             <a:r>
-              <a:rPr b="1" lang="pt-BR" sz="4000" spc="-49" strike="noStrike">
+              <a:rPr b="1" lang="pt-BR" sz="4000" spc="-46" strike="noStrike">
                 <a:solidFill>
                   <a:srgbClr val="45869e"/>
                 </a:solidFill>
                 <a:latin typeface="Calibri Light"/>
               </a:rPr>
-              <a:t>Potência</a:t>
+              <a:t>Resistor</a:t>
             </a:r>
             <a:endParaRPr b="0" lang="pt-BR" sz="4000" spc="-1" strike="noStrike">
-              <a:solidFill>
-                <a:srgbClr val="000000"/>
-              </a:solidFill>
-              <a:latin typeface="Calibri"/>
-            </a:endParaRPr>
-          </a:p>
-        </p:txBody>
-      </p:sp>
-      <p:sp>
-        <p:nvSpPr>
-          <p:cNvPr id="114" name="TextShape 2"/>
-          <p:cNvSpPr txBox="1"/>
+              <a:latin typeface="Arial"/>
+            </a:endParaRPr>
+          </a:p>
+        </p:txBody>
+      </p:sp>
+      <p:sp>
+        <p:nvSpPr>
+          <p:cNvPr id="108" name="CustomShape 2"/>
+          <p:cNvSpPr/>
           <p:nvPr/>
         </p:nvSpPr>
         <p:spPr>
           <a:xfrm>
             <a:off x="1546200" y="1966680"/>
-            <a:ext cx="9325800" cy="4657320"/>
+            <a:ext cx="9325440" cy="4656960"/>
           </a:xfrm>
           <a:prstGeom prst="rect">
             <a:avLst/>
@@ -7186,8 +8100,14 @@
             <a:noFill/>
           </a:ln>
         </p:spPr>
-        <p:txBody>
-          <a:bodyPr lIns="0" rIns="0">
+        <p:style>
+          <a:lnRef idx="0"/>
+          <a:fillRef idx="0"/>
+          <a:effectRef idx="0"/>
+          <a:fontRef idx="minor"/>
+        </p:style>
+        <p:txBody>
+          <a:bodyPr lIns="0" rIns="0" tIns="45000" bIns="45000">
             <a:normAutofit/>
           </a:bodyPr>
           <a:p>
@@ -7202,15 +8122,12 @@
                 <a:spcPts val="201"/>
               </a:spcAft>
             </a:pPr>
-            <a:endParaRPr b="0" lang="pt-BR" sz="2000" spc="-1" strike="noStrike">
-              <a:solidFill>
-                <a:srgbClr val="404040"/>
-              </a:solidFill>
-              <a:latin typeface="Calibri"/>
-            </a:endParaRPr>
-          </a:p>
-          <a:p>
-            <a:pPr marL="91440" indent="-91080" algn="just">
+            <a:endParaRPr b="0" lang="pt-BR" sz="1800" spc="-1" strike="noStrike">
+              <a:latin typeface="Arial"/>
+            </a:endParaRPr>
+          </a:p>
+          <a:p>
+            <a:pPr marL="91440" indent="-90720" algn="just">
               <a:lnSpc>
                 <a:spcPct val="100000"/>
               </a:lnSpc>
@@ -7245,14 +8162,11 @@
               <a:t>Impedância elétrica (GB, GV e PLT);</a:t>
             </a:r>
             <a:endParaRPr b="0" lang="pt-BR" sz="1800" spc="-1" strike="noStrike">
-              <a:solidFill>
-                <a:srgbClr val="404040"/>
-              </a:solidFill>
-              <a:latin typeface="Calibri"/>
-            </a:endParaRPr>
-          </a:p>
-          <a:p>
-            <a:pPr marL="91440" indent="-91080" algn="just">
+              <a:latin typeface="Arial"/>
+            </a:endParaRPr>
+          </a:p>
+          <a:p>
+            <a:pPr marL="91440" indent="-90720" algn="just">
               <a:lnSpc>
                 <a:spcPct val="100000"/>
               </a:lnSpc>
@@ -7287,10 +8201,7 @@
               <a:t>Absorbância de luz (HGB);</a:t>
             </a:r>
             <a:endParaRPr b="0" lang="pt-BR" sz="1800" spc="-1" strike="noStrike">
-              <a:solidFill>
-                <a:srgbClr val="404040"/>
-              </a:solidFill>
-              <a:latin typeface="Calibri"/>
+              <a:latin typeface="Arial"/>
             </a:endParaRPr>
           </a:p>
           <a:p>
@@ -7306,10 +8217,7 @@
               </a:spcAft>
             </a:pPr>
             <a:endParaRPr b="0" lang="pt-BR" sz="1800" spc="-1" strike="noStrike">
-              <a:solidFill>
-                <a:srgbClr val="404040"/>
-              </a:solidFill>
-              <a:latin typeface="Calibri"/>
+              <a:latin typeface="Arial"/>
             </a:endParaRPr>
           </a:p>
           <a:p>
@@ -7325,10 +8233,7 @@
               </a:spcAft>
             </a:pPr>
             <a:endParaRPr b="0" lang="pt-BR" sz="1800" spc="-1" strike="noStrike">
-              <a:solidFill>
-                <a:srgbClr val="404040"/>
-              </a:solidFill>
-              <a:latin typeface="Calibri"/>
+              <a:latin typeface="Arial"/>
             </a:endParaRPr>
           </a:p>
         </p:txBody>
@@ -7384,7 +8289,7 @@
       </p:grpSpPr>
       <p:pic>
         <p:nvPicPr>
-          <p:cNvPr id="115" name="Imagem 1" descr=""/>
+          <p:cNvPr id="109" name="Imagem 1" descr=""/>
           <p:cNvPicPr/>
           <p:nvPr/>
         </p:nvPicPr>
@@ -7395,7 +8300,7 @@
         <p:spPr>
           <a:xfrm>
             <a:off x="0" y="0"/>
-            <a:ext cx="12191760" cy="6857640"/>
+            <a:ext cx="12191400" cy="6857280"/>
           </a:xfrm>
           <a:prstGeom prst="rect">
             <a:avLst/>
@@ -7407,14 +8312,14 @@
       </p:pic>
       <p:sp>
         <p:nvSpPr>
-          <p:cNvPr id="116" name="TextShape 1"/>
-          <p:cNvSpPr txBox="1"/>
+          <p:cNvPr id="110" name="CustomShape 1"/>
+          <p:cNvSpPr/>
           <p:nvPr/>
         </p:nvSpPr>
         <p:spPr>
           <a:xfrm>
             <a:off x="888120" y="1066680"/>
-            <a:ext cx="10515240" cy="848880"/>
+            <a:ext cx="10514880" cy="848520"/>
           </a:xfrm>
           <a:prstGeom prst="rect">
             <a:avLst/>
@@ -7424,8 +8329,14 @@
             <a:noFill/>
           </a:ln>
         </p:spPr>
-        <p:txBody>
-          <a:bodyPr anchor="b">
+        <p:style>
+          <a:lnRef idx="0"/>
+          <a:fillRef idx="0"/>
+          <a:effectRef idx="0"/>
+          <a:fontRef idx="minor"/>
+        </p:style>
+        <p:txBody>
+          <a:bodyPr lIns="90000" rIns="90000" tIns="45000" bIns="45000" anchor="b">
             <a:normAutofit/>
           </a:bodyPr>
           <a:p>
@@ -7435,33 +8346,30 @@
               </a:lnSpc>
             </a:pPr>
             <a:r>
-              <a:rPr b="1" lang="pt-BR" sz="4000" spc="-49" strike="noStrike">
+              <a:rPr b="1" lang="pt-BR" sz="4000" spc="-46" strike="noStrike">
                 <a:solidFill>
                   <a:srgbClr val="45869e"/>
                 </a:solidFill>
                 <a:latin typeface="Calibri Light"/>
               </a:rPr>
-              <a:t>Resistor</a:t>
+              <a:t>Fusível</a:t>
             </a:r>
             <a:endParaRPr b="0" lang="pt-BR" sz="4000" spc="-1" strike="noStrike">
-              <a:solidFill>
-                <a:srgbClr val="000000"/>
-              </a:solidFill>
-              <a:latin typeface="Calibri"/>
-            </a:endParaRPr>
-          </a:p>
-        </p:txBody>
-      </p:sp>
-      <p:sp>
-        <p:nvSpPr>
-          <p:cNvPr id="117" name="TextShape 2"/>
-          <p:cNvSpPr txBox="1"/>
+              <a:latin typeface="Arial"/>
+            </a:endParaRPr>
+          </a:p>
+        </p:txBody>
+      </p:sp>
+      <p:sp>
+        <p:nvSpPr>
+          <p:cNvPr id="111" name="CustomShape 2"/>
+          <p:cNvSpPr/>
           <p:nvPr/>
         </p:nvSpPr>
         <p:spPr>
           <a:xfrm>
             <a:off x="1546200" y="1966680"/>
-            <a:ext cx="9325800" cy="4657320"/>
+            <a:ext cx="9325440" cy="4656960"/>
           </a:xfrm>
           <a:prstGeom prst="rect">
             <a:avLst/>
@@ -7471,8 +8379,14 @@
             <a:noFill/>
           </a:ln>
         </p:spPr>
-        <p:txBody>
-          <a:bodyPr lIns="0" rIns="0">
+        <p:style>
+          <a:lnRef idx="0"/>
+          <a:fillRef idx="0"/>
+          <a:effectRef idx="0"/>
+          <a:fontRef idx="minor"/>
+        </p:style>
+        <p:txBody>
+          <a:bodyPr lIns="0" rIns="0" tIns="45000" bIns="45000">
             <a:normAutofit/>
           </a:bodyPr>
           <a:p>
@@ -7487,15 +8401,12 @@
                 <a:spcPts val="201"/>
               </a:spcAft>
             </a:pPr>
-            <a:endParaRPr b="0" lang="pt-BR" sz="2000" spc="-1" strike="noStrike">
-              <a:solidFill>
-                <a:srgbClr val="404040"/>
-              </a:solidFill>
-              <a:latin typeface="Calibri"/>
-            </a:endParaRPr>
-          </a:p>
-          <a:p>
-            <a:pPr marL="91440" indent="-91080" algn="just">
+            <a:endParaRPr b="0" lang="pt-BR" sz="1800" spc="-1" strike="noStrike">
+              <a:latin typeface="Arial"/>
+            </a:endParaRPr>
+          </a:p>
+          <a:p>
+            <a:pPr marL="91440" indent="-90720" algn="just">
               <a:lnSpc>
                 <a:spcPct val="100000"/>
               </a:lnSpc>
@@ -7530,14 +8441,11 @@
               <a:t>Impedância elétrica (GB, GV e PLT);</a:t>
             </a:r>
             <a:endParaRPr b="0" lang="pt-BR" sz="1800" spc="-1" strike="noStrike">
-              <a:solidFill>
-                <a:srgbClr val="404040"/>
-              </a:solidFill>
-              <a:latin typeface="Calibri"/>
-            </a:endParaRPr>
-          </a:p>
-          <a:p>
-            <a:pPr marL="91440" indent="-91080" algn="just">
+              <a:latin typeface="Arial"/>
+            </a:endParaRPr>
+          </a:p>
+          <a:p>
+            <a:pPr marL="91440" indent="-90720" algn="just">
               <a:lnSpc>
                 <a:spcPct val="100000"/>
               </a:lnSpc>
@@ -7572,10 +8480,7 @@
               <a:t>Absorbância de luz (HGB);</a:t>
             </a:r>
             <a:endParaRPr b="0" lang="pt-BR" sz="1800" spc="-1" strike="noStrike">
-              <a:solidFill>
-                <a:srgbClr val="404040"/>
-              </a:solidFill>
-              <a:latin typeface="Calibri"/>
+              <a:latin typeface="Arial"/>
             </a:endParaRPr>
           </a:p>
           <a:p>
@@ -7591,10 +8496,7 @@
               </a:spcAft>
             </a:pPr>
             <a:endParaRPr b="0" lang="pt-BR" sz="1800" spc="-1" strike="noStrike">
-              <a:solidFill>
-                <a:srgbClr val="404040"/>
-              </a:solidFill>
-              <a:latin typeface="Calibri"/>
+              <a:latin typeface="Arial"/>
             </a:endParaRPr>
           </a:p>
           <a:p>
@@ -7610,10 +8512,7 @@
               </a:spcAft>
             </a:pPr>
             <a:endParaRPr b="0" lang="pt-BR" sz="1800" spc="-1" strike="noStrike">
-              <a:solidFill>
-                <a:srgbClr val="404040"/>
-              </a:solidFill>
-              <a:latin typeface="Calibri"/>
+              <a:latin typeface="Arial"/>
             </a:endParaRPr>
           </a:p>
         </p:txBody>

--- a/Treinamento_eletronica.pptx
+++ b/Treinamento_eletronica.pptx
@@ -2728,7 +2728,7 @@
         <p:spPr>
           <a:xfrm>
             <a:off x="3240" y="6400800"/>
-            <a:ext cx="12188160" cy="456480"/>
+            <a:ext cx="12187800" cy="456120"/>
           </a:xfrm>
           <a:prstGeom prst="rect">
             <a:avLst/>
@@ -2764,7 +2764,7 @@
         <p:spPr>
           <a:xfrm>
             <a:off x="0" y="6334200"/>
-            <a:ext cx="12188160" cy="63360"/>
+            <a:ext cx="12187800" cy="63000"/>
           </a:xfrm>
           <a:prstGeom prst="rect">
             <a:avLst/>
@@ -2837,7 +2837,7 @@
         <p:spPr>
           <a:xfrm>
             <a:off x="0" y="6400800"/>
-            <a:ext cx="12191400" cy="456480"/>
+            <a:ext cx="12191040" cy="456120"/>
           </a:xfrm>
           <a:prstGeom prst="rect">
             <a:avLst/>
@@ -2873,7 +2873,7 @@
         <p:spPr>
           <a:xfrm>
             <a:off x="0" y="6334200"/>
-            <a:ext cx="12191400" cy="65880"/>
+            <a:ext cx="12191040" cy="65520"/>
           </a:xfrm>
           <a:prstGeom prst="rect">
             <a:avLst/>
@@ -2949,8 +2949,8 @@
         </p:nvSpPr>
         <p:spPr>
           <a:xfrm>
-            <a:off x="1097280" y="286560"/>
-            <a:ext cx="10057680" cy="1450080"/>
+            <a:off x="609480" y="273600"/>
+            <a:ext cx="10972080" cy="1144440"/>
           </a:xfrm>
           <a:prstGeom prst="rect">
             <a:avLst/>
@@ -2984,7 +2984,7 @@
         <p:spPr>
           <a:xfrm>
             <a:off x="609480" y="1604520"/>
-            <a:ext cx="10972440" cy="3977280"/>
+            <a:ext cx="10972080" cy="3976920"/>
           </a:xfrm>
           <a:prstGeom prst="rect">
             <a:avLst/>
@@ -3007,12 +3007,12 @@
               <a:buChar char=""/>
             </a:pPr>
             <a:r>
-              <a:rPr b="0" lang="pt-BR" sz="3200" spc="-1" strike="noStrike">
+              <a:rPr b="0" lang="pt-BR" sz="1800" spc="-1" strike="noStrike">
                 <a:latin typeface="Arial"/>
               </a:rPr>
               <a:t>Click to edit the outline text format</a:t>
             </a:r>
-            <a:endParaRPr b="0" lang="pt-BR" sz="3200" spc="-1" strike="noStrike">
+            <a:endParaRPr b="0" lang="pt-BR" sz="1800" spc="-1" strike="noStrike">
               <a:latin typeface="Arial"/>
             </a:endParaRPr>
           </a:p>
@@ -3029,12 +3029,12 @@
               <a:buChar char=""/>
             </a:pPr>
             <a:r>
-              <a:rPr b="0" lang="pt-BR" sz="2800" spc="-1" strike="noStrike">
+              <a:rPr b="0" lang="pt-BR" sz="1800" spc="-1" strike="noStrike">
                 <a:latin typeface="Arial"/>
               </a:rPr>
               <a:t>Second Outline Level</a:t>
             </a:r>
-            <a:endParaRPr b="0" lang="pt-BR" sz="2800" spc="-1" strike="noStrike">
+            <a:endParaRPr b="0" lang="pt-BR" sz="1800" spc="-1" strike="noStrike">
               <a:latin typeface="Arial"/>
             </a:endParaRPr>
           </a:p>
@@ -3051,12 +3051,12 @@
               <a:buChar char=""/>
             </a:pPr>
             <a:r>
-              <a:rPr b="0" lang="pt-BR" sz="2400" spc="-1" strike="noStrike">
+              <a:rPr b="0" lang="pt-BR" sz="1800" spc="-1" strike="noStrike">
                 <a:latin typeface="Arial"/>
               </a:rPr>
               <a:t>Third Outline Level</a:t>
             </a:r>
-            <a:endParaRPr b="0" lang="pt-BR" sz="2400" spc="-1" strike="noStrike">
+            <a:endParaRPr b="0" lang="pt-BR" sz="1800" spc="-1" strike="noStrike">
               <a:latin typeface="Arial"/>
             </a:endParaRPr>
           </a:p>
@@ -3073,12 +3073,12 @@
               <a:buChar char=""/>
             </a:pPr>
             <a:r>
-              <a:rPr b="0" lang="pt-BR" sz="2000" spc="-1" strike="noStrike">
+              <a:rPr b="0" lang="pt-BR" sz="1800" spc="-1" strike="noStrike">
                 <a:latin typeface="Arial"/>
               </a:rPr>
               <a:t>Fourth Outline Level</a:t>
             </a:r>
-            <a:endParaRPr b="0" lang="pt-BR" sz="2000" spc="-1" strike="noStrike">
+            <a:endParaRPr b="0" lang="pt-BR" sz="1800" spc="-1" strike="noStrike">
               <a:latin typeface="Arial"/>
             </a:endParaRPr>
           </a:p>
@@ -3095,12 +3095,12 @@
               <a:buChar char=""/>
             </a:pPr>
             <a:r>
-              <a:rPr b="0" lang="pt-BR" sz="2000" spc="-1" strike="noStrike">
+              <a:rPr b="0" lang="pt-BR" sz="1800" spc="-1" strike="noStrike">
                 <a:latin typeface="Arial"/>
               </a:rPr>
               <a:t>Fifth Outline Level</a:t>
             </a:r>
-            <a:endParaRPr b="0" lang="pt-BR" sz="2000" spc="-1" strike="noStrike">
+            <a:endParaRPr b="0" lang="pt-BR" sz="1800" spc="-1" strike="noStrike">
               <a:latin typeface="Arial"/>
             </a:endParaRPr>
           </a:p>
@@ -3117,12 +3117,12 @@
               <a:buChar char=""/>
             </a:pPr>
             <a:r>
-              <a:rPr b="0" lang="pt-BR" sz="2000" spc="-1" strike="noStrike">
+              <a:rPr b="0" lang="pt-BR" sz="1800" spc="-1" strike="noStrike">
                 <a:latin typeface="Arial"/>
               </a:rPr>
               <a:t>Sixth Outline Level</a:t>
             </a:r>
-            <a:endParaRPr b="0" lang="pt-BR" sz="2000" spc="-1" strike="noStrike">
+            <a:endParaRPr b="0" lang="pt-BR" sz="1800" spc="-1" strike="noStrike">
               <a:latin typeface="Arial"/>
             </a:endParaRPr>
           </a:p>
@@ -3139,12 +3139,12 @@
               <a:buChar char=""/>
             </a:pPr>
             <a:r>
-              <a:rPr b="0" lang="pt-BR" sz="2000" spc="-1" strike="noStrike">
+              <a:rPr b="0" lang="pt-BR" sz="1800" spc="-1" strike="noStrike">
                 <a:latin typeface="Arial"/>
               </a:rPr>
               <a:t>Seventh Outline Level</a:t>
             </a:r>
-            <a:endParaRPr b="0" lang="pt-BR" sz="2000" spc="-1" strike="noStrike">
+            <a:endParaRPr b="0" lang="pt-BR" sz="1800" spc="-1" strike="noStrike">
               <a:latin typeface="Arial"/>
             </a:endParaRPr>
           </a:p>
@@ -3203,7 +3203,7 @@
         <p:spPr>
           <a:xfrm>
             <a:off x="3240" y="6400800"/>
-            <a:ext cx="12188160" cy="456480"/>
+            <a:ext cx="12187800" cy="456120"/>
           </a:xfrm>
           <a:prstGeom prst="rect">
             <a:avLst/>
@@ -3239,7 +3239,7 @@
         <p:spPr>
           <a:xfrm>
             <a:off x="0" y="6334200"/>
-            <a:ext cx="12188160" cy="63360"/>
+            <a:ext cx="12187800" cy="63000"/>
           </a:xfrm>
           <a:prstGeom prst="rect">
             <a:avLst/>
@@ -3567,7 +3567,7 @@
         <p:spPr>
           <a:xfrm>
             <a:off x="-14040" y="0"/>
-            <a:ext cx="12205440" cy="6865200"/>
+            <a:ext cx="12205080" cy="6864840"/>
           </a:xfrm>
           <a:prstGeom prst="rect">
             <a:avLst/>
@@ -3585,13 +3585,13 @@
         </p:nvPicPr>
         <p:blipFill>
           <a:blip r:embed="rId2"/>
-          <a:srcRect l="9919" t="45263" r="48346" b="30824"/>
+          <a:srcRect l="9917" t="45256" r="48341" b="30821"/>
           <a:stretch/>
         </p:blipFill>
         <p:spPr>
           <a:xfrm>
             <a:off x="3552840" y="2610000"/>
-            <a:ext cx="5085720" cy="1637640"/>
+            <a:ext cx="5085360" cy="1637280"/>
           </a:xfrm>
           <a:prstGeom prst="rect">
             <a:avLst/>
@@ -3610,7 +3610,7 @@
         <p:spPr>
           <a:xfrm>
             <a:off x="1100160" y="4455720"/>
-            <a:ext cx="10057680" cy="1142280"/>
+            <a:ext cx="10057320" cy="1141920"/>
           </a:xfrm>
           <a:prstGeom prst="rect">
             <a:avLst/>
@@ -3678,7 +3678,7 @@
       </p:grpSpPr>
       <p:pic>
         <p:nvPicPr>
-          <p:cNvPr id="112" name="Imagem 1" descr=""/>
+          <p:cNvPr id="118" name="Imagem 1" descr=""/>
           <p:cNvPicPr/>
           <p:nvPr/>
         </p:nvPicPr>
@@ -3689,7 +3689,7 @@
         <p:spPr>
           <a:xfrm>
             <a:off x="0" y="0"/>
-            <a:ext cx="12191400" cy="6857280"/>
+            <a:ext cx="12191040" cy="6856920"/>
           </a:xfrm>
           <a:prstGeom prst="rect">
             <a:avLst/>
@@ -3701,14 +3701,14 @@
       </p:pic>
       <p:sp>
         <p:nvSpPr>
-          <p:cNvPr id="113" name="CustomShape 1"/>
+          <p:cNvPr id="119" name="CustomShape 1"/>
           <p:cNvSpPr/>
           <p:nvPr/>
         </p:nvSpPr>
         <p:spPr>
           <a:xfrm>
             <a:off x="888120" y="1066680"/>
-            <a:ext cx="10514880" cy="848520"/>
+            <a:ext cx="10514520" cy="848160"/>
           </a:xfrm>
           <a:prstGeom prst="rect">
             <a:avLst/>
@@ -3735,11 +3735,12 @@
               </a:lnSpc>
             </a:pPr>
             <a:r>
-              <a:rPr b="1" lang="pt-BR" sz="4000" spc="-46" strike="noStrike">
+              <a:rPr b="1" lang="pt-BR" sz="4000" spc="-43" strike="noStrike">
                 <a:solidFill>
                   <a:srgbClr val="45869e"/>
                 </a:solidFill>
                 <a:latin typeface="Calibri Light"/>
+                <a:ea typeface="DejaVu Sans"/>
               </a:rPr>
               <a:t>Capacitor</a:t>
             </a:r>
@@ -3751,14 +3752,14 @@
       </p:sp>
       <p:sp>
         <p:nvSpPr>
-          <p:cNvPr id="114" name="CustomShape 2"/>
+          <p:cNvPr id="120" name="CustomShape 2"/>
           <p:cNvSpPr/>
           <p:nvPr/>
         </p:nvSpPr>
         <p:spPr>
           <a:xfrm>
             <a:off x="1546200" y="1966680"/>
-            <a:ext cx="9325440" cy="4656960"/>
+            <a:ext cx="9325080" cy="4656600"/>
           </a:xfrm>
           <a:prstGeom prst="rect">
             <a:avLst/>
@@ -3795,7 +3796,7 @@
             </a:endParaRPr>
           </a:p>
           <a:p>
-            <a:pPr marL="91440" indent="-90720" algn="just">
+            <a:pPr marL="91440" indent="-90360" algn="just">
               <a:lnSpc>
                 <a:spcPct val="100000"/>
               </a:lnSpc>
@@ -3817,6 +3818,7 @@
                   <a:srgbClr val="45869e"/>
                 </a:solidFill>
                 <a:latin typeface="Calibri Light"/>
+                <a:ea typeface="DejaVu Sans"/>
               </a:rPr>
               <a:t> </a:t>
             </a:r>
@@ -3826,6 +3828,7 @@
                   <a:srgbClr val="45869e"/>
                 </a:solidFill>
                 <a:latin typeface="Calibri"/>
+                <a:ea typeface="DejaVu Sans"/>
               </a:rPr>
               <a:t>Impedância elétrica (GB, GV e PLT);</a:t>
             </a:r>
@@ -3834,7 +3837,7 @@
             </a:endParaRPr>
           </a:p>
           <a:p>
-            <a:pPr marL="91440" indent="-90720" algn="just">
+            <a:pPr marL="91440" indent="-90360" algn="just">
               <a:lnSpc>
                 <a:spcPct val="100000"/>
               </a:lnSpc>
@@ -3856,6 +3859,7 @@
                   <a:srgbClr val="45869e"/>
                 </a:solidFill>
                 <a:latin typeface="Calibri"/>
+                <a:ea typeface="DejaVu Sans"/>
               </a:rPr>
               <a:t> </a:t>
             </a:r>
@@ -3865,6 +3869,7 @@
                   <a:srgbClr val="45869e"/>
                 </a:solidFill>
                 <a:latin typeface="Calibri"/>
+                <a:ea typeface="DejaVu Sans"/>
               </a:rPr>
               <a:t>Absorbância de luz (HGB);</a:t>
             </a:r>
@@ -3957,7 +3962,7 @@
       </p:grpSpPr>
       <p:pic>
         <p:nvPicPr>
-          <p:cNvPr id="115" name="Imagem 1" descr=""/>
+          <p:cNvPr id="121" name="Imagem 1" descr=""/>
           <p:cNvPicPr/>
           <p:nvPr/>
         </p:nvPicPr>
@@ -3968,7 +3973,7 @@
         <p:spPr>
           <a:xfrm>
             <a:off x="0" y="0"/>
-            <a:ext cx="12191400" cy="6857280"/>
+            <a:ext cx="12191040" cy="6856920"/>
           </a:xfrm>
           <a:prstGeom prst="rect">
             <a:avLst/>
@@ -3980,14 +3985,14 @@
       </p:pic>
       <p:sp>
         <p:nvSpPr>
-          <p:cNvPr id="116" name="CustomShape 1"/>
+          <p:cNvPr id="122" name="CustomShape 1"/>
           <p:cNvSpPr/>
           <p:nvPr/>
         </p:nvSpPr>
         <p:spPr>
           <a:xfrm>
             <a:off x="888120" y="1066680"/>
-            <a:ext cx="10514880" cy="848520"/>
+            <a:ext cx="10514520" cy="848160"/>
           </a:xfrm>
           <a:prstGeom prst="rect">
             <a:avLst/>
@@ -4014,11 +4019,12 @@
               </a:lnSpc>
             </a:pPr>
             <a:r>
-              <a:rPr b="1" lang="pt-BR" sz="4000" spc="-46" strike="noStrike">
+              <a:rPr b="1" lang="pt-BR" sz="4000" spc="-43" strike="noStrike">
                 <a:solidFill>
                   <a:srgbClr val="45869e"/>
                 </a:solidFill>
                 <a:latin typeface="Calibri Light"/>
+                <a:ea typeface="DejaVu Sans"/>
               </a:rPr>
               <a:t>Indutor</a:t>
             </a:r>
@@ -4030,14 +4036,14 @@
       </p:sp>
       <p:sp>
         <p:nvSpPr>
-          <p:cNvPr id="117" name="CustomShape 2"/>
+          <p:cNvPr id="123" name="CustomShape 2"/>
           <p:cNvSpPr/>
           <p:nvPr/>
         </p:nvSpPr>
         <p:spPr>
           <a:xfrm>
             <a:off x="1546200" y="1966680"/>
-            <a:ext cx="9325440" cy="4656960"/>
+            <a:ext cx="9325080" cy="4656600"/>
           </a:xfrm>
           <a:prstGeom prst="rect">
             <a:avLst/>
@@ -4074,7 +4080,7 @@
             </a:endParaRPr>
           </a:p>
           <a:p>
-            <a:pPr marL="91440" indent="-90720" algn="just">
+            <a:pPr marL="91440" indent="-90360" algn="just">
               <a:lnSpc>
                 <a:spcPct val="100000"/>
               </a:lnSpc>
@@ -4096,6 +4102,7 @@
                   <a:srgbClr val="45869e"/>
                 </a:solidFill>
                 <a:latin typeface="Calibri Light"/>
+                <a:ea typeface="DejaVu Sans"/>
               </a:rPr>
               <a:t> </a:t>
             </a:r>
@@ -4105,6 +4112,7 @@
                   <a:srgbClr val="45869e"/>
                 </a:solidFill>
                 <a:latin typeface="Calibri"/>
+                <a:ea typeface="DejaVu Sans"/>
               </a:rPr>
               <a:t>Impedância elétrica (GB, GV e PLT);</a:t>
             </a:r>
@@ -4113,7 +4121,7 @@
             </a:endParaRPr>
           </a:p>
           <a:p>
-            <a:pPr marL="91440" indent="-90720" algn="just">
+            <a:pPr marL="91440" indent="-90360" algn="just">
               <a:lnSpc>
                 <a:spcPct val="100000"/>
               </a:lnSpc>
@@ -4135,6 +4143,7 @@
                   <a:srgbClr val="45869e"/>
                 </a:solidFill>
                 <a:latin typeface="Calibri"/>
+                <a:ea typeface="DejaVu Sans"/>
               </a:rPr>
               <a:t> </a:t>
             </a:r>
@@ -4144,6 +4153,7 @@
                   <a:srgbClr val="45869e"/>
                 </a:solidFill>
                 <a:latin typeface="Calibri"/>
+                <a:ea typeface="DejaVu Sans"/>
               </a:rPr>
               <a:t>Absorbância de luz (HGB);</a:t>
             </a:r>
@@ -4236,7 +4246,7 @@
       </p:grpSpPr>
       <p:pic>
         <p:nvPicPr>
-          <p:cNvPr id="118" name="Imagem 1" descr=""/>
+          <p:cNvPr id="124" name="Imagem 1" descr=""/>
           <p:cNvPicPr/>
           <p:nvPr/>
         </p:nvPicPr>
@@ -4247,7 +4257,7 @@
         <p:spPr>
           <a:xfrm>
             <a:off x="0" y="0"/>
-            <a:ext cx="12191400" cy="6857280"/>
+            <a:ext cx="12191040" cy="6856920"/>
           </a:xfrm>
           <a:prstGeom prst="rect">
             <a:avLst/>
@@ -4259,14 +4269,14 @@
       </p:pic>
       <p:sp>
         <p:nvSpPr>
-          <p:cNvPr id="119" name="CustomShape 1"/>
+          <p:cNvPr id="125" name="CustomShape 1"/>
           <p:cNvSpPr/>
           <p:nvPr/>
         </p:nvSpPr>
         <p:spPr>
           <a:xfrm>
             <a:off x="888120" y="1066680"/>
-            <a:ext cx="10514880" cy="848520"/>
+            <a:ext cx="10514520" cy="848160"/>
           </a:xfrm>
           <a:prstGeom prst="rect">
             <a:avLst/>
@@ -4293,11 +4303,12 @@
               </a:lnSpc>
             </a:pPr>
             <a:r>
-              <a:rPr b="1" lang="pt-BR" sz="4000" spc="-46" strike="noStrike">
+              <a:rPr b="1" lang="pt-BR" sz="4000" spc="-43" strike="noStrike">
                 <a:solidFill>
                   <a:srgbClr val="45869e"/>
                 </a:solidFill>
                 <a:latin typeface="Calibri Light"/>
+                <a:ea typeface="DejaVu Sans"/>
               </a:rPr>
               <a:t>Diodo</a:t>
             </a:r>
@@ -4309,14 +4320,14 @@
       </p:sp>
       <p:sp>
         <p:nvSpPr>
-          <p:cNvPr id="120" name="CustomShape 2"/>
+          <p:cNvPr id="126" name="CustomShape 2"/>
           <p:cNvSpPr/>
           <p:nvPr/>
         </p:nvSpPr>
         <p:spPr>
           <a:xfrm>
             <a:off x="1546200" y="1966680"/>
-            <a:ext cx="9325440" cy="4656960"/>
+            <a:ext cx="9325080" cy="4656600"/>
           </a:xfrm>
           <a:prstGeom prst="rect">
             <a:avLst/>
@@ -4353,7 +4364,7 @@
             </a:endParaRPr>
           </a:p>
           <a:p>
-            <a:pPr marL="91440" indent="-90720" algn="just">
+            <a:pPr marL="91440" indent="-90360" algn="just">
               <a:lnSpc>
                 <a:spcPct val="100000"/>
               </a:lnSpc>
@@ -4375,6 +4386,7 @@
                   <a:srgbClr val="45869e"/>
                 </a:solidFill>
                 <a:latin typeface="Calibri Light"/>
+                <a:ea typeface="DejaVu Sans"/>
               </a:rPr>
               <a:t> </a:t>
             </a:r>
@@ -4384,6 +4396,7 @@
                   <a:srgbClr val="45869e"/>
                 </a:solidFill>
                 <a:latin typeface="Calibri"/>
+                <a:ea typeface="DejaVu Sans"/>
               </a:rPr>
               <a:t>Impedância elétrica (GB, GV e PLT);</a:t>
             </a:r>
@@ -4392,7 +4405,7 @@
             </a:endParaRPr>
           </a:p>
           <a:p>
-            <a:pPr marL="91440" indent="-90720" algn="just">
+            <a:pPr marL="91440" indent="-90360" algn="just">
               <a:lnSpc>
                 <a:spcPct val="100000"/>
               </a:lnSpc>
@@ -4414,6 +4427,7 @@
                   <a:srgbClr val="45869e"/>
                 </a:solidFill>
                 <a:latin typeface="Calibri"/>
+                <a:ea typeface="DejaVu Sans"/>
               </a:rPr>
               <a:t> </a:t>
             </a:r>
@@ -4423,6 +4437,7 @@
                   <a:srgbClr val="45869e"/>
                 </a:solidFill>
                 <a:latin typeface="Calibri"/>
+                <a:ea typeface="DejaVu Sans"/>
               </a:rPr>
               <a:t>Absorbância de luz (HGB);</a:t>
             </a:r>
@@ -4515,7 +4530,7 @@
       </p:grpSpPr>
       <p:pic>
         <p:nvPicPr>
-          <p:cNvPr id="121" name="Imagem 1" descr=""/>
+          <p:cNvPr id="127" name="Imagem 1" descr=""/>
           <p:cNvPicPr/>
           <p:nvPr/>
         </p:nvPicPr>
@@ -4526,7 +4541,7 @@
         <p:spPr>
           <a:xfrm>
             <a:off x="0" y="0"/>
-            <a:ext cx="12191400" cy="6857280"/>
+            <a:ext cx="12191040" cy="6856920"/>
           </a:xfrm>
           <a:prstGeom prst="rect">
             <a:avLst/>
@@ -4538,14 +4553,14 @@
       </p:pic>
       <p:sp>
         <p:nvSpPr>
-          <p:cNvPr id="122" name="CustomShape 1"/>
+          <p:cNvPr id="128" name="CustomShape 1"/>
           <p:cNvSpPr/>
           <p:nvPr/>
         </p:nvSpPr>
         <p:spPr>
           <a:xfrm>
             <a:off x="888120" y="1066680"/>
-            <a:ext cx="10514880" cy="848520"/>
+            <a:ext cx="10514520" cy="848160"/>
           </a:xfrm>
           <a:prstGeom prst="rect">
             <a:avLst/>
@@ -4572,11 +4587,12 @@
               </a:lnSpc>
             </a:pPr>
             <a:r>
-              <a:rPr b="1" lang="pt-BR" sz="4000" spc="-46" strike="noStrike">
+              <a:rPr b="1" lang="pt-BR" sz="4000" spc="-43" strike="noStrike">
                 <a:solidFill>
                   <a:srgbClr val="45869e"/>
                 </a:solidFill>
                 <a:latin typeface="Calibri Light"/>
+                <a:ea typeface="DejaVu Sans"/>
               </a:rPr>
               <a:t>LED</a:t>
             </a:r>
@@ -4588,14 +4604,14 @@
       </p:sp>
       <p:sp>
         <p:nvSpPr>
-          <p:cNvPr id="123" name="CustomShape 2"/>
+          <p:cNvPr id="129" name="CustomShape 2"/>
           <p:cNvSpPr/>
           <p:nvPr/>
         </p:nvSpPr>
         <p:spPr>
           <a:xfrm>
             <a:off x="1546200" y="1966680"/>
-            <a:ext cx="9325440" cy="4656960"/>
+            <a:ext cx="9325080" cy="4656600"/>
           </a:xfrm>
           <a:prstGeom prst="rect">
             <a:avLst/>
@@ -4632,7 +4648,7 @@
             </a:endParaRPr>
           </a:p>
           <a:p>
-            <a:pPr marL="91440" indent="-90720" algn="just">
+            <a:pPr marL="91440" indent="-90360" algn="just">
               <a:lnSpc>
                 <a:spcPct val="100000"/>
               </a:lnSpc>
@@ -4654,6 +4670,7 @@
                   <a:srgbClr val="45869e"/>
                 </a:solidFill>
                 <a:latin typeface="Calibri Light"/>
+                <a:ea typeface="DejaVu Sans"/>
               </a:rPr>
               <a:t> </a:t>
             </a:r>
@@ -4663,6 +4680,7 @@
                   <a:srgbClr val="45869e"/>
                 </a:solidFill>
                 <a:latin typeface="Calibri"/>
+                <a:ea typeface="DejaVu Sans"/>
               </a:rPr>
               <a:t>Impedância elétrica (GB, GV e PLT);</a:t>
             </a:r>
@@ -4671,7 +4689,7 @@
             </a:endParaRPr>
           </a:p>
           <a:p>
-            <a:pPr marL="91440" indent="-90720" algn="just">
+            <a:pPr marL="91440" indent="-90360" algn="just">
               <a:lnSpc>
                 <a:spcPct val="100000"/>
               </a:lnSpc>
@@ -4693,6 +4711,7 @@
                   <a:srgbClr val="45869e"/>
                 </a:solidFill>
                 <a:latin typeface="Calibri"/>
+                <a:ea typeface="DejaVu Sans"/>
               </a:rPr>
               <a:t> </a:t>
             </a:r>
@@ -4702,6 +4721,7 @@
                   <a:srgbClr val="45869e"/>
                 </a:solidFill>
                 <a:latin typeface="Calibri"/>
+                <a:ea typeface="DejaVu Sans"/>
               </a:rPr>
               <a:t>Absorbância de luz (HGB);</a:t>
             </a:r>
@@ -4794,7 +4814,7 @@
       </p:grpSpPr>
       <p:pic>
         <p:nvPicPr>
-          <p:cNvPr id="124" name="Imagem 1" descr=""/>
+          <p:cNvPr id="130" name="Imagem 1" descr=""/>
           <p:cNvPicPr/>
           <p:nvPr/>
         </p:nvPicPr>
@@ -4805,7 +4825,7 @@
         <p:spPr>
           <a:xfrm>
             <a:off x="0" y="0"/>
-            <a:ext cx="12191400" cy="6857280"/>
+            <a:ext cx="12191040" cy="6856920"/>
           </a:xfrm>
           <a:prstGeom prst="rect">
             <a:avLst/>
@@ -4817,14 +4837,14 @@
       </p:pic>
       <p:sp>
         <p:nvSpPr>
-          <p:cNvPr id="125" name="CustomShape 1"/>
+          <p:cNvPr id="131" name="CustomShape 1"/>
           <p:cNvSpPr/>
           <p:nvPr/>
         </p:nvSpPr>
         <p:spPr>
           <a:xfrm>
             <a:off x="888120" y="1066680"/>
-            <a:ext cx="10514880" cy="848520"/>
+            <a:ext cx="10514520" cy="848160"/>
           </a:xfrm>
           <a:prstGeom prst="rect">
             <a:avLst/>
@@ -4851,11 +4871,12 @@
               </a:lnSpc>
             </a:pPr>
             <a:r>
-              <a:rPr b="1" lang="pt-BR" sz="4000" spc="-46" strike="noStrike">
+              <a:rPr b="1" lang="pt-BR" sz="4000" spc="-43" strike="noStrike">
                 <a:solidFill>
                   <a:srgbClr val="45869e"/>
                 </a:solidFill>
                 <a:latin typeface="Calibri Light"/>
+                <a:ea typeface="DejaVu Sans"/>
               </a:rPr>
               <a:t>Transistor (MOSFET?)</a:t>
             </a:r>
@@ -4867,14 +4888,14 @@
       </p:sp>
       <p:sp>
         <p:nvSpPr>
-          <p:cNvPr id="126" name="CustomShape 2"/>
+          <p:cNvPr id="132" name="CustomShape 2"/>
           <p:cNvSpPr/>
           <p:nvPr/>
         </p:nvSpPr>
         <p:spPr>
           <a:xfrm>
             <a:off x="1546200" y="1966680"/>
-            <a:ext cx="9325440" cy="4656960"/>
+            <a:ext cx="9325080" cy="4656600"/>
           </a:xfrm>
           <a:prstGeom prst="rect">
             <a:avLst/>
@@ -4911,7 +4932,7 @@
             </a:endParaRPr>
           </a:p>
           <a:p>
-            <a:pPr marL="91440" indent="-90720" algn="just">
+            <a:pPr marL="91440" indent="-90360" algn="just">
               <a:lnSpc>
                 <a:spcPct val="100000"/>
               </a:lnSpc>
@@ -4933,6 +4954,7 @@
                   <a:srgbClr val="45869e"/>
                 </a:solidFill>
                 <a:latin typeface="Calibri Light"/>
+                <a:ea typeface="DejaVu Sans"/>
               </a:rPr>
               <a:t> </a:t>
             </a:r>
@@ -4942,6 +4964,7 @@
                   <a:srgbClr val="45869e"/>
                 </a:solidFill>
                 <a:latin typeface="Calibri"/>
+                <a:ea typeface="DejaVu Sans"/>
               </a:rPr>
               <a:t>Impedância elétrica (GB, GV e PLT);</a:t>
             </a:r>
@@ -4950,7 +4973,7 @@
             </a:endParaRPr>
           </a:p>
           <a:p>
-            <a:pPr marL="91440" indent="-90720" algn="just">
+            <a:pPr marL="91440" indent="-90360" algn="just">
               <a:lnSpc>
                 <a:spcPct val="100000"/>
               </a:lnSpc>
@@ -4972,6 +4995,7 @@
                   <a:srgbClr val="45869e"/>
                 </a:solidFill>
                 <a:latin typeface="Calibri"/>
+                <a:ea typeface="DejaVu Sans"/>
               </a:rPr>
               <a:t> </a:t>
             </a:r>
@@ -4981,6 +5005,7 @@
                   <a:srgbClr val="45869e"/>
                 </a:solidFill>
                 <a:latin typeface="Calibri"/>
+                <a:ea typeface="DejaVu Sans"/>
               </a:rPr>
               <a:t>Absorbância de luz (HGB);</a:t>
             </a:r>
@@ -5073,7 +5098,7 @@
       </p:grpSpPr>
       <p:pic>
         <p:nvPicPr>
-          <p:cNvPr id="127" name="Imagem 1" descr=""/>
+          <p:cNvPr id="133" name="Imagem 1" descr=""/>
           <p:cNvPicPr/>
           <p:nvPr/>
         </p:nvPicPr>
@@ -5084,7 +5109,7 @@
         <p:spPr>
           <a:xfrm>
             <a:off x="0" y="0"/>
-            <a:ext cx="12191400" cy="6857280"/>
+            <a:ext cx="12191040" cy="6856920"/>
           </a:xfrm>
           <a:prstGeom prst="rect">
             <a:avLst/>
@@ -5096,14 +5121,14 @@
       </p:pic>
       <p:sp>
         <p:nvSpPr>
-          <p:cNvPr id="128" name="CustomShape 1"/>
+          <p:cNvPr id="134" name="CustomShape 1"/>
           <p:cNvSpPr/>
           <p:nvPr/>
         </p:nvSpPr>
         <p:spPr>
           <a:xfrm>
             <a:off x="888120" y="1066680"/>
-            <a:ext cx="10514880" cy="848520"/>
+            <a:ext cx="10514520" cy="848160"/>
           </a:xfrm>
           <a:prstGeom prst="rect">
             <a:avLst/>
@@ -5130,11 +5155,12 @@
               </a:lnSpc>
             </a:pPr>
             <a:r>
-              <a:rPr b="1" lang="pt-BR" sz="4000" spc="-46" strike="noStrike">
+              <a:rPr b="1" lang="pt-BR" sz="4000" spc="-43" strike="noStrike">
                 <a:solidFill>
                   <a:srgbClr val="45869e"/>
                 </a:solidFill>
                 <a:latin typeface="Calibri Light"/>
+                <a:ea typeface="DejaVu Sans"/>
               </a:rPr>
               <a:t>Circuito Integrado</a:t>
             </a:r>
@@ -5146,14 +5172,14 @@
       </p:sp>
       <p:sp>
         <p:nvSpPr>
-          <p:cNvPr id="129" name="CustomShape 2"/>
+          <p:cNvPr id="135" name="CustomShape 2"/>
           <p:cNvSpPr/>
           <p:nvPr/>
         </p:nvSpPr>
         <p:spPr>
           <a:xfrm>
             <a:off x="1546200" y="1966680"/>
-            <a:ext cx="9325440" cy="4656960"/>
+            <a:ext cx="9325080" cy="4656600"/>
           </a:xfrm>
           <a:prstGeom prst="rect">
             <a:avLst/>
@@ -5190,7 +5216,7 @@
             </a:endParaRPr>
           </a:p>
           <a:p>
-            <a:pPr marL="91440" indent="-90720" algn="just">
+            <a:pPr marL="91440" indent="-90360" algn="just">
               <a:lnSpc>
                 <a:spcPct val="100000"/>
               </a:lnSpc>
@@ -5212,6 +5238,7 @@
                   <a:srgbClr val="45869e"/>
                 </a:solidFill>
                 <a:latin typeface="Calibri Light"/>
+                <a:ea typeface="DejaVu Sans"/>
               </a:rPr>
               <a:t> </a:t>
             </a:r>
@@ -5221,6 +5248,7 @@
                   <a:srgbClr val="45869e"/>
                 </a:solidFill>
                 <a:latin typeface="Calibri"/>
+                <a:ea typeface="DejaVu Sans"/>
               </a:rPr>
               <a:t>Impedância elétrica (GB, GV e PLT);</a:t>
             </a:r>
@@ -5229,7 +5257,7 @@
             </a:endParaRPr>
           </a:p>
           <a:p>
-            <a:pPr marL="91440" indent="-90720" algn="just">
+            <a:pPr marL="91440" indent="-90360" algn="just">
               <a:lnSpc>
                 <a:spcPct val="100000"/>
               </a:lnSpc>
@@ -5251,6 +5279,7 @@
                   <a:srgbClr val="45869e"/>
                 </a:solidFill>
                 <a:latin typeface="Calibri"/>
+                <a:ea typeface="DejaVu Sans"/>
               </a:rPr>
               <a:t> </a:t>
             </a:r>
@@ -5260,6 +5289,7 @@
                   <a:srgbClr val="45869e"/>
                 </a:solidFill>
                 <a:latin typeface="Calibri"/>
+                <a:ea typeface="DejaVu Sans"/>
               </a:rPr>
               <a:t>Absorbância de luz (HGB);</a:t>
             </a:r>
@@ -5352,7 +5382,7 @@
       </p:grpSpPr>
       <p:pic>
         <p:nvPicPr>
-          <p:cNvPr id="130" name="Imagem 1" descr=""/>
+          <p:cNvPr id="136" name="Imagem 1" descr=""/>
           <p:cNvPicPr/>
           <p:nvPr/>
         </p:nvPicPr>
@@ -5363,7 +5393,7 @@
         <p:spPr>
           <a:xfrm>
             <a:off x="0" y="0"/>
-            <a:ext cx="12191400" cy="6857280"/>
+            <a:ext cx="12191040" cy="6856920"/>
           </a:xfrm>
           <a:prstGeom prst="rect">
             <a:avLst/>
@@ -5375,14 +5405,14 @@
       </p:pic>
       <p:sp>
         <p:nvSpPr>
-          <p:cNvPr id="131" name="CustomShape 1"/>
+          <p:cNvPr id="137" name="CustomShape 1"/>
           <p:cNvSpPr/>
           <p:nvPr/>
         </p:nvSpPr>
         <p:spPr>
           <a:xfrm>
             <a:off x="888120" y="1066680"/>
-            <a:ext cx="10514880" cy="848520"/>
+            <a:ext cx="10514520" cy="848160"/>
           </a:xfrm>
           <a:prstGeom prst="rect">
             <a:avLst/>
@@ -5409,11 +5439,12 @@
               </a:lnSpc>
             </a:pPr>
             <a:r>
-              <a:rPr b="1" lang="pt-BR" sz="4000" spc="-46" strike="noStrike">
+              <a:rPr b="1" lang="pt-BR" sz="4000" spc="-43" strike="noStrike">
                 <a:solidFill>
                   <a:srgbClr val="45869e"/>
                 </a:solidFill>
                 <a:latin typeface="Calibri Light"/>
+                <a:ea typeface="DejaVu Sans"/>
               </a:rPr>
               <a:t>AMP-OP</a:t>
             </a:r>
@@ -5425,14 +5456,14 @@
       </p:sp>
       <p:sp>
         <p:nvSpPr>
-          <p:cNvPr id="132" name="CustomShape 2"/>
+          <p:cNvPr id="138" name="CustomShape 2"/>
           <p:cNvSpPr/>
           <p:nvPr/>
         </p:nvSpPr>
         <p:spPr>
           <a:xfrm>
             <a:off x="1546200" y="1966680"/>
-            <a:ext cx="9325440" cy="4656960"/>
+            <a:ext cx="9325080" cy="4656600"/>
           </a:xfrm>
           <a:prstGeom prst="rect">
             <a:avLst/>
@@ -5469,7 +5500,7 @@
             </a:endParaRPr>
           </a:p>
           <a:p>
-            <a:pPr marL="91440" indent="-90720" algn="just">
+            <a:pPr marL="91440" indent="-90360" algn="just">
               <a:lnSpc>
                 <a:spcPct val="100000"/>
               </a:lnSpc>
@@ -5491,6 +5522,7 @@
                   <a:srgbClr val="45869e"/>
                 </a:solidFill>
                 <a:latin typeface="Calibri Light"/>
+                <a:ea typeface="DejaVu Sans"/>
               </a:rPr>
               <a:t> </a:t>
             </a:r>
@@ -5500,6 +5532,7 @@
                   <a:srgbClr val="45869e"/>
                 </a:solidFill>
                 <a:latin typeface="Calibri"/>
+                <a:ea typeface="DejaVu Sans"/>
               </a:rPr>
               <a:t>Impedância elétrica (GB, GV e PLT);</a:t>
             </a:r>
@@ -5508,7 +5541,7 @@
             </a:endParaRPr>
           </a:p>
           <a:p>
-            <a:pPr marL="91440" indent="-90720" algn="just">
+            <a:pPr marL="91440" indent="-90360" algn="just">
               <a:lnSpc>
                 <a:spcPct val="100000"/>
               </a:lnSpc>
@@ -5530,6 +5563,7 @@
                   <a:srgbClr val="45869e"/>
                 </a:solidFill>
                 <a:latin typeface="Calibri"/>
+                <a:ea typeface="DejaVu Sans"/>
               </a:rPr>
               <a:t> </a:t>
             </a:r>
@@ -5539,6 +5573,7 @@
                   <a:srgbClr val="45869e"/>
                 </a:solidFill>
                 <a:latin typeface="Calibri"/>
+                <a:ea typeface="DejaVu Sans"/>
               </a:rPr>
               <a:t>Absorbância de luz (HGB);</a:t>
             </a:r>
@@ -5631,7 +5666,7 @@
       </p:grpSpPr>
       <p:pic>
         <p:nvPicPr>
-          <p:cNvPr id="133" name="Imagem 1" descr=""/>
+          <p:cNvPr id="139" name="Imagem 1" descr=""/>
           <p:cNvPicPr/>
           <p:nvPr/>
         </p:nvPicPr>
@@ -5642,7 +5677,7 @@
         <p:spPr>
           <a:xfrm>
             <a:off x="0" y="0"/>
-            <a:ext cx="12191400" cy="6857280"/>
+            <a:ext cx="12191040" cy="6856920"/>
           </a:xfrm>
           <a:prstGeom prst="rect">
             <a:avLst/>
@@ -5654,14 +5689,14 @@
       </p:pic>
       <p:sp>
         <p:nvSpPr>
-          <p:cNvPr id="134" name="CustomShape 1"/>
+          <p:cNvPr id="140" name="CustomShape 1"/>
           <p:cNvSpPr/>
           <p:nvPr/>
         </p:nvSpPr>
         <p:spPr>
           <a:xfrm>
             <a:off x="888120" y="1066680"/>
-            <a:ext cx="10514880" cy="848520"/>
+            <a:ext cx="10514520" cy="848160"/>
           </a:xfrm>
           <a:prstGeom prst="rect">
             <a:avLst/>
@@ -5688,11 +5723,12 @@
               </a:lnSpc>
             </a:pPr>
             <a:r>
-              <a:rPr b="1" lang="pt-BR" sz="4000" spc="-46" strike="noStrike">
+              <a:rPr b="1" lang="pt-BR" sz="4000" spc="-43" strike="noStrike">
                 <a:solidFill>
                   <a:srgbClr val="45869e"/>
                 </a:solidFill>
                 <a:latin typeface="Calibri Light"/>
+                <a:ea typeface="DejaVu Sans"/>
               </a:rPr>
               <a:t>FPGA</a:t>
             </a:r>
@@ -5704,14 +5740,14 @@
       </p:sp>
       <p:sp>
         <p:nvSpPr>
-          <p:cNvPr id="135" name="CustomShape 2"/>
+          <p:cNvPr id="141" name="CustomShape 2"/>
           <p:cNvSpPr/>
           <p:nvPr/>
         </p:nvSpPr>
         <p:spPr>
           <a:xfrm>
             <a:off x="1546200" y="1966680"/>
-            <a:ext cx="9325440" cy="4656960"/>
+            <a:ext cx="9325080" cy="4656600"/>
           </a:xfrm>
           <a:prstGeom prst="rect">
             <a:avLst/>
@@ -5748,7 +5784,7 @@
             </a:endParaRPr>
           </a:p>
           <a:p>
-            <a:pPr marL="91440" indent="-90720" algn="just">
+            <a:pPr marL="91440" indent="-90360" algn="just">
               <a:lnSpc>
                 <a:spcPct val="100000"/>
               </a:lnSpc>
@@ -5770,6 +5806,7 @@
                   <a:srgbClr val="45869e"/>
                 </a:solidFill>
                 <a:latin typeface="Calibri Light"/>
+                <a:ea typeface="DejaVu Sans"/>
               </a:rPr>
               <a:t> </a:t>
             </a:r>
@@ -5779,6 +5816,7 @@
                   <a:srgbClr val="45869e"/>
                 </a:solidFill>
                 <a:latin typeface="Calibri"/>
+                <a:ea typeface="DejaVu Sans"/>
               </a:rPr>
               <a:t>Impedância elétrica (GB, GV e PLT);</a:t>
             </a:r>
@@ -5787,7 +5825,7 @@
             </a:endParaRPr>
           </a:p>
           <a:p>
-            <a:pPr marL="91440" indent="-90720" algn="just">
+            <a:pPr marL="91440" indent="-90360" algn="just">
               <a:lnSpc>
                 <a:spcPct val="100000"/>
               </a:lnSpc>
@@ -5809,6 +5847,7 @@
                   <a:srgbClr val="45869e"/>
                 </a:solidFill>
                 <a:latin typeface="Calibri"/>
+                <a:ea typeface="DejaVu Sans"/>
               </a:rPr>
               <a:t> </a:t>
             </a:r>
@@ -5818,6 +5857,7 @@
                   <a:srgbClr val="45869e"/>
                 </a:solidFill>
                 <a:latin typeface="Calibri"/>
+                <a:ea typeface="DejaVu Sans"/>
               </a:rPr>
               <a:t>Absorbância de luz (HGB);</a:t>
             </a:r>
@@ -5910,7 +5950,7 @@
       </p:grpSpPr>
       <p:pic>
         <p:nvPicPr>
-          <p:cNvPr id="136" name="Imagem 1" descr=""/>
+          <p:cNvPr id="142" name="Imagem 1" descr=""/>
           <p:cNvPicPr/>
           <p:nvPr/>
         </p:nvPicPr>
@@ -5921,7 +5961,7 @@
         <p:spPr>
           <a:xfrm>
             <a:off x="0" y="0"/>
-            <a:ext cx="12191400" cy="6857280"/>
+            <a:ext cx="12191040" cy="6856920"/>
           </a:xfrm>
           <a:prstGeom prst="rect">
             <a:avLst/>
@@ -5933,14 +5973,14 @@
       </p:pic>
       <p:sp>
         <p:nvSpPr>
-          <p:cNvPr id="137" name="CustomShape 1"/>
+          <p:cNvPr id="143" name="CustomShape 1"/>
           <p:cNvSpPr/>
           <p:nvPr/>
         </p:nvSpPr>
         <p:spPr>
           <a:xfrm>
             <a:off x="888120" y="1066680"/>
-            <a:ext cx="10514880" cy="848520"/>
+            <a:ext cx="10514520" cy="848160"/>
           </a:xfrm>
           <a:prstGeom prst="rect">
             <a:avLst/>
@@ -5967,11 +6007,12 @@
               </a:lnSpc>
             </a:pPr>
             <a:r>
-              <a:rPr b="1" lang="pt-BR" sz="4000" spc="-46" strike="noStrike">
+              <a:rPr b="1" lang="pt-BR" sz="4000" spc="-43" strike="noStrike">
                 <a:solidFill>
                   <a:srgbClr val="45869e"/>
                 </a:solidFill>
                 <a:latin typeface="Calibri Light"/>
+                <a:ea typeface="DejaVu Sans"/>
               </a:rPr>
               <a:t>Processador</a:t>
             </a:r>
@@ -5983,14 +6024,14 @@
       </p:sp>
       <p:sp>
         <p:nvSpPr>
-          <p:cNvPr id="138" name="CustomShape 2"/>
+          <p:cNvPr id="144" name="CustomShape 2"/>
           <p:cNvSpPr/>
           <p:nvPr/>
         </p:nvSpPr>
         <p:spPr>
           <a:xfrm>
             <a:off x="1546200" y="1966680"/>
-            <a:ext cx="9325440" cy="4656960"/>
+            <a:ext cx="9325080" cy="4656600"/>
           </a:xfrm>
           <a:prstGeom prst="rect">
             <a:avLst/>
@@ -6027,7 +6068,7 @@
             </a:endParaRPr>
           </a:p>
           <a:p>
-            <a:pPr marL="91440" indent="-90720" algn="just">
+            <a:pPr marL="91440" indent="-90360" algn="just">
               <a:lnSpc>
                 <a:spcPct val="100000"/>
               </a:lnSpc>
@@ -6049,6 +6090,7 @@
                   <a:srgbClr val="45869e"/>
                 </a:solidFill>
                 <a:latin typeface="Calibri Light"/>
+                <a:ea typeface="DejaVu Sans"/>
               </a:rPr>
               <a:t> </a:t>
             </a:r>
@@ -6058,6 +6100,7 @@
                   <a:srgbClr val="45869e"/>
                 </a:solidFill>
                 <a:latin typeface="Calibri"/>
+                <a:ea typeface="DejaVu Sans"/>
               </a:rPr>
               <a:t>Impedância elétrica (GB, GV e PLT);</a:t>
             </a:r>
@@ -6066,7 +6109,7 @@
             </a:endParaRPr>
           </a:p>
           <a:p>
-            <a:pPr marL="91440" indent="-90720" algn="just">
+            <a:pPr marL="91440" indent="-90360" algn="just">
               <a:lnSpc>
                 <a:spcPct val="100000"/>
               </a:lnSpc>
@@ -6088,6 +6131,7 @@
                   <a:srgbClr val="45869e"/>
                 </a:solidFill>
                 <a:latin typeface="Calibri"/>
+                <a:ea typeface="DejaVu Sans"/>
               </a:rPr>
               <a:t> </a:t>
             </a:r>
@@ -6097,6 +6141,7 @@
                   <a:srgbClr val="45869e"/>
                 </a:solidFill>
                 <a:latin typeface="Calibri"/>
+                <a:ea typeface="DejaVu Sans"/>
               </a:rPr>
               <a:t>Absorbância de luz (HGB);</a:t>
             </a:r>
@@ -6189,14 +6234,14 @@
       </p:grpSpPr>
       <p:sp>
         <p:nvSpPr>
-          <p:cNvPr id="139" name="CustomShape 1"/>
+          <p:cNvPr id="145" name="CustomShape 1"/>
           <p:cNvSpPr/>
           <p:nvPr/>
         </p:nvSpPr>
         <p:spPr>
           <a:xfrm>
             <a:off x="1097280" y="286560"/>
-            <a:ext cx="10057680" cy="1450080"/>
+            <a:ext cx="10057320" cy="1449720"/>
           </a:xfrm>
           <a:prstGeom prst="rect">
             <a:avLst/>
@@ -6215,14 +6260,14 @@
       </p:sp>
       <p:sp>
         <p:nvSpPr>
-          <p:cNvPr id="140" name="CustomShape 2"/>
+          <p:cNvPr id="146" name="CustomShape 2"/>
           <p:cNvSpPr/>
           <p:nvPr/>
         </p:nvSpPr>
         <p:spPr>
           <a:xfrm>
             <a:off x="1097280" y="1845720"/>
-            <a:ext cx="10057680" cy="4022640"/>
+            <a:ext cx="10057320" cy="4022280"/>
           </a:xfrm>
           <a:prstGeom prst="rect">
             <a:avLst/>
@@ -6241,7 +6286,7 @@
       </p:sp>
       <p:pic>
         <p:nvPicPr>
-          <p:cNvPr id="141" name="Imagem 1" descr=""/>
+          <p:cNvPr id="147" name="Imagem 1" descr=""/>
           <p:cNvPicPr/>
           <p:nvPr/>
         </p:nvPicPr>
@@ -6252,7 +6297,7 @@
         <p:spPr>
           <a:xfrm>
             <a:off x="0" y="0"/>
-            <a:ext cx="12191400" cy="6857280"/>
+            <a:ext cx="12191040" cy="6856920"/>
           </a:xfrm>
           <a:prstGeom prst="rect">
             <a:avLst/>
@@ -6324,7 +6369,7 @@
         <p:spPr>
           <a:xfrm>
             <a:off x="-14040" y="0"/>
-            <a:ext cx="12205440" cy="6865200"/>
+            <a:ext cx="12205080" cy="6864840"/>
           </a:xfrm>
           <a:prstGeom prst="rect">
             <a:avLst/>
@@ -6343,7 +6388,7 @@
         <p:spPr>
           <a:xfrm>
             <a:off x="1523880" y="3309840"/>
-            <a:ext cx="9143280" cy="2014560"/>
+            <a:ext cx="9142920" cy="2014200"/>
           </a:xfrm>
           <a:prstGeom prst="rect">
             <a:avLst/>
@@ -6381,6 +6426,7 @@
                   <a:srgbClr val="45869e"/>
                 </a:solidFill>
                 <a:latin typeface="Calibri Light"/>
+                <a:ea typeface="DejaVu Sans"/>
               </a:rPr>
               <a:t>Isadora Valadão</a:t>
             </a:r>
@@ -6406,6 +6452,7 @@
                   <a:srgbClr val="45869e"/>
                 </a:solidFill>
                 <a:latin typeface="Calibri Light"/>
+                <a:ea typeface="DejaVu Sans"/>
               </a:rPr>
               <a:t>B</a:t>
             </a:r>
@@ -6415,6 +6462,7 @@
                   <a:srgbClr val="45869e"/>
                 </a:solidFill>
                 <a:latin typeface="Calibri Light"/>
+                <a:ea typeface="DejaVu Sans"/>
               </a:rPr>
               <a:t>iomédica</a:t>
             </a:r>
@@ -6440,6 +6488,7 @@
                   <a:srgbClr val="45869e"/>
                 </a:solidFill>
                 <a:latin typeface="Calibri Light"/>
+                <a:ea typeface="DejaVu Sans"/>
               </a:rPr>
               <a:t>A</a:t>
             </a:r>
@@ -6449,6 +6498,7 @@
                   <a:srgbClr val="45869e"/>
                 </a:solidFill>
                 <a:latin typeface="Calibri Light"/>
+                <a:ea typeface="DejaVu Sans"/>
               </a:rPr>
               <a:t>nalista de </a:t>
             </a:r>
@@ -6458,6 +6508,7 @@
                   <a:srgbClr val="45869e"/>
                 </a:solidFill>
                 <a:latin typeface="Calibri Light"/>
+                <a:ea typeface="DejaVu Sans"/>
               </a:rPr>
               <a:t>P</a:t>
             </a:r>
@@ -6467,6 +6518,7 @@
                   <a:srgbClr val="45869e"/>
                 </a:solidFill>
                 <a:latin typeface="Calibri Light"/>
+                <a:ea typeface="DejaVu Sans"/>
               </a:rPr>
               <a:t>esquisa e </a:t>
             </a:r>
@@ -6476,6 +6528,7 @@
                   <a:srgbClr val="45869e"/>
                 </a:solidFill>
                 <a:latin typeface="Calibri Light"/>
+                <a:ea typeface="DejaVu Sans"/>
               </a:rPr>
               <a:t>D</a:t>
             </a:r>
@@ -6485,6 +6538,7 @@
                   <a:srgbClr val="45869e"/>
                 </a:solidFill>
                 <a:latin typeface="Calibri Light"/>
+                <a:ea typeface="DejaVu Sans"/>
               </a:rPr>
               <a:t>esenvolvimento</a:t>
             </a:r>
@@ -6510,6 +6564,7 @@
                   <a:srgbClr val="45869e"/>
                 </a:solidFill>
                 <a:latin typeface="Calibri Light"/>
+                <a:ea typeface="DejaVu Sans"/>
               </a:rPr>
               <a:t>S</a:t>
             </a:r>
@@ -6519,6 +6574,7 @@
                   <a:srgbClr val="45869e"/>
                 </a:solidFill>
                 <a:latin typeface="Calibri Light"/>
+                <a:ea typeface="DejaVu Sans"/>
               </a:rPr>
               <a:t>etor</a:t>
             </a:r>
@@ -6528,6 +6584,7 @@
                   <a:srgbClr val="45869e"/>
                 </a:solidFill>
                 <a:latin typeface="Calibri Light"/>
+                <a:ea typeface="DejaVu Sans"/>
               </a:rPr>
               <a:t>: P</a:t>
             </a:r>
@@ -6537,6 +6594,7 @@
                   <a:srgbClr val="45869e"/>
                 </a:solidFill>
                 <a:latin typeface="Calibri Light"/>
+                <a:ea typeface="DejaVu Sans"/>
               </a:rPr>
               <a:t>esquisa e </a:t>
             </a:r>
@@ -6546,6 +6604,7 @@
                   <a:srgbClr val="45869e"/>
                 </a:solidFill>
                 <a:latin typeface="Calibri Light"/>
+                <a:ea typeface="DejaVu Sans"/>
               </a:rPr>
               <a:t>D</a:t>
             </a:r>
@@ -6555,6 +6614,7 @@
                   <a:srgbClr val="45869e"/>
                 </a:solidFill>
                 <a:latin typeface="Calibri Light"/>
+                <a:ea typeface="DejaVu Sans"/>
               </a:rPr>
               <a:t>esenvolvimento</a:t>
             </a:r>
@@ -6580,6 +6640,7 @@
                   <a:srgbClr val="45869e"/>
                 </a:solidFill>
                 <a:latin typeface="Calibri Light"/>
+                <a:ea typeface="DejaVu Sans"/>
               </a:rPr>
               <a:t>i.valadao@diagno.ind.br</a:t>
             </a:r>
@@ -6602,7 +6663,7 @@
         <p:spPr>
           <a:xfrm>
             <a:off x="5537880" y="1990800"/>
-            <a:ext cx="1116000" cy="1116000"/>
+            <a:ext cx="1115640" cy="1115640"/>
           </a:xfrm>
           <a:prstGeom prst="rect">
             <a:avLst/>
@@ -6661,39 +6722,16 @@
           <a:chExt cx="0" cy="0"/>
         </a:xfrm>
       </p:grpSpPr>
-      <p:pic>
-        <p:nvPicPr>
-          <p:cNvPr id="91" name="Imagem 1" descr=""/>
-          <p:cNvPicPr/>
-          <p:nvPr/>
-        </p:nvPicPr>
-        <p:blipFill>
-          <a:blip r:embed="rId1"/>
-          <a:stretch/>
-        </p:blipFill>
-        <p:spPr>
-          <a:xfrm>
-            <a:off x="0" y="0"/>
-            <a:ext cx="12191400" cy="6857280"/>
-          </a:xfrm>
-          <a:prstGeom prst="rect">
-            <a:avLst/>
-          </a:prstGeom>
-          <a:ln w="9360">
-            <a:noFill/>
-          </a:ln>
-        </p:spPr>
-      </p:pic>
-      <p:sp>
-        <p:nvSpPr>
-          <p:cNvPr id="92" name="CustomShape 1"/>
+      <p:sp>
+        <p:nvSpPr>
+          <p:cNvPr id="91" name="CustomShape 1"/>
           <p:cNvSpPr/>
           <p:nvPr/>
         </p:nvSpPr>
         <p:spPr>
           <a:xfrm>
             <a:off x="888120" y="1066680"/>
-            <a:ext cx="10514880" cy="848520"/>
+            <a:ext cx="10514520" cy="848160"/>
           </a:xfrm>
           <a:prstGeom prst="rect">
             <a:avLst/>
@@ -6720,11 +6758,12 @@
               </a:lnSpc>
             </a:pPr>
             <a:r>
-              <a:rPr b="1" lang="pt-BR" sz="4000" spc="-46" strike="noStrike">
+              <a:rPr b="1" lang="pt-BR" sz="4000" spc="-43" strike="noStrike">
                 <a:solidFill>
                   <a:srgbClr val="45869e"/>
                 </a:solidFill>
                 <a:latin typeface="Calibri Light"/>
+                <a:ea typeface="DejaVu Sans"/>
               </a:rPr>
               <a:t>Carga</a:t>
             </a:r>
@@ -6736,14 +6775,14 @@
       </p:sp>
       <p:sp>
         <p:nvSpPr>
-          <p:cNvPr id="93" name="CustomShape 2"/>
+          <p:cNvPr id="92" name="CustomShape 2"/>
           <p:cNvSpPr/>
           <p:nvPr/>
         </p:nvSpPr>
         <p:spPr>
           <a:xfrm>
             <a:off x="1546200" y="1966680"/>
-            <a:ext cx="9325440" cy="4656960"/>
+            <a:ext cx="9325080" cy="4656600"/>
           </a:xfrm>
           <a:prstGeom prst="rect">
             <a:avLst/>
@@ -6780,7 +6819,7 @@
             </a:endParaRPr>
           </a:p>
           <a:p>
-            <a:pPr marL="91440" indent="-90720" algn="just">
+            <a:pPr marL="91440" indent="-90360" algn="just">
               <a:lnSpc>
                 <a:spcPct val="100000"/>
               </a:lnSpc>
@@ -6802,6 +6841,7 @@
                   <a:srgbClr val="45869e"/>
                 </a:solidFill>
                 <a:latin typeface="Calibri Light"/>
+                <a:ea typeface="DejaVu Sans"/>
               </a:rPr>
               <a:t> </a:t>
             </a:r>
@@ -6843,6 +6883,335 @@
           </a:p>
         </p:txBody>
       </p:sp>
+      <p:pic>
+        <p:nvPicPr>
+          <p:cNvPr id="93" name="" descr=""/>
+          <p:cNvPicPr/>
+          <p:nvPr/>
+        </p:nvPicPr>
+        <p:blipFill>
+          <a:blip r:embed="rId1"/>
+          <a:stretch/>
+        </p:blipFill>
+        <p:spPr>
+          <a:xfrm>
+            <a:off x="1944000" y="3096000"/>
+            <a:ext cx="2666520" cy="1723680"/>
+          </a:xfrm>
+          <a:prstGeom prst="rect">
+            <a:avLst/>
+          </a:prstGeom>
+          <a:ln>
+            <a:noFill/>
+          </a:ln>
+        </p:spPr>
+      </p:pic>
+      <p:sp>
+        <p:nvSpPr>
+          <p:cNvPr id="94" name="CustomShape 3"/>
+          <p:cNvSpPr/>
+          <p:nvPr/>
+        </p:nvSpPr>
+        <p:spPr>
+          <a:xfrm rot="48000">
+            <a:off x="4518360" y="2569320"/>
+            <a:ext cx="7128720" cy="2429280"/>
+          </a:xfrm>
+          <a:prstGeom prst="rect">
+            <a:avLst/>
+          </a:prstGeom>
+          <a:noFill/>
+          <a:ln>
+            <a:noFill/>
+          </a:ln>
+        </p:spPr>
+        <p:style>
+          <a:lnRef idx="0"/>
+          <a:fillRef idx="0"/>
+          <a:effectRef idx="0"/>
+          <a:fontRef idx="minor"/>
+        </p:style>
+      </p:sp>
+      <p:sp>
+        <p:nvSpPr>
+          <p:cNvPr id="95" name="CustomShape 4"/>
+          <p:cNvSpPr/>
+          <p:nvPr/>
+        </p:nvSpPr>
+        <p:spPr>
+          <a:xfrm>
+            <a:off x="4320000" y="2016000"/>
+            <a:ext cx="6551280" cy="3816000"/>
+          </a:xfrm>
+          <a:prstGeom prst="rect">
+            <a:avLst/>
+          </a:prstGeom>
+          <a:noFill/>
+          <a:ln>
+            <a:noFill/>
+          </a:ln>
+        </p:spPr>
+        <p:style>
+          <a:lnRef idx="0"/>
+          <a:fillRef idx="0"/>
+          <a:effectRef idx="0"/>
+          <a:fontRef idx="minor"/>
+        </p:style>
+        <p:txBody>
+          <a:bodyPr lIns="0" rIns="0" tIns="45000" bIns="45000">
+            <a:normAutofit/>
+          </a:bodyPr>
+          <a:p>
+            <a:pPr algn="ctr">
+              <a:lnSpc>
+                <a:spcPct val="100000"/>
+              </a:lnSpc>
+              <a:spcBef>
+                <a:spcPts val="1199"/>
+              </a:spcBef>
+              <a:spcAft>
+                <a:spcPts val="201"/>
+              </a:spcAft>
+            </a:pPr>
+            <a:endParaRPr b="0" lang="pt-BR" sz="1800" spc="-1" strike="noStrike">
+              <a:latin typeface="Arial"/>
+            </a:endParaRPr>
+          </a:p>
+          <a:p>
+            <a:pPr marL="91440" indent="-90360" algn="just">
+              <a:lnSpc>
+                <a:spcPct val="100000"/>
+              </a:lnSpc>
+              <a:spcBef>
+                <a:spcPts val="1199"/>
+              </a:spcBef>
+              <a:spcAft>
+                <a:spcPts val="201"/>
+              </a:spcAft>
+              <a:buClr>
+                <a:srgbClr val="124163"/>
+              </a:buClr>
+              <a:buFont typeface="Arial"/>
+              <a:buChar char="•"/>
+            </a:pPr>
+            <a:r>
+              <a:rPr b="0" lang="pt-BR" sz="1800" spc="-1" strike="noStrike">
+                <a:solidFill>
+                  <a:srgbClr val="45869e"/>
+                </a:solidFill>
+                <a:latin typeface="Calibri"/>
+                <a:ea typeface="DejaVu Sans"/>
+              </a:rPr>
+              <a:t>Positiva</a:t>
+            </a:r>
+            <a:endParaRPr b="0" lang="pt-BR" sz="1800" spc="-1" strike="noStrike">
+              <a:latin typeface="Arial"/>
+            </a:endParaRPr>
+          </a:p>
+          <a:p>
+            <a:pPr marL="91440" indent="-90360" algn="just">
+              <a:lnSpc>
+                <a:spcPct val="100000"/>
+              </a:lnSpc>
+              <a:spcBef>
+                <a:spcPts val="1199"/>
+              </a:spcBef>
+              <a:spcAft>
+                <a:spcPts val="201"/>
+              </a:spcAft>
+              <a:buClr>
+                <a:srgbClr val="124163"/>
+              </a:buClr>
+              <a:buFont typeface="Arial"/>
+              <a:buChar char="•"/>
+            </a:pPr>
+            <a:r>
+              <a:rPr b="0" lang="pt-BR" sz="1800" spc="-1" strike="noStrike">
+                <a:solidFill>
+                  <a:srgbClr val="45869e"/>
+                </a:solidFill>
+                <a:latin typeface="Calibri"/>
+                <a:ea typeface="DejaVu Sans"/>
+              </a:rPr>
+              <a:t>Negativa</a:t>
+            </a:r>
+            <a:endParaRPr b="0" lang="pt-BR" sz="1800" spc="-1" strike="noStrike">
+              <a:latin typeface="Arial"/>
+            </a:endParaRPr>
+          </a:p>
+          <a:p>
+            <a:pPr marL="91440" indent="-90360" algn="just">
+              <a:lnSpc>
+                <a:spcPct val="100000"/>
+              </a:lnSpc>
+              <a:spcBef>
+                <a:spcPts val="1199"/>
+              </a:spcBef>
+              <a:spcAft>
+                <a:spcPts val="201"/>
+              </a:spcAft>
+              <a:buClr>
+                <a:srgbClr val="124163"/>
+              </a:buClr>
+              <a:buFont typeface="Arial"/>
+              <a:buChar char="•"/>
+            </a:pPr>
+            <a:r>
+              <a:rPr b="0" lang="pt-BR" sz="1800" spc="-1" strike="noStrike">
+                <a:solidFill>
+                  <a:srgbClr val="45869e"/>
+                </a:solidFill>
+                <a:latin typeface="Calibri"/>
+                <a:ea typeface="DejaVu Sans"/>
+              </a:rPr>
+              <a:t>Unidade no SI = C (Coulomb)</a:t>
+            </a:r>
+            <a:endParaRPr b="0" lang="pt-BR" sz="1800" spc="-1" strike="noStrike">
+              <a:latin typeface="Arial"/>
+            </a:endParaRPr>
+          </a:p>
+          <a:p>
+            <a:pPr marL="91440" indent="-90360" algn="just">
+              <a:lnSpc>
+                <a:spcPct val="100000"/>
+              </a:lnSpc>
+              <a:spcBef>
+                <a:spcPts val="1199"/>
+              </a:spcBef>
+              <a:spcAft>
+                <a:spcPts val="201"/>
+              </a:spcAft>
+              <a:buClr>
+                <a:srgbClr val="124163"/>
+              </a:buClr>
+              <a:buFont typeface="Arial"/>
+              <a:buChar char="•"/>
+            </a:pPr>
+            <a:r>
+              <a:rPr b="0" lang="pt-BR" sz="1800" spc="-1" strike="noStrike">
+                <a:solidFill>
+                  <a:srgbClr val="45869e"/>
+                </a:solidFill>
+                <a:latin typeface="Calibri"/>
+                <a:ea typeface="DejaVu Sans"/>
+              </a:rPr>
+              <a:t>Campo elétrico</a:t>
+            </a:r>
+            <a:endParaRPr b="0" lang="pt-BR" sz="1800" spc="-1" strike="noStrike">
+              <a:latin typeface="Arial"/>
+            </a:endParaRPr>
+          </a:p>
+          <a:p>
+            <a:pPr marL="91440" indent="-90360" algn="just">
+              <a:lnSpc>
+                <a:spcPct val="100000"/>
+              </a:lnSpc>
+              <a:spcBef>
+                <a:spcPts val="1199"/>
+              </a:spcBef>
+              <a:spcAft>
+                <a:spcPts val="201"/>
+              </a:spcAft>
+              <a:buClr>
+                <a:srgbClr val="124163"/>
+              </a:buClr>
+              <a:buFont typeface="Arial"/>
+              <a:buChar char="•"/>
+            </a:pPr>
+            <a:r>
+              <a:rPr b="0" lang="pt-BR" sz="1800" spc="-1" strike="noStrike">
+                <a:solidFill>
+                  <a:srgbClr val="45869e"/>
+                </a:solidFill>
+                <a:latin typeface="Calibri"/>
+                <a:ea typeface="DejaVu Sans"/>
+              </a:rPr>
+              <a:t> </a:t>
+            </a:r>
+            <a:endParaRPr b="0" lang="pt-BR" sz="1800" spc="-1" strike="noStrike">
+              <a:latin typeface="Arial"/>
+            </a:endParaRPr>
+          </a:p>
+          <a:p>
+            <a:pPr algn="just">
+              <a:lnSpc>
+                <a:spcPct val="150000"/>
+              </a:lnSpc>
+              <a:spcBef>
+                <a:spcPts val="1199"/>
+              </a:spcBef>
+              <a:spcAft>
+                <a:spcPts val="201"/>
+              </a:spcAft>
+            </a:pPr>
+            <a:endParaRPr b="0" lang="pt-BR" sz="1800" spc="-1" strike="noStrike">
+              <a:latin typeface="Arial"/>
+            </a:endParaRPr>
+          </a:p>
+          <a:p>
+            <a:pPr algn="just">
+              <a:lnSpc>
+                <a:spcPct val="150000"/>
+              </a:lnSpc>
+              <a:spcBef>
+                <a:spcPts val="1199"/>
+              </a:spcBef>
+              <a:spcAft>
+                <a:spcPts val="201"/>
+              </a:spcAft>
+            </a:pPr>
+            <a:endParaRPr b="0" lang="pt-BR" sz="1800" spc="-1" strike="noStrike">
+              <a:latin typeface="Arial"/>
+            </a:endParaRPr>
+          </a:p>
+        </p:txBody>
+      </p:sp>
+      <p:pic>
+        <p:nvPicPr>
+          <p:cNvPr id="96" name="" descr=""/>
+          <p:cNvPicPr/>
+          <p:nvPr/>
+        </p:nvPicPr>
+        <p:blipFill>
+          <a:blip r:embed="rId2"/>
+          <a:stretch/>
+        </p:blipFill>
+        <p:spPr>
+          <a:xfrm>
+            <a:off x="4464000" y="4091760"/>
+            <a:ext cx="1676160" cy="228240"/>
+          </a:xfrm>
+          <a:prstGeom prst="rect">
+            <a:avLst/>
+          </a:prstGeom>
+          <a:ln>
+            <a:noFill/>
+          </a:ln>
+        </p:spPr>
+      </p:pic>
+      <p:pic>
+        <p:nvPicPr>
+          <p:cNvPr id="97" name="" descr=""/>
+          <p:cNvPicPr/>
+          <p:nvPr/>
+        </p:nvPicPr>
+        <p:blipFill>
+          <a:blip r:embed="rId3"/>
+          <a:stretch/>
+        </p:blipFill>
+        <p:spPr>
+          <a:xfrm>
+            <a:off x="7488000" y="3108600"/>
+            <a:ext cx="2095200" cy="1571400"/>
+          </a:xfrm>
+          <a:prstGeom prst="rect">
+            <a:avLst/>
+          </a:prstGeom>
+          <a:ln>
+            <a:noFill/>
+          </a:ln>
+        </p:spPr>
+      </p:pic>
     </p:spTree>
   </p:cSld>
   <p:timing>
@@ -6892,39 +7261,16 @@
           <a:chExt cx="0" cy="0"/>
         </a:xfrm>
       </p:grpSpPr>
-      <p:pic>
-        <p:nvPicPr>
-          <p:cNvPr id="94" name="Imagem 1" descr=""/>
-          <p:cNvPicPr/>
-          <p:nvPr/>
-        </p:nvPicPr>
-        <p:blipFill>
-          <a:blip r:embed="rId1"/>
-          <a:stretch/>
-        </p:blipFill>
-        <p:spPr>
-          <a:xfrm>
-            <a:off x="0" y="0"/>
-            <a:ext cx="12191400" cy="6857280"/>
-          </a:xfrm>
-          <a:prstGeom prst="rect">
-            <a:avLst/>
-          </a:prstGeom>
-          <a:ln w="9360">
-            <a:noFill/>
-          </a:ln>
-        </p:spPr>
-      </p:pic>
-      <p:sp>
-        <p:nvSpPr>
-          <p:cNvPr id="95" name="CustomShape 1"/>
+      <p:sp>
+        <p:nvSpPr>
+          <p:cNvPr id="98" name="CustomShape 1"/>
           <p:cNvSpPr/>
           <p:nvPr/>
         </p:nvSpPr>
         <p:spPr>
           <a:xfrm>
             <a:off x="888120" y="1066680"/>
-            <a:ext cx="10514880" cy="848520"/>
+            <a:ext cx="10514520" cy="848160"/>
           </a:xfrm>
           <a:prstGeom prst="rect">
             <a:avLst/>
@@ -6951,11 +7297,12 @@
               </a:lnSpc>
             </a:pPr>
             <a:r>
-              <a:rPr b="1" lang="pt-BR" sz="4000" spc="-46" strike="noStrike">
+              <a:rPr b="1" lang="pt-BR" sz="4000" spc="-43" strike="noStrike">
                 <a:solidFill>
                   <a:srgbClr val="45869e"/>
                 </a:solidFill>
                 <a:latin typeface="Calibri Light"/>
+                <a:ea typeface="DejaVu Sans"/>
               </a:rPr>
               <a:t>Tensão Elétrica</a:t>
             </a:r>
@@ -6967,14 +7314,14 @@
       </p:sp>
       <p:sp>
         <p:nvSpPr>
-          <p:cNvPr id="96" name="CustomShape 2"/>
+          <p:cNvPr id="99" name="CustomShape 2"/>
           <p:cNvSpPr/>
           <p:nvPr/>
         </p:nvSpPr>
         <p:spPr>
           <a:xfrm>
-            <a:off x="1546200" y="1966680"/>
-            <a:ext cx="9325440" cy="4656960"/>
+            <a:off x="864000" y="1966680"/>
+            <a:ext cx="11088000" cy="4656600"/>
           </a:xfrm>
           <a:prstGeom prst="rect">
             <a:avLst/>
@@ -7011,7 +7358,7 @@
             </a:endParaRPr>
           </a:p>
           <a:p>
-            <a:pPr marL="91440" indent="-90720" algn="just">
+            <a:pPr marL="91440" indent="-90360" algn="just">
               <a:lnSpc>
                 <a:spcPct val="100000"/>
               </a:lnSpc>
@@ -7033,24 +7380,16 @@
                   <a:srgbClr val="45869e"/>
                 </a:solidFill>
                 <a:latin typeface="Calibri Light"/>
-              </a:rPr>
-              <a:t> </a:t>
-            </a:r>
-            <a:r>
-              <a:rPr b="0" lang="pt-BR" sz="1800" spc="-1" strike="noStrike">
-                <a:solidFill>
-                  <a:srgbClr val="45869e"/>
-                </a:solidFill>
-                <a:latin typeface="Calibri"/>
-              </a:rPr>
-              <a:t>Impedância elétrica (GB, GV e PLT);</a:t>
-            </a:r>
-            <a:endParaRPr b="0" lang="pt-BR" sz="1800" spc="-1" strike="noStrike">
-              <a:latin typeface="Arial"/>
-            </a:endParaRPr>
-          </a:p>
-          <a:p>
-            <a:pPr marL="91440" indent="-90720" algn="just">
+                <a:ea typeface="DejaVu Sans"/>
+              </a:rPr>
+              <a:t>Capacidade que um ponto no espaço possui de atrair ou repelir cargas; </a:t>
+            </a:r>
+            <a:endParaRPr b="0" lang="pt-BR" sz="1800" spc="-1" strike="noStrike">
+              <a:latin typeface="Arial"/>
+            </a:endParaRPr>
+          </a:p>
+          <a:p>
+            <a:pPr marL="91440" indent="-90360" algn="just">
               <a:lnSpc>
                 <a:spcPct val="100000"/>
               </a:lnSpc>
@@ -7072,26 +7411,18 @@
                   <a:srgbClr val="45869e"/>
                 </a:solidFill>
                 <a:latin typeface="Calibri"/>
-              </a:rPr>
-              <a:t> </a:t>
-            </a:r>
-            <a:r>
-              <a:rPr b="0" lang="pt-BR" sz="1800" spc="-1" strike="noStrike">
-                <a:solidFill>
-                  <a:srgbClr val="45869e"/>
-                </a:solidFill>
-                <a:latin typeface="Calibri"/>
-              </a:rPr>
-              <a:t>Absorbância de luz (HGB);</a:t>
-            </a:r>
-            <a:endParaRPr b="0" lang="pt-BR" sz="1800" spc="-1" strike="noStrike">
-              <a:latin typeface="Arial"/>
-            </a:endParaRPr>
-          </a:p>
-          <a:p>
-            <a:pPr algn="just">
-              <a:lnSpc>
-                <a:spcPct val="150000"/>
+                <a:ea typeface="DejaVu Sans"/>
+              </a:rPr>
+              <a:t>A unidade no SI é J/C = V (volt) ;</a:t>
+            </a:r>
+            <a:endParaRPr b="0" lang="pt-BR" sz="1800" spc="-1" strike="noStrike">
+              <a:latin typeface="Arial"/>
+            </a:endParaRPr>
+          </a:p>
+          <a:p>
+            <a:pPr marL="91440" indent="-90360" algn="just">
+              <a:lnSpc>
+                <a:spcPct val="100000"/>
               </a:lnSpc>
               <a:spcBef>
                 <a:spcPts val="1199"/>
@@ -7099,7 +7430,22 @@
               <a:spcAft>
                 <a:spcPts val="201"/>
               </a:spcAft>
-            </a:pPr>
+              <a:buClr>
+                <a:srgbClr val="124163"/>
+              </a:buClr>
+              <a:buFont typeface="Arial"/>
+              <a:buChar char="•"/>
+            </a:pPr>
+            <a:r>
+              <a:rPr b="0" lang="pt-BR" sz="1800" spc="-1" strike="noStrike">
+                <a:solidFill>
+                  <a:srgbClr val="45869e"/>
+                </a:solidFill>
+                <a:latin typeface="Calibri"/>
+                <a:ea typeface="DejaVu Sans"/>
+              </a:rPr>
+              <a:t>1V : Esse ponto dotar de 1 J de energia cada 1 C existente nele.</a:t>
+            </a:r>
             <a:endParaRPr b="0" lang="pt-BR" sz="1800" spc="-1" strike="noStrike">
               <a:latin typeface="Arial"/>
             </a:endParaRPr>
@@ -7120,8 +7466,47 @@
               <a:latin typeface="Arial"/>
             </a:endParaRPr>
           </a:p>
-        </p:txBody>
-      </p:sp>
+          <a:p>
+            <a:pPr algn="just">
+              <a:lnSpc>
+                <a:spcPct val="150000"/>
+              </a:lnSpc>
+              <a:spcBef>
+                <a:spcPts val="1199"/>
+              </a:spcBef>
+              <a:spcAft>
+                <a:spcPts val="201"/>
+              </a:spcAft>
+            </a:pPr>
+            <a:endParaRPr b="0" lang="pt-BR" sz="1800" spc="-1" strike="noStrike">
+              <a:latin typeface="Arial"/>
+            </a:endParaRPr>
+          </a:p>
+        </p:txBody>
+      </p:sp>
+      <p:pic>
+        <p:nvPicPr>
+          <p:cNvPr id="100" name="" descr=""/>
+          <p:cNvPicPr/>
+          <p:nvPr/>
+        </p:nvPicPr>
+        <p:blipFill>
+          <a:blip r:embed="rId1"/>
+          <a:stretch/>
+        </p:blipFill>
+        <p:spPr>
+          <a:xfrm>
+            <a:off x="4032000" y="3888000"/>
+            <a:ext cx="4372200" cy="2664000"/>
+          </a:xfrm>
+          <a:prstGeom prst="rect">
+            <a:avLst/>
+          </a:prstGeom>
+          <a:ln>
+            <a:noFill/>
+          </a:ln>
+        </p:spPr>
+      </p:pic>
     </p:spTree>
   </p:cSld>
   <p:timing>
@@ -7173,7 +7558,7 @@
       </p:grpSpPr>
       <p:pic>
         <p:nvPicPr>
-          <p:cNvPr id="97" name="Imagem 1" descr=""/>
+          <p:cNvPr id="101" name="Imagem 1" descr=""/>
           <p:cNvPicPr/>
           <p:nvPr/>
         </p:nvPicPr>
@@ -7184,7 +7569,7 @@
         <p:spPr>
           <a:xfrm>
             <a:off x="0" y="0"/>
-            <a:ext cx="12191400" cy="6857280"/>
+            <a:ext cx="12191040" cy="6856920"/>
           </a:xfrm>
           <a:prstGeom prst="rect">
             <a:avLst/>
@@ -7196,14 +7581,14 @@
       </p:pic>
       <p:sp>
         <p:nvSpPr>
-          <p:cNvPr id="98" name="CustomShape 1"/>
+          <p:cNvPr id="102" name="CustomShape 1"/>
           <p:cNvSpPr/>
           <p:nvPr/>
         </p:nvSpPr>
         <p:spPr>
           <a:xfrm>
             <a:off x="888120" y="1066680"/>
-            <a:ext cx="10514880" cy="848520"/>
+            <a:ext cx="10514520" cy="848160"/>
           </a:xfrm>
           <a:prstGeom prst="rect">
             <a:avLst/>
@@ -7230,11 +7615,12 @@
               </a:lnSpc>
             </a:pPr>
             <a:r>
-              <a:rPr b="1" lang="pt-BR" sz="4000" spc="-46" strike="noStrike">
+              <a:rPr b="1" lang="pt-BR" sz="4000" spc="-43" strike="noStrike">
                 <a:solidFill>
                   <a:srgbClr val="45869e"/>
                 </a:solidFill>
                 <a:latin typeface="Calibri Light"/>
+                <a:ea typeface="DejaVu Sans"/>
               </a:rPr>
               <a:t>Corrente Elétrica</a:t>
             </a:r>
@@ -7246,14 +7632,14 @@
       </p:sp>
       <p:sp>
         <p:nvSpPr>
-          <p:cNvPr id="99" name="CustomShape 2"/>
+          <p:cNvPr id="103" name="CustomShape 2"/>
           <p:cNvSpPr/>
           <p:nvPr/>
         </p:nvSpPr>
         <p:spPr>
           <a:xfrm>
             <a:off x="1546200" y="1966680"/>
-            <a:ext cx="9325440" cy="4656960"/>
+            <a:ext cx="9325080" cy="4656600"/>
           </a:xfrm>
           <a:prstGeom prst="rect">
             <a:avLst/>
@@ -7274,7 +7660,7 @@
             <a:normAutofit/>
           </a:bodyPr>
           <a:p>
-            <a:pPr algn="ctr">
+            <a:pPr algn="just">
               <a:lnSpc>
                 <a:spcPct val="100000"/>
               </a:lnSpc>
@@ -7290,9 +7676,9 @@
             </a:endParaRPr>
           </a:p>
           <a:p>
-            <a:pPr marL="91440" indent="-90720" algn="just">
-              <a:lnSpc>
-                <a:spcPct val="100000"/>
+            <a:pPr algn="just">
+              <a:lnSpc>
+                <a:spcPct val="150000"/>
               </a:lnSpc>
               <a:spcBef>
                 <a:spcPts val="1199"/>
@@ -7300,11 +7686,70 @@
               <a:spcAft>
                 <a:spcPts val="201"/>
               </a:spcAft>
+            </a:pPr>
+            <a:endParaRPr b="0" lang="pt-BR" sz="1800" spc="-1" strike="noStrike">
+              <a:latin typeface="Arial"/>
+            </a:endParaRPr>
+          </a:p>
+        </p:txBody>
+      </p:sp>
+      <p:pic>
+        <p:nvPicPr>
+          <p:cNvPr id="104" name="" descr=""/>
+          <p:cNvPicPr/>
+          <p:nvPr/>
+        </p:nvPicPr>
+        <p:blipFill>
+          <a:blip r:embed="rId2"/>
+          <a:stretch/>
+        </p:blipFill>
+        <p:spPr>
+          <a:xfrm>
+            <a:off x="2842200" y="4776120"/>
+            <a:ext cx="6805800" cy="1847160"/>
+          </a:xfrm>
+          <a:prstGeom prst="rect">
+            <a:avLst/>
+          </a:prstGeom>
+          <a:ln>
+            <a:noFill/>
+          </a:ln>
+        </p:spPr>
+      </p:pic>
+      <p:sp>
+        <p:nvSpPr>
+          <p:cNvPr id="105" name="TextShape 3"/>
+          <p:cNvSpPr txBox="1"/>
+          <p:nvPr/>
+        </p:nvSpPr>
+        <p:spPr>
+          <a:xfrm>
+            <a:off x="836640" y="2088000"/>
+            <a:ext cx="10179360" cy="2520000"/>
+          </a:xfrm>
+          <a:prstGeom prst="rect">
+            <a:avLst/>
+          </a:prstGeom>
+          <a:noFill/>
+          <a:ln>
+            <a:noFill/>
+          </a:ln>
+        </p:spPr>
+        <p:txBody>
+          <a:bodyPr lIns="90000" rIns="90000" tIns="45000" bIns="45000"/>
+          <a:p>
+            <a:endParaRPr b="0" lang="pt-BR" sz="1800" spc="-1" strike="noStrike">
+              <a:latin typeface="Arial"/>
+            </a:endParaRPr>
+          </a:p>
+          <a:p>
+            <a:pPr marL="216000" indent="-216000">
               <a:buClr>
-                <a:srgbClr val="124163"/>
+                <a:srgbClr val="000000"/>
               </a:buClr>
-              <a:buFont typeface="Arial"/>
-              <a:buChar char="•"/>
+              <a:buSzPct val="45000"/>
+              <a:buFont typeface="Wingdings" charset="2"/>
+              <a:buChar char=""/>
             </a:pPr>
             <a:r>
               <a:rPr b="0" lang="pt-BR" sz="1800" spc="-1" strike="noStrike">
@@ -7312,38 +7757,45 @@
                   <a:srgbClr val="45869e"/>
                 </a:solidFill>
                 <a:latin typeface="Calibri Light"/>
-              </a:rPr>
-              <a:t> </a:t>
-            </a:r>
+                <a:ea typeface="DejaVu Sans"/>
+              </a:rPr>
+              <a:t>Movimento ordenado de cargas ;</a:t>
+            </a:r>
+            <a:endParaRPr b="0" lang="pt-BR" sz="1800" spc="-1" strike="noStrike">
+              <a:latin typeface="Arial"/>
+            </a:endParaRPr>
+          </a:p>
+          <a:p>
+            <a:pPr marL="216000" indent="-216000">
+              <a:buClr>
+                <a:srgbClr val="000000"/>
+              </a:buClr>
+              <a:buSzPct val="45000"/>
+              <a:buFont typeface="Wingdings" charset="2"/>
+              <a:buChar char=""/>
+            </a:pPr>
             <a:r>
               <a:rPr b="0" lang="pt-BR" sz="1800" spc="-1" strike="noStrike">
                 <a:solidFill>
                   <a:srgbClr val="45869e"/>
                 </a:solidFill>
                 <a:latin typeface="Calibri"/>
-              </a:rPr>
-              <a:t>Impedância elétrica (GB, GV e PLT);</a:t>
-            </a:r>
-            <a:endParaRPr b="0" lang="pt-BR" sz="1800" spc="-1" strike="noStrike">
-              <a:latin typeface="Arial"/>
-            </a:endParaRPr>
-          </a:p>
-          <a:p>
-            <a:pPr marL="91440" indent="-90720" algn="just">
-              <a:lnSpc>
-                <a:spcPct val="100000"/>
-              </a:lnSpc>
-              <a:spcBef>
-                <a:spcPts val="1199"/>
-              </a:spcBef>
-              <a:spcAft>
-                <a:spcPts val="201"/>
-              </a:spcAft>
+                <a:ea typeface="DejaVu Sans"/>
+              </a:rPr>
+              <a:t>A unidade no SI é C/s = A (Ampére) ;</a:t>
+            </a:r>
+            <a:endParaRPr b="0" lang="pt-BR" sz="1800" spc="-1" strike="noStrike">
+              <a:latin typeface="Arial"/>
+            </a:endParaRPr>
+          </a:p>
+          <a:p>
+            <a:pPr marL="216000" indent="-216000">
               <a:buClr>
-                <a:srgbClr val="124163"/>
+                <a:srgbClr val="000000"/>
               </a:buClr>
-              <a:buFont typeface="Arial"/>
-              <a:buChar char="•"/>
+              <a:buSzPct val="45000"/>
+              <a:buFont typeface="Wingdings" charset="2"/>
+              <a:buChar char=""/>
             </a:pPr>
             <a:r>
               <a:rPr b="0" lang="pt-BR" sz="1800" spc="-1" strike="noStrike">
@@ -7351,50 +7803,10 @@
                   <a:srgbClr val="45869e"/>
                 </a:solidFill>
                 <a:latin typeface="Calibri"/>
-              </a:rPr>
-              <a:t> </a:t>
-            </a:r>
-            <a:r>
-              <a:rPr b="0" lang="pt-BR" sz="1800" spc="-1" strike="noStrike">
-                <a:solidFill>
-                  <a:srgbClr val="45869e"/>
-                </a:solidFill>
-                <a:latin typeface="Calibri"/>
-              </a:rPr>
-              <a:t>Absorbância de luz (HGB);</a:t>
-            </a:r>
-            <a:endParaRPr b="0" lang="pt-BR" sz="1800" spc="-1" strike="noStrike">
-              <a:latin typeface="Arial"/>
-            </a:endParaRPr>
-          </a:p>
-          <a:p>
-            <a:pPr algn="just">
-              <a:lnSpc>
-                <a:spcPct val="150000"/>
-              </a:lnSpc>
-              <a:spcBef>
-                <a:spcPts val="1199"/>
-              </a:spcBef>
-              <a:spcAft>
-                <a:spcPts val="201"/>
-              </a:spcAft>
-            </a:pPr>
-            <a:endParaRPr b="0" lang="pt-BR" sz="1800" spc="-1" strike="noStrike">
-              <a:latin typeface="Arial"/>
-            </a:endParaRPr>
-          </a:p>
-          <a:p>
-            <a:pPr algn="just">
-              <a:lnSpc>
-                <a:spcPct val="150000"/>
-              </a:lnSpc>
-              <a:spcBef>
-                <a:spcPts val="1199"/>
-              </a:spcBef>
-              <a:spcAft>
-                <a:spcPts val="201"/>
-              </a:spcAft>
-            </a:pPr>
+                <a:ea typeface="DejaVu Sans"/>
+              </a:rPr>
+              <a:t>1A: A cada segundo 1 Coulomb passa pelo ramo;</a:t>
+            </a:r>
             <a:endParaRPr b="0" lang="pt-BR" sz="1800" spc="-1" strike="noStrike">
               <a:latin typeface="Arial"/>
             </a:endParaRPr>
@@ -7452,7 +7864,7 @@
       </p:grpSpPr>
       <p:pic>
         <p:nvPicPr>
-          <p:cNvPr id="100" name="Imagem 1" descr=""/>
+          <p:cNvPr id="106" name="Imagem 1" descr=""/>
           <p:cNvPicPr/>
           <p:nvPr/>
         </p:nvPicPr>
@@ -7463,7 +7875,7 @@
         <p:spPr>
           <a:xfrm>
             <a:off x="0" y="0"/>
-            <a:ext cx="12191400" cy="6857280"/>
+            <a:ext cx="12191040" cy="6856920"/>
           </a:xfrm>
           <a:prstGeom prst="rect">
             <a:avLst/>
@@ -7475,14 +7887,14 @@
       </p:pic>
       <p:sp>
         <p:nvSpPr>
-          <p:cNvPr id="101" name="CustomShape 1"/>
+          <p:cNvPr id="107" name="CustomShape 1"/>
           <p:cNvSpPr/>
           <p:nvPr/>
         </p:nvSpPr>
         <p:spPr>
           <a:xfrm>
             <a:off x="888120" y="1066680"/>
-            <a:ext cx="10514880" cy="848520"/>
+            <a:ext cx="10514520" cy="848160"/>
           </a:xfrm>
           <a:prstGeom prst="rect">
             <a:avLst/>
@@ -7509,11 +7921,12 @@
               </a:lnSpc>
             </a:pPr>
             <a:r>
-              <a:rPr b="1" lang="pt-BR" sz="4000" spc="-46" strike="noStrike">
+              <a:rPr b="1" lang="pt-BR" sz="4000" spc="-43" strike="noStrike">
                 <a:solidFill>
                   <a:srgbClr val="45869e"/>
                 </a:solidFill>
                 <a:latin typeface="Calibri Light"/>
+                <a:ea typeface="DejaVu Sans"/>
               </a:rPr>
               <a:t>Energia</a:t>
             </a:r>
@@ -7525,14 +7938,14 @@
       </p:sp>
       <p:sp>
         <p:nvSpPr>
-          <p:cNvPr id="102" name="CustomShape 2"/>
+          <p:cNvPr id="108" name="CustomShape 2"/>
           <p:cNvSpPr/>
           <p:nvPr/>
         </p:nvSpPr>
         <p:spPr>
           <a:xfrm>
             <a:off x="1546200" y="1966680"/>
-            <a:ext cx="9325440" cy="4656960"/>
+            <a:ext cx="9325080" cy="4656600"/>
           </a:xfrm>
           <a:prstGeom prst="rect">
             <a:avLst/>
@@ -7569,7 +7982,7 @@
             </a:endParaRPr>
           </a:p>
           <a:p>
-            <a:pPr marL="91440" indent="-90720" algn="just">
+            <a:pPr marL="91440" indent="-90360" algn="just">
               <a:lnSpc>
                 <a:spcPct val="100000"/>
               </a:lnSpc>
@@ -7591,6 +8004,7 @@
                   <a:srgbClr val="45869e"/>
                 </a:solidFill>
                 <a:latin typeface="Calibri Light"/>
+                <a:ea typeface="DejaVu Sans"/>
               </a:rPr>
               <a:t> </a:t>
             </a:r>
@@ -7600,6 +8014,7 @@
                   <a:srgbClr val="45869e"/>
                 </a:solidFill>
                 <a:latin typeface="Calibri"/>
+                <a:ea typeface="DejaVu Sans"/>
               </a:rPr>
               <a:t>Impedância elétrica (GB, GV e PLT);</a:t>
             </a:r>
@@ -7608,7 +8023,7 @@
             </a:endParaRPr>
           </a:p>
           <a:p>
-            <a:pPr marL="91440" indent="-90720" algn="just">
+            <a:pPr marL="91440" indent="-90360" algn="just">
               <a:lnSpc>
                 <a:spcPct val="100000"/>
               </a:lnSpc>
@@ -7630,6 +8045,7 @@
                   <a:srgbClr val="45869e"/>
                 </a:solidFill>
                 <a:latin typeface="Calibri"/>
+                <a:ea typeface="DejaVu Sans"/>
               </a:rPr>
               <a:t> </a:t>
             </a:r>
@@ -7639,6 +8055,7 @@
                   <a:srgbClr val="45869e"/>
                 </a:solidFill>
                 <a:latin typeface="Calibri"/>
+                <a:ea typeface="DejaVu Sans"/>
               </a:rPr>
               <a:t>Absorbância de luz (HGB);</a:t>
             </a:r>
@@ -7731,7 +8148,7 @@
       </p:grpSpPr>
       <p:pic>
         <p:nvPicPr>
-          <p:cNvPr id="103" name="Imagem 1" descr=""/>
+          <p:cNvPr id="109" name="Imagem 1" descr=""/>
           <p:cNvPicPr/>
           <p:nvPr/>
         </p:nvPicPr>
@@ -7742,7 +8159,7 @@
         <p:spPr>
           <a:xfrm>
             <a:off x="0" y="0"/>
-            <a:ext cx="12191400" cy="6857280"/>
+            <a:ext cx="12191040" cy="6856920"/>
           </a:xfrm>
           <a:prstGeom prst="rect">
             <a:avLst/>
@@ -7754,14 +8171,14 @@
       </p:pic>
       <p:sp>
         <p:nvSpPr>
-          <p:cNvPr id="104" name="CustomShape 1"/>
+          <p:cNvPr id="110" name="CustomShape 1"/>
           <p:cNvSpPr/>
           <p:nvPr/>
         </p:nvSpPr>
         <p:spPr>
           <a:xfrm>
             <a:off x="888120" y="1066680"/>
-            <a:ext cx="10514880" cy="848520"/>
+            <a:ext cx="10514520" cy="848160"/>
           </a:xfrm>
           <a:prstGeom prst="rect">
             <a:avLst/>
@@ -7788,11 +8205,12 @@
               </a:lnSpc>
             </a:pPr>
             <a:r>
-              <a:rPr b="1" lang="pt-BR" sz="4000" spc="-46" strike="noStrike">
+              <a:rPr b="1" lang="pt-BR" sz="4000" spc="-43" strike="noStrike">
                 <a:solidFill>
                   <a:srgbClr val="45869e"/>
                 </a:solidFill>
                 <a:latin typeface="Calibri Light"/>
+                <a:ea typeface="DejaVu Sans"/>
               </a:rPr>
               <a:t>Potência</a:t>
             </a:r>
@@ -7804,14 +8222,14 @@
       </p:sp>
       <p:sp>
         <p:nvSpPr>
-          <p:cNvPr id="105" name="CustomShape 2"/>
+          <p:cNvPr id="111" name="CustomShape 2"/>
           <p:cNvSpPr/>
           <p:nvPr/>
         </p:nvSpPr>
         <p:spPr>
           <a:xfrm>
             <a:off x="1546200" y="1966680"/>
-            <a:ext cx="9325440" cy="4656960"/>
+            <a:ext cx="9325080" cy="4656600"/>
           </a:xfrm>
           <a:prstGeom prst="rect">
             <a:avLst/>
@@ -7848,7 +8266,7 @@
             </a:endParaRPr>
           </a:p>
           <a:p>
-            <a:pPr marL="91440" indent="-90720" algn="just">
+            <a:pPr marL="91440" indent="-90360" algn="just">
               <a:lnSpc>
                 <a:spcPct val="100000"/>
               </a:lnSpc>
@@ -7870,6 +8288,7 @@
                   <a:srgbClr val="45869e"/>
                 </a:solidFill>
                 <a:latin typeface="Calibri Light"/>
+                <a:ea typeface="DejaVu Sans"/>
               </a:rPr>
               <a:t> </a:t>
             </a:r>
@@ -7879,6 +8298,7 @@
                   <a:srgbClr val="45869e"/>
                 </a:solidFill>
                 <a:latin typeface="Calibri"/>
+                <a:ea typeface="DejaVu Sans"/>
               </a:rPr>
               <a:t>Impedância elétrica (GB, GV e PLT);</a:t>
             </a:r>
@@ -7887,7 +8307,7 @@
             </a:endParaRPr>
           </a:p>
           <a:p>
-            <a:pPr marL="91440" indent="-90720" algn="just">
+            <a:pPr marL="91440" indent="-90360" algn="just">
               <a:lnSpc>
                 <a:spcPct val="100000"/>
               </a:lnSpc>
@@ -7909,6 +8329,7 @@
                   <a:srgbClr val="45869e"/>
                 </a:solidFill>
                 <a:latin typeface="Calibri"/>
+                <a:ea typeface="DejaVu Sans"/>
               </a:rPr>
               <a:t> </a:t>
             </a:r>
@@ -7918,6 +8339,7 @@
                   <a:srgbClr val="45869e"/>
                 </a:solidFill>
                 <a:latin typeface="Calibri"/>
+                <a:ea typeface="DejaVu Sans"/>
               </a:rPr>
               <a:t>Absorbância de luz (HGB);</a:t>
             </a:r>
@@ -8010,7 +8432,7 @@
       </p:grpSpPr>
       <p:pic>
         <p:nvPicPr>
-          <p:cNvPr id="106" name="Imagem 1" descr=""/>
+          <p:cNvPr id="112" name="Imagem 1" descr=""/>
           <p:cNvPicPr/>
           <p:nvPr/>
         </p:nvPicPr>
@@ -8021,7 +8443,7 @@
         <p:spPr>
           <a:xfrm>
             <a:off x="0" y="0"/>
-            <a:ext cx="12191400" cy="6857280"/>
+            <a:ext cx="12191040" cy="6856920"/>
           </a:xfrm>
           <a:prstGeom prst="rect">
             <a:avLst/>
@@ -8033,14 +8455,14 @@
       </p:pic>
       <p:sp>
         <p:nvSpPr>
-          <p:cNvPr id="107" name="CustomShape 1"/>
+          <p:cNvPr id="113" name="CustomShape 1"/>
           <p:cNvSpPr/>
           <p:nvPr/>
         </p:nvSpPr>
         <p:spPr>
           <a:xfrm>
             <a:off x="888120" y="1066680"/>
-            <a:ext cx="10514880" cy="848520"/>
+            <a:ext cx="10514520" cy="848160"/>
           </a:xfrm>
           <a:prstGeom prst="rect">
             <a:avLst/>
@@ -8067,11 +8489,12 @@
               </a:lnSpc>
             </a:pPr>
             <a:r>
-              <a:rPr b="1" lang="pt-BR" sz="4000" spc="-46" strike="noStrike">
+              <a:rPr b="1" lang="pt-BR" sz="4000" spc="-43" strike="noStrike">
                 <a:solidFill>
                   <a:srgbClr val="45869e"/>
                 </a:solidFill>
                 <a:latin typeface="Calibri Light"/>
+                <a:ea typeface="DejaVu Sans"/>
               </a:rPr>
               <a:t>Resistor</a:t>
             </a:r>
@@ -8083,14 +8506,14 @@
       </p:sp>
       <p:sp>
         <p:nvSpPr>
-          <p:cNvPr id="108" name="CustomShape 2"/>
+          <p:cNvPr id="114" name="CustomShape 2"/>
           <p:cNvSpPr/>
           <p:nvPr/>
         </p:nvSpPr>
         <p:spPr>
           <a:xfrm>
             <a:off x="1546200" y="1966680"/>
-            <a:ext cx="9325440" cy="4656960"/>
+            <a:ext cx="9325080" cy="4656600"/>
           </a:xfrm>
           <a:prstGeom prst="rect">
             <a:avLst/>
@@ -8127,7 +8550,7 @@
             </a:endParaRPr>
           </a:p>
           <a:p>
-            <a:pPr marL="91440" indent="-90720" algn="just">
+            <a:pPr marL="91440" indent="-90360" algn="just">
               <a:lnSpc>
                 <a:spcPct val="100000"/>
               </a:lnSpc>
@@ -8149,6 +8572,7 @@
                   <a:srgbClr val="45869e"/>
                 </a:solidFill>
                 <a:latin typeface="Calibri Light"/>
+                <a:ea typeface="DejaVu Sans"/>
               </a:rPr>
               <a:t> </a:t>
             </a:r>
@@ -8158,6 +8582,7 @@
                   <a:srgbClr val="45869e"/>
                 </a:solidFill>
                 <a:latin typeface="Calibri"/>
+                <a:ea typeface="DejaVu Sans"/>
               </a:rPr>
               <a:t>Impedância elétrica (GB, GV e PLT);</a:t>
             </a:r>
@@ -8166,7 +8591,7 @@
             </a:endParaRPr>
           </a:p>
           <a:p>
-            <a:pPr marL="91440" indent="-90720" algn="just">
+            <a:pPr marL="91440" indent="-90360" algn="just">
               <a:lnSpc>
                 <a:spcPct val="100000"/>
               </a:lnSpc>
@@ -8188,6 +8613,7 @@
                   <a:srgbClr val="45869e"/>
                 </a:solidFill>
                 <a:latin typeface="Calibri"/>
+                <a:ea typeface="DejaVu Sans"/>
               </a:rPr>
               <a:t> </a:t>
             </a:r>
@@ -8197,6 +8623,7 @@
                   <a:srgbClr val="45869e"/>
                 </a:solidFill>
                 <a:latin typeface="Calibri"/>
+                <a:ea typeface="DejaVu Sans"/>
               </a:rPr>
               <a:t>Absorbância de luz (HGB);</a:t>
             </a:r>
@@ -8289,7 +8716,7 @@
       </p:grpSpPr>
       <p:pic>
         <p:nvPicPr>
-          <p:cNvPr id="109" name="Imagem 1" descr=""/>
+          <p:cNvPr id="115" name="Imagem 1" descr=""/>
           <p:cNvPicPr/>
           <p:nvPr/>
         </p:nvPicPr>
@@ -8300,7 +8727,7 @@
         <p:spPr>
           <a:xfrm>
             <a:off x="0" y="0"/>
-            <a:ext cx="12191400" cy="6857280"/>
+            <a:ext cx="12191040" cy="6856920"/>
           </a:xfrm>
           <a:prstGeom prst="rect">
             <a:avLst/>
@@ -8312,14 +8739,14 @@
       </p:pic>
       <p:sp>
         <p:nvSpPr>
-          <p:cNvPr id="110" name="CustomShape 1"/>
+          <p:cNvPr id="116" name="CustomShape 1"/>
           <p:cNvSpPr/>
           <p:nvPr/>
         </p:nvSpPr>
         <p:spPr>
           <a:xfrm>
             <a:off x="888120" y="1066680"/>
-            <a:ext cx="10514880" cy="848520"/>
+            <a:ext cx="10514520" cy="848160"/>
           </a:xfrm>
           <a:prstGeom prst="rect">
             <a:avLst/>
@@ -8346,11 +8773,12 @@
               </a:lnSpc>
             </a:pPr>
             <a:r>
-              <a:rPr b="1" lang="pt-BR" sz="4000" spc="-46" strike="noStrike">
+              <a:rPr b="1" lang="pt-BR" sz="4000" spc="-43" strike="noStrike">
                 <a:solidFill>
                   <a:srgbClr val="45869e"/>
                 </a:solidFill>
                 <a:latin typeface="Calibri Light"/>
+                <a:ea typeface="DejaVu Sans"/>
               </a:rPr>
               <a:t>Fusível</a:t>
             </a:r>
@@ -8362,14 +8790,14 @@
       </p:sp>
       <p:sp>
         <p:nvSpPr>
-          <p:cNvPr id="111" name="CustomShape 2"/>
+          <p:cNvPr id="117" name="CustomShape 2"/>
           <p:cNvSpPr/>
           <p:nvPr/>
         </p:nvSpPr>
         <p:spPr>
           <a:xfrm>
             <a:off x="1546200" y="1966680"/>
-            <a:ext cx="9325440" cy="4656960"/>
+            <a:ext cx="9325080" cy="4656600"/>
           </a:xfrm>
           <a:prstGeom prst="rect">
             <a:avLst/>
@@ -8406,7 +8834,7 @@
             </a:endParaRPr>
           </a:p>
           <a:p>
-            <a:pPr marL="91440" indent="-90720" algn="just">
+            <a:pPr marL="91440" indent="-90360" algn="just">
               <a:lnSpc>
                 <a:spcPct val="100000"/>
               </a:lnSpc>
@@ -8428,6 +8856,7 @@
                   <a:srgbClr val="45869e"/>
                 </a:solidFill>
                 <a:latin typeface="Calibri Light"/>
+                <a:ea typeface="DejaVu Sans"/>
               </a:rPr>
               <a:t> </a:t>
             </a:r>
@@ -8437,6 +8866,7 @@
                   <a:srgbClr val="45869e"/>
                 </a:solidFill>
                 <a:latin typeface="Calibri"/>
+                <a:ea typeface="DejaVu Sans"/>
               </a:rPr>
               <a:t>Impedância elétrica (GB, GV e PLT);</a:t>
             </a:r>
@@ -8445,7 +8875,7 @@
             </a:endParaRPr>
           </a:p>
           <a:p>
-            <a:pPr marL="91440" indent="-90720" algn="just">
+            <a:pPr marL="91440" indent="-90360" algn="just">
               <a:lnSpc>
                 <a:spcPct val="100000"/>
               </a:lnSpc>
@@ -8467,6 +8897,7 @@
                   <a:srgbClr val="45869e"/>
                 </a:solidFill>
                 <a:latin typeface="Calibri"/>
+                <a:ea typeface="DejaVu Sans"/>
               </a:rPr>
               <a:t> </a:t>
             </a:r>
@@ -8476,6 +8907,7 @@
                   <a:srgbClr val="45869e"/>
                 </a:solidFill>
                 <a:latin typeface="Calibri"/>
+                <a:ea typeface="DejaVu Sans"/>
               </a:rPr>
               <a:t>Absorbância de luz (HGB);</a:t>
             </a:r>
